--- a/Docs/DNA Sequence Alignment.pptx
+++ b/Docs/DNA Sequence Alignment.pptx
@@ -1340,8 +1340,8 @@
           <c:layoutTarget val="inner"/>
           <c:xMode val="edge"/>
           <c:yMode val="edge"/>
-          <c:x val="0.14099644223781774"/>
-          <c:y val="1.7227791498159915E-2"/>
+          <c:x val="8.7903658817212502E-2"/>
+          <c:y val="4.8202028480688497E-2"/>
           <c:w val="0.90672700774718096"/>
           <c:h val="0.70843151316463504"/>
         </c:manualLayout>
@@ -1354,7 +1354,7 @@
           <c:order val="0"/>
           <c:tx>
             <c:strRef>
-              <c:f>Foglio1!$BM$113</c:f>
+              <c:f>Foglio1!$BM$131</c:f>
               <c:strCache>
                 <c:ptCount val="1"/>
                 <c:pt idx="0">
@@ -1460,30 +1460,30 @@
           </c:cat>
           <c:val>
             <c:numRef>
-              <c:f>Foglio1!$BN$113:$BT$113</c:f>
+              <c:f>Foglio1!$BN$131:$BT$131</c:f>
               <c:numCache>
                 <c:formatCode>0.00000</c:formatCode>
                 <c:ptCount val="7"/>
                 <c:pt idx="0">
-                  <c:v>1.4999999999999999E-4</c:v>
+                  <c:v>2.4459999999999998E-4</c:v>
                 </c:pt>
                 <c:pt idx="1">
-                  <c:v>2.173E-3</c:v>
+                  <c:v>3.1229999999999999E-3</c:v>
                 </c:pt>
                 <c:pt idx="2">
-                  <c:v>2.1033E-2</c:v>
+                  <c:v>3.0973000000000001E-2</c:v>
                 </c:pt>
                 <c:pt idx="3">
-                  <c:v>0.19085833333333335</c:v>
+                  <c:v>0.28877439999999999</c:v>
                 </c:pt>
                 <c:pt idx="4">
-                  <c:v>1.6579523333333333</c:v>
+                  <c:v>2.3889634000000002</c:v>
                 </c:pt>
                 <c:pt idx="5">
-                  <c:v>6.6898310000000007</c:v>
+                  <c:v>10.516999999999999</c:v>
                 </c:pt>
                 <c:pt idx="6">
-                  <c:v>13.418024666666668</c:v>
+                  <c:v>20.852636799999999</c:v>
                 </c:pt>
               </c:numCache>
             </c:numRef>
@@ -1491,7 +1491,7 @@
           <c:smooth val="0"/>
           <c:extLst>
             <c:ext xmlns:c16="http://schemas.microsoft.com/office/drawing/2014/chart" uri="{C3380CC4-5D6E-409C-BE32-E72D297353CC}">
-              <c16:uniqueId val="{00000000-82D7-4879-9551-48879C429499}"/>
+              <c16:uniqueId val="{00000000-16C4-4934-903A-F849ED12C974}"/>
             </c:ext>
           </c:extLst>
         </c:ser>
@@ -1500,11 +1500,11 @@
           <c:order val="1"/>
           <c:tx>
             <c:strRef>
-              <c:f>Foglio1!$BM$117</c:f>
+              <c:f>Foglio1!$BM$135</c:f>
               <c:strCache>
                 <c:ptCount val="1"/>
                 <c:pt idx="0">
-                  <c:v>OpenMP (2)</c:v>
+                  <c:v>OpenMP (4)</c:v>
                 </c:pt>
               </c:strCache>
             </c:strRef>
@@ -1606,30 +1606,30 @@
           </c:cat>
           <c:val>
             <c:numRef>
-              <c:f>Foglio1!$BN$117:$BT$117</c:f>
+              <c:f>Foglio1!$BN$135:$BT$135</c:f>
               <c:numCache>
                 <c:formatCode>0.00000</c:formatCode>
                 <c:ptCount val="7"/>
                 <c:pt idx="0">
-                  <c:v>2.8800000000000001E-4</c:v>
+                  <c:v>6.2600000000000004E-4</c:v>
                 </c:pt>
                 <c:pt idx="1">
-                  <c:v>1.1473333333333333E-3</c:v>
+                  <c:v>1.1559999999999999E-3</c:v>
                 </c:pt>
                 <c:pt idx="2">
-                  <c:v>1.1872333333333332E-2</c:v>
+                  <c:v>8.9499999999999996E-3</c:v>
                 </c:pt>
                 <c:pt idx="3">
-                  <c:v>0.10700233333333332</c:v>
+                  <c:v>8.2472000000000004E-2</c:v>
                 </c:pt>
                 <c:pt idx="4">
-                  <c:v>0.91200466666666669</c:v>
+                  <c:v>0.65457900000000002</c:v>
                 </c:pt>
                 <c:pt idx="5">
-                  <c:v>4.0424056666666663</c:v>
+                  <c:v>2.8862920000000001</c:v>
                 </c:pt>
                 <c:pt idx="6">
-                  <c:v>7.7441256666666662</c:v>
+                  <c:v>5.5332670000000004</c:v>
                 </c:pt>
               </c:numCache>
             </c:numRef>
@@ -1637,7 +1637,7 @@
           <c:smooth val="0"/>
           <c:extLst>
             <c:ext xmlns:c16="http://schemas.microsoft.com/office/drawing/2014/chart" uri="{C3380CC4-5D6E-409C-BE32-E72D297353CC}">
-              <c16:uniqueId val="{00000001-82D7-4879-9551-48879C429499}"/>
+              <c16:uniqueId val="{00000001-16C4-4934-903A-F849ED12C974}"/>
             </c:ext>
           </c:extLst>
         </c:ser>
@@ -1646,11 +1646,11 @@
           <c:order val="2"/>
           <c:tx>
             <c:strRef>
-              <c:f>Foglio1!$BM$121</c:f>
+              <c:f>Foglio1!$BM$139</c:f>
               <c:strCache>
                 <c:ptCount val="1"/>
                 <c:pt idx="0">
-                  <c:v>OpenMP (4)</c:v>
+                  <c:v>OpenMP (8)</c:v>
                 </c:pt>
               </c:strCache>
             </c:strRef>
@@ -1752,30 +1752,30 @@
           </c:cat>
           <c:val>
             <c:numRef>
-              <c:f>Foglio1!$BN$121:$BT$121</c:f>
+              <c:f>Foglio1!$BN$139:$BT$139</c:f>
               <c:numCache>
                 <c:formatCode>0.00000</c:formatCode>
                 <c:ptCount val="7"/>
                 <c:pt idx="0">
-                  <c:v>9.8333333333333324E-4</c:v>
+                  <c:v>1.6249999999999999E-3</c:v>
                 </c:pt>
                 <c:pt idx="1">
-                  <c:v>2.8959999999999997E-3</c:v>
+                  <c:v>1.036E-3</c:v>
                 </c:pt>
                 <c:pt idx="2">
-                  <c:v>7.5299999999999994E-3</c:v>
+                  <c:v>8.8310000000000003E-3</c:v>
                 </c:pt>
                 <c:pt idx="3">
-                  <c:v>6.1229666666666661E-2</c:v>
+                  <c:v>4.3790999999999997E-2</c:v>
                 </c:pt>
                 <c:pt idx="4">
-                  <c:v>0.52072333333333332</c:v>
+                  <c:v>0.36402800000000002</c:v>
                 </c:pt>
                 <c:pt idx="5">
-                  <c:v>2.3110233333333334</c:v>
+                  <c:v>1.555855</c:v>
                 </c:pt>
                 <c:pt idx="6">
-                  <c:v>4.1831960000000006</c:v>
+                  <c:v>3.038033</c:v>
                 </c:pt>
               </c:numCache>
             </c:numRef>
@@ -1783,7 +1783,7 @@
           <c:smooth val="0"/>
           <c:extLst>
             <c:ext xmlns:c16="http://schemas.microsoft.com/office/drawing/2014/chart" uri="{C3380CC4-5D6E-409C-BE32-E72D297353CC}">
-              <c16:uniqueId val="{00000002-82D7-4879-9551-48879C429499}"/>
+              <c16:uniqueId val="{00000002-16C4-4934-903A-F849ED12C974}"/>
             </c:ext>
           </c:extLst>
         </c:ser>
@@ -1792,11 +1792,11 @@
           <c:order val="3"/>
           <c:tx>
             <c:strRef>
-              <c:f>Foglio1!$BM$125</c:f>
+              <c:f>Foglio1!$BM$143</c:f>
               <c:strCache>
                 <c:ptCount val="1"/>
                 <c:pt idx="0">
-                  <c:v>OpenMP (8)</c:v>
+                  <c:v>OpenMP (16)</c:v>
                 </c:pt>
               </c:strCache>
             </c:strRef>
@@ -1898,30 +1898,30 @@
           </c:cat>
           <c:val>
             <c:numRef>
-              <c:f>Foglio1!$BN$125:$BT$125</c:f>
+              <c:f>Foglio1!$BN$143:$BT$143</c:f>
               <c:numCache>
                 <c:formatCode>0.00000</c:formatCode>
                 <c:ptCount val="7"/>
                 <c:pt idx="0">
-                  <c:v>3.002333333333333E-3</c:v>
+                  <c:v>4.4539999999999996E-3</c:v>
                 </c:pt>
                 <c:pt idx="1">
-                  <c:v>2.2113333333333334E-3</c:v>
+                  <c:v>1.784E-3</c:v>
                 </c:pt>
                 <c:pt idx="2">
-                  <c:v>7.8829999999999994E-3</c:v>
+                  <c:v>4.1489999999999999E-3</c:v>
                 </c:pt>
                 <c:pt idx="3">
-                  <c:v>4.2298333333333334E-2</c:v>
+                  <c:v>2.8105999999999999E-2</c:v>
                 </c:pt>
                 <c:pt idx="4">
-                  <c:v>0.34715466666666667</c:v>
+                  <c:v>0.21088699999999999</c:v>
                 </c:pt>
                 <c:pt idx="5">
-                  <c:v>1.4956883333333331</c:v>
+                  <c:v>0.87304099999999996</c:v>
                 </c:pt>
                 <c:pt idx="6">
-                  <c:v>2.797355</c:v>
+                  <c:v>1.8128839999999999</c:v>
                 </c:pt>
               </c:numCache>
             </c:numRef>
@@ -1929,7 +1929,145 @@
           <c:smooth val="0"/>
           <c:extLst>
             <c:ext xmlns:c16="http://schemas.microsoft.com/office/drawing/2014/chart" uri="{C3380CC4-5D6E-409C-BE32-E72D297353CC}">
-              <c16:uniqueId val="{00000003-82D7-4879-9551-48879C429499}"/>
+              <c16:uniqueId val="{00000003-16C4-4934-903A-F849ED12C974}"/>
+            </c:ext>
+          </c:extLst>
+        </c:ser>
+        <c:ser>
+          <c:idx val="4"/>
+          <c:order val="4"/>
+          <c:tx>
+            <c:strRef>
+              <c:f>Foglio1!$BM$147</c:f>
+              <c:strCache>
+                <c:ptCount val="1"/>
+                <c:pt idx="0">
+                  <c:v>OpenMP (32)</c:v>
+                </c:pt>
+              </c:strCache>
+            </c:strRef>
+          </c:tx>
+          <c:spPr>
+            <a:ln w="28575">
+              <a:solidFill>
+                <a:srgbClr val="00B0F0"/>
+              </a:solidFill>
+            </a:ln>
+          </c:spPr>
+          <c:marker>
+            <c:symbol val="circle"/>
+            <c:size val="5"/>
+            <c:spPr>
+              <a:solidFill>
+                <a:srgbClr val="00B0F0"/>
+              </a:solidFill>
+            </c:spPr>
+          </c:marker>
+          <c:val>
+            <c:numRef>
+              <c:f>Foglio1!$BN$147:$BT$147</c:f>
+              <c:numCache>
+                <c:formatCode>0.00000</c:formatCode>
+                <c:ptCount val="7"/>
+                <c:pt idx="0">
+                  <c:v>8.1259999999999995E-3</c:v>
+                </c:pt>
+                <c:pt idx="1">
+                  <c:v>4.0159999999999996E-3</c:v>
+                </c:pt>
+                <c:pt idx="2">
+                  <c:v>5.8180000000000003E-3</c:v>
+                </c:pt>
+                <c:pt idx="3">
+                  <c:v>2.9111000000000001E-2</c:v>
+                </c:pt>
+                <c:pt idx="4">
+                  <c:v>0.14658499999999999</c:v>
+                </c:pt>
+                <c:pt idx="5">
+                  <c:v>0.55649499999999996</c:v>
+                </c:pt>
+                <c:pt idx="6">
+                  <c:v>1.1137159999999999</c:v>
+                </c:pt>
+              </c:numCache>
+            </c:numRef>
+          </c:val>
+          <c:smooth val="0"/>
+          <c:extLst>
+            <c:ext xmlns:c16="http://schemas.microsoft.com/office/drawing/2014/chart" uri="{C3380CC4-5D6E-409C-BE32-E72D297353CC}">
+              <c16:uniqueId val="{00000004-16C4-4934-903A-F849ED12C974}"/>
+            </c:ext>
+          </c:extLst>
+        </c:ser>
+        <c:ser>
+          <c:idx val="5"/>
+          <c:order val="5"/>
+          <c:tx>
+            <c:strRef>
+              <c:f>Foglio1!$BM$151</c:f>
+              <c:strCache>
+                <c:ptCount val="1"/>
+                <c:pt idx="0">
+                  <c:v>OpenMP (64)</c:v>
+                </c:pt>
+              </c:strCache>
+            </c:strRef>
+          </c:tx>
+          <c:spPr>
+            <a:ln w="28575">
+              <a:solidFill>
+                <a:schemeClr val="accent3">
+                  <a:lumMod val="50000"/>
+                </a:schemeClr>
+              </a:solidFill>
+            </a:ln>
+          </c:spPr>
+          <c:marker>
+            <c:symbol val="circle"/>
+            <c:size val="5"/>
+            <c:spPr>
+              <a:solidFill>
+                <a:schemeClr val="accent3">
+                  <a:lumMod val="50000"/>
+                </a:schemeClr>
+              </a:solidFill>
+            </c:spPr>
+          </c:marker>
+          <c:val>
+            <c:numRef>
+              <c:f>Foglio1!$BN$151:$BT$151</c:f>
+              <c:numCache>
+                <c:formatCode>0.00000</c:formatCode>
+                <c:ptCount val="7"/>
+                <c:pt idx="0">
+                  <c:v>1.2348E-2</c:v>
+                </c:pt>
+                <c:pt idx="1">
+                  <c:v>1.1531E-2</c:v>
+                </c:pt>
+                <c:pt idx="2">
+                  <c:v>7.607E-3</c:v>
+                </c:pt>
+                <c:pt idx="3">
+                  <c:v>2.4392E-2</c:v>
+                </c:pt>
+                <c:pt idx="4">
+                  <c:v>0.110829</c:v>
+                </c:pt>
+                <c:pt idx="5">
+                  <c:v>0.41638500000000001</c:v>
+                </c:pt>
+                <c:pt idx="6">
+                  <c:v>0.85536299999999998</c:v>
+                </c:pt>
+              </c:numCache>
+            </c:numRef>
+          </c:val>
+          <c:smooth val="0"/>
+          <c:extLst>
+            <c:ext xmlns:c16="http://schemas.microsoft.com/office/drawing/2014/chart" uri="{C3380CC4-5D6E-409C-BE32-E72D297353CC}">
+              <c16:uniqueId val="{00000005-16C4-4934-903A-F849ED12C974}"/>
             </c:ext>
           </c:extLst>
         </c:ser>
@@ -2121,10 +2259,10 @@
           <c:layoutTarget val="inner"/>
           <c:xMode val="edge"/>
           <c:yMode val="edge"/>
-          <c:x val="8.7902888237756396E-2"/>
-          <c:y val="4.8204497720403701E-2"/>
+          <c:x val="9.2659279104934836E-2"/>
+          <c:y val="3.0071424894860976E-2"/>
           <c:w val="0.90670782754290502"/>
-          <c:h val="0.70841657701962002"/>
+          <c:h val="0.70844955834495604"/>
         </c:manualLayout>
       </c:layout>
       <c:lineChart>
@@ -2135,11 +2273,303 @@
           <c:order val="0"/>
           <c:tx>
             <c:strRef>
-              <c:f>Foglio1!$J$56</c:f>
+              <c:f>Foglio1!$J$30</c:f>
               <c:strCache>
                 <c:ptCount val="1"/>
                 <c:pt idx="0">
                   <c:v>Sequenziale</c:v>
+                </c:pt>
+              </c:strCache>
+            </c:strRef>
+          </c:tx>
+          <c:spPr>
+            <a:ln w="28440" cap="rnd">
+              <a:solidFill>
+                <a:srgbClr val="156082"/>
+              </a:solidFill>
+              <a:round/>
+            </a:ln>
+          </c:spPr>
+          <c:marker>
+            <c:symbol val="circle"/>
+            <c:size val="5"/>
+            <c:spPr>
+              <a:solidFill>
+                <a:srgbClr val="156082"/>
+              </a:solidFill>
+            </c:spPr>
+          </c:marker>
+          <c:dLbls>
+            <c:spPr>
+              <a:noFill/>
+              <a:ln>
+                <a:noFill/>
+              </a:ln>
+              <a:effectLst/>
+            </c:spPr>
+            <c:txPr>
+              <a:bodyPr wrap="square"/>
+              <a:lstStyle/>
+              <a:p>
+                <a:pPr>
+                  <a:defRPr sz="1000" b="0" u="none" strike="noStrike">
+                    <a:solidFill>
+                      <a:srgbClr val="000000"/>
+                    </a:solidFill>
+                    <a:uFillTx/>
+                    <a:latin typeface="Aptos Narrow"/>
+                  </a:defRPr>
+                </a:pPr>
+                <a:endParaRPr lang="it-IT"/>
+              </a:p>
+            </c:txPr>
+            <c:dLblPos val="r"/>
+            <c:showLegendKey val="0"/>
+            <c:showVal val="0"/>
+            <c:showCatName val="0"/>
+            <c:showSerName val="0"/>
+            <c:showPercent val="0"/>
+            <c:showBubbleSize val="1"/>
+            <c:separator>; </c:separator>
+            <c:showLeaderLines val="0"/>
+            <c:extLst>
+              <c:ext xmlns:c15="http://schemas.microsoft.com/office/drawing/2012/chart" uri="{CE6537A1-D6FC-4f65-9D91-7224C49458BB}">
+                <c15:showLeaderLines val="1"/>
+                <c15:leaderLines>
+                  <c:spPr>
+                    <a:ln w="28440">
+                      <a:solidFill>
+                        <a:srgbClr val="000000"/>
+                      </a:solidFill>
+                    </a:ln>
+                  </c:spPr>
+                </c15:leaderLines>
+              </c:ext>
+            </c:extLst>
+          </c:dLbls>
+          <c:cat>
+            <c:numRef>
+              <c:f>Foglio1!$K$29:$Q$29</c:f>
+              <c:numCache>
+                <c:formatCode>0</c:formatCode>
+                <c:ptCount val="7"/>
+                <c:pt idx="0">
+                  <c:v>200</c:v>
+                </c:pt>
+                <c:pt idx="1">
+                  <c:v>2000</c:v>
+                </c:pt>
+                <c:pt idx="2">
+                  <c:v>20000</c:v>
+                </c:pt>
+                <c:pt idx="3">
+                  <c:v>200000</c:v>
+                </c:pt>
+                <c:pt idx="4">
+                  <c:v>1000000</c:v>
+                </c:pt>
+                <c:pt idx="5">
+                  <c:v>2000000</c:v>
+                </c:pt>
+                <c:pt idx="6">
+                  <c:v>4000000</c:v>
+                </c:pt>
+              </c:numCache>
+            </c:numRef>
+          </c:cat>
+          <c:val>
+            <c:numRef>
+              <c:f>Foglio1!$K$30:$Q$30</c:f>
+              <c:numCache>
+                <c:formatCode>0.000</c:formatCode>
+                <c:ptCount val="7"/>
+                <c:pt idx="0">
+                  <c:v>6.9000000000000006E-2</c:v>
+                </c:pt>
+                <c:pt idx="1">
+                  <c:v>0.21199999999999999</c:v>
+                </c:pt>
+                <c:pt idx="2">
+                  <c:v>1.5760000000000001</c:v>
+                </c:pt>
+                <c:pt idx="3">
+                  <c:v>15.335000000000001</c:v>
+                </c:pt>
+                <c:pt idx="4">
+                  <c:v>76</c:v>
+                </c:pt>
+                <c:pt idx="5">
+                  <c:v>153.101</c:v>
+                </c:pt>
+                <c:pt idx="6">
+                  <c:v>306.976</c:v>
+                </c:pt>
+              </c:numCache>
+            </c:numRef>
+          </c:val>
+          <c:smooth val="0"/>
+          <c:extLst>
+            <c:ext xmlns:c16="http://schemas.microsoft.com/office/drawing/2014/chart" uri="{C3380CC4-5D6E-409C-BE32-E72D297353CC}">
+              <c16:uniqueId val="{00000000-D6D3-4FC0-952C-8B2CD5BCC65E}"/>
+            </c:ext>
+          </c:extLst>
+        </c:ser>
+        <c:ser>
+          <c:idx val="1"/>
+          <c:order val="1"/>
+          <c:tx>
+            <c:strRef>
+              <c:f>Foglio1!$J$31</c:f>
+              <c:strCache>
+                <c:ptCount val="1"/>
+                <c:pt idx="0">
+                  <c:v>MPI (4)</c:v>
+                </c:pt>
+              </c:strCache>
+            </c:strRef>
+          </c:tx>
+          <c:spPr>
+            <a:ln w="28440" cap="rnd">
+              <a:solidFill>
+                <a:srgbClr val="E97132"/>
+              </a:solidFill>
+              <a:round/>
+            </a:ln>
+          </c:spPr>
+          <c:marker>
+            <c:symbol val="circle"/>
+            <c:size val="5"/>
+            <c:spPr>
+              <a:solidFill>
+                <a:srgbClr val="E97132"/>
+              </a:solidFill>
+            </c:spPr>
+          </c:marker>
+          <c:dLbls>
+            <c:spPr>
+              <a:noFill/>
+              <a:ln>
+                <a:noFill/>
+              </a:ln>
+              <a:effectLst/>
+            </c:spPr>
+            <c:txPr>
+              <a:bodyPr wrap="square"/>
+              <a:lstStyle/>
+              <a:p>
+                <a:pPr>
+                  <a:defRPr sz="1000" b="0" u="none" strike="noStrike">
+                    <a:solidFill>
+                      <a:srgbClr val="000000"/>
+                    </a:solidFill>
+                    <a:uFillTx/>
+                    <a:latin typeface="Aptos Narrow"/>
+                  </a:defRPr>
+                </a:pPr>
+                <a:endParaRPr lang="it-IT"/>
+              </a:p>
+            </c:txPr>
+            <c:dLblPos val="r"/>
+            <c:showLegendKey val="0"/>
+            <c:showVal val="0"/>
+            <c:showCatName val="0"/>
+            <c:showSerName val="0"/>
+            <c:showPercent val="0"/>
+            <c:showBubbleSize val="1"/>
+            <c:separator>; </c:separator>
+            <c:showLeaderLines val="0"/>
+            <c:extLst>
+              <c:ext xmlns:c15="http://schemas.microsoft.com/office/drawing/2012/chart" uri="{CE6537A1-D6FC-4f65-9D91-7224C49458BB}">
+                <c15:showLeaderLines val="1"/>
+                <c15:leaderLines>
+                  <c:spPr>
+                    <a:ln w="28440">
+                      <a:solidFill>
+                        <a:srgbClr val="000000"/>
+                      </a:solidFill>
+                    </a:ln>
+                  </c:spPr>
+                </c15:leaderLines>
+              </c:ext>
+            </c:extLst>
+          </c:dLbls>
+          <c:cat>
+            <c:numRef>
+              <c:f>Foglio1!$K$29:$Q$29</c:f>
+              <c:numCache>
+                <c:formatCode>0</c:formatCode>
+                <c:ptCount val="7"/>
+                <c:pt idx="0">
+                  <c:v>200</c:v>
+                </c:pt>
+                <c:pt idx="1">
+                  <c:v>2000</c:v>
+                </c:pt>
+                <c:pt idx="2">
+                  <c:v>20000</c:v>
+                </c:pt>
+                <c:pt idx="3">
+                  <c:v>200000</c:v>
+                </c:pt>
+                <c:pt idx="4">
+                  <c:v>1000000</c:v>
+                </c:pt>
+                <c:pt idx="5">
+                  <c:v>2000000</c:v>
+                </c:pt>
+                <c:pt idx="6">
+                  <c:v>4000000</c:v>
+                </c:pt>
+              </c:numCache>
+            </c:numRef>
+          </c:cat>
+          <c:val>
+            <c:numRef>
+              <c:f>Foglio1!$K$31:$Q$31</c:f>
+              <c:numCache>
+                <c:formatCode>0.000</c:formatCode>
+                <c:ptCount val="7"/>
+                <c:pt idx="0">
+                  <c:v>2.2700000000000001E-2</c:v>
+                </c:pt>
+                <c:pt idx="1">
+                  <c:v>6.9000000000000006E-2</c:v>
+                </c:pt>
+                <c:pt idx="2">
+                  <c:v>0.44400000000000001</c:v>
+                </c:pt>
+                <c:pt idx="3">
+                  <c:v>4.1559999999999997</c:v>
+                </c:pt>
+                <c:pt idx="4">
+                  <c:v>20.882999999999999</c:v>
+                </c:pt>
+                <c:pt idx="5">
+                  <c:v>41.329000000000001</c:v>
+                </c:pt>
+                <c:pt idx="6">
+                  <c:v>83.472999999999999</c:v>
+                </c:pt>
+              </c:numCache>
+            </c:numRef>
+          </c:val>
+          <c:smooth val="0"/>
+          <c:extLst>
+            <c:ext xmlns:c16="http://schemas.microsoft.com/office/drawing/2014/chart" uri="{C3380CC4-5D6E-409C-BE32-E72D297353CC}">
+              <c16:uniqueId val="{00000001-D6D3-4FC0-952C-8B2CD5BCC65E}"/>
+            </c:ext>
+          </c:extLst>
+        </c:ser>
+        <c:ser>
+          <c:idx val="2"/>
+          <c:order val="2"/>
+          <c:tx>
+            <c:strRef>
+              <c:f>Foglio1!$J$34</c:f>
+              <c:strCache>
+                <c:ptCount val="1"/>
+                <c:pt idx="0">
+                  <c:v>MPI(8)</c:v>
                 </c:pt>
               </c:strCache>
             </c:strRef>
@@ -2241,30 +2671,30 @@
           </c:cat>
           <c:val>
             <c:numRef>
-              <c:f>Foglio1!$K$56:$Q$56</c:f>
+              <c:f>Foglio1!$K$34:$Q$34</c:f>
               <c:numCache>
                 <c:formatCode>0.000</c:formatCode>
                 <c:ptCount val="7"/>
                 <c:pt idx="0">
-                  <c:v>4.0190666666666666E-2</c:v>
+                  <c:v>1.6400000000000001E-2</c:v>
                 </c:pt>
                 <c:pt idx="1">
-                  <c:v>0.12082933333333334</c:v>
+                  <c:v>4.0800000000000003E-2</c:v>
                 </c:pt>
                 <c:pt idx="2">
-                  <c:v>0.88490199999999997</c:v>
+                  <c:v>0.22</c:v>
                 </c:pt>
                 <c:pt idx="3">
-                  <c:v>8.4869400000000006</c:v>
+                  <c:v>2.08</c:v>
                 </c:pt>
                 <c:pt idx="4">
-                  <c:v>42.336545666666666</c:v>
+                  <c:v>10.426</c:v>
                 </c:pt>
                 <c:pt idx="5">
-                  <c:v>84.204531000000003</c:v>
+                  <c:v>20.684000000000001</c:v>
                 </c:pt>
                 <c:pt idx="6">
-                  <c:v>167.30635600000002</c:v>
+                  <c:v>41.642800000000001</c:v>
                 </c:pt>
               </c:numCache>
             </c:numRef>
@@ -2272,20 +2702,20 @@
           <c:smooth val="0"/>
           <c:extLst>
             <c:ext xmlns:c16="http://schemas.microsoft.com/office/drawing/2014/chart" uri="{C3380CC4-5D6E-409C-BE32-E72D297353CC}">
-              <c16:uniqueId val="{00000000-51E7-4123-953D-1BD3F104FA8A}"/>
+              <c16:uniqueId val="{00000002-D6D3-4FC0-952C-8B2CD5BCC65E}"/>
             </c:ext>
           </c:extLst>
         </c:ser>
         <c:ser>
-          <c:idx val="1"/>
-          <c:order val="1"/>
+          <c:idx val="3"/>
+          <c:order val="3"/>
           <c:tx>
             <c:strRef>
-              <c:f>Foglio1!$J$40</c:f>
+              <c:f>Foglio1!$J$35</c:f>
               <c:strCache>
                 <c:ptCount val="1"/>
                 <c:pt idx="0">
-                  <c:v>OpenMP (2)</c:v>
+                  <c:v>MPI(16)</c:v>
                 </c:pt>
               </c:strCache>
             </c:strRef>
@@ -2293,7 +2723,7 @@
           <c:spPr>
             <a:ln w="28440" cap="rnd">
               <a:solidFill>
-                <a:srgbClr val="156082"/>
+                <a:srgbClr val="4EA72E"/>
               </a:solidFill>
               <a:round/>
             </a:ln>
@@ -2303,7 +2733,7 @@
             <c:size val="5"/>
             <c:spPr>
               <a:solidFill>
-                <a:srgbClr val="156082"/>
+                <a:srgbClr val="4EA72E"/>
               </a:solidFill>
             </c:spPr>
           </c:marker>
@@ -2387,30 +2817,30 @@
           </c:cat>
           <c:val>
             <c:numRef>
-              <c:f>Foglio1!$K$40:$Q$40</c:f>
+              <c:f>Foglio1!$K$35:$Q$35</c:f>
               <c:numCache>
                 <c:formatCode>0.000</c:formatCode>
                 <c:ptCount val="7"/>
                 <c:pt idx="0">
-                  <c:v>2.1382666666666664E-2</c:v>
+                  <c:v>1.1900000000000001E-2</c:v>
                 </c:pt>
                 <c:pt idx="1">
-                  <c:v>6.1911666666666663E-2</c:v>
+                  <c:v>2.47E-2</c:v>
                 </c:pt>
                 <c:pt idx="2">
-                  <c:v>0.47462633333333332</c:v>
+                  <c:v>0.11</c:v>
                 </c:pt>
                 <c:pt idx="3">
-                  <c:v>4.4873586666666663</c:v>
+                  <c:v>1.0449999999999999</c:v>
                 </c:pt>
                 <c:pt idx="4">
-                  <c:v>23.118409</c:v>
+                  <c:v>5.2210000000000001</c:v>
                 </c:pt>
                 <c:pt idx="5">
-                  <c:v>46.250533999999995</c:v>
+                  <c:v>10.379</c:v>
                 </c:pt>
                 <c:pt idx="6">
-                  <c:v>96.489558666666667</c:v>
+                  <c:v>20.888000000000002</c:v>
                 </c:pt>
               </c:numCache>
             </c:numRef>
@@ -2418,20 +2848,20 @@
           <c:smooth val="0"/>
           <c:extLst>
             <c:ext xmlns:c16="http://schemas.microsoft.com/office/drawing/2014/chart" uri="{C3380CC4-5D6E-409C-BE32-E72D297353CC}">
-              <c16:uniqueId val="{00000001-51E7-4123-953D-1BD3F104FA8A}"/>
+              <c16:uniqueId val="{00000003-D6D3-4FC0-952C-8B2CD5BCC65E}"/>
             </c:ext>
           </c:extLst>
         </c:ser>
         <c:ser>
-          <c:idx val="2"/>
-          <c:order val="2"/>
+          <c:idx val="4"/>
+          <c:order val="4"/>
           <c:tx>
             <c:strRef>
-              <c:f>Foglio1!$J$44</c:f>
+              <c:f>Foglio1!$J$36</c:f>
               <c:strCache>
                 <c:ptCount val="1"/>
                 <c:pt idx="0">
-                  <c:v>OpenMP (4)</c:v>
+                  <c:v>MPI(32)</c:v>
                 </c:pt>
               </c:strCache>
             </c:strRef>
@@ -2439,7 +2869,7 @@
           <c:spPr>
             <a:ln w="28440" cap="rnd">
               <a:solidFill>
-                <a:srgbClr val="E97132"/>
+                <a:srgbClr val="0D3A4E"/>
               </a:solidFill>
               <a:round/>
             </a:ln>
@@ -2449,7 +2879,7 @@
             <c:size val="5"/>
             <c:spPr>
               <a:solidFill>
-                <a:srgbClr val="E97132"/>
+                <a:srgbClr val="0D3A4E"/>
               </a:solidFill>
             </c:spPr>
           </c:marker>
@@ -2533,30 +2963,30 @@
           </c:cat>
           <c:val>
             <c:numRef>
-              <c:f>Foglio1!$K$44:$Q$44</c:f>
+              <c:f>Foglio1!$K$36:$Q$36</c:f>
               <c:numCache>
                 <c:formatCode>0.000</c:formatCode>
                 <c:ptCount val="7"/>
                 <c:pt idx="0">
-                  <c:v>1.3275666666666667E-2</c:v>
+                  <c:v>1.0500000000000001E-2</c:v>
                 </c:pt>
                 <c:pt idx="1">
-                  <c:v>3.4182333333333335E-2</c:v>
+                  <c:v>1.9060000000000001E-2</c:v>
                 </c:pt>
                 <c:pt idx="2">
-                  <c:v>0.258575</c:v>
+                  <c:v>6.3E-2</c:v>
                 </c:pt>
                 <c:pt idx="3">
-                  <c:v>2.4480576666666667</c:v>
+                  <c:v>0.53400000000000003</c:v>
                 </c:pt>
                 <c:pt idx="4">
-                  <c:v>13.555991333333333</c:v>
+                  <c:v>2.64</c:v>
                 </c:pt>
                 <c:pt idx="5">
-                  <c:v>26.792638333333333</c:v>
+                  <c:v>5.26</c:v>
                 </c:pt>
                 <c:pt idx="6">
-                  <c:v>53.288673333333328</c:v>
+                  <c:v>10.468</c:v>
                 </c:pt>
               </c:numCache>
             </c:numRef>
@@ -2564,20 +2994,20 @@
           <c:smooth val="0"/>
           <c:extLst>
             <c:ext xmlns:c16="http://schemas.microsoft.com/office/drawing/2014/chart" uri="{C3380CC4-5D6E-409C-BE32-E72D297353CC}">
-              <c16:uniqueId val="{00000002-51E7-4123-953D-1BD3F104FA8A}"/>
+              <c16:uniqueId val="{00000004-D6D3-4FC0-952C-8B2CD5BCC65E}"/>
             </c:ext>
           </c:extLst>
         </c:ser>
         <c:ser>
-          <c:idx val="3"/>
-          <c:order val="3"/>
+          <c:idx val="5"/>
+          <c:order val="5"/>
           <c:tx>
             <c:strRef>
-              <c:f>Foglio1!$J$48</c:f>
+              <c:f>Foglio1!$J$32</c:f>
               <c:strCache>
                 <c:ptCount val="1"/>
                 <c:pt idx="0">
-                  <c:v>OpenMP (8)</c:v>
+                  <c:v>CUDA</c:v>
                 </c:pt>
               </c:strCache>
             </c:strRef>
@@ -2679,30 +3109,30 @@
           </c:cat>
           <c:val>
             <c:numRef>
-              <c:f>Foglio1!$K$48:$Q$48</c:f>
+              <c:f>Foglio1!$K$32:$Q$32</c:f>
               <c:numCache>
                 <c:formatCode>0.000</c:formatCode>
                 <c:ptCount val="7"/>
                 <c:pt idx="0">
-                  <c:v>9.0519999999999993E-3</c:v>
+                  <c:v>4.2999999999999997E-2</c:v>
                 </c:pt>
                 <c:pt idx="1">
-                  <c:v>2.6962E-2</c:v>
+                  <c:v>5.0999999999999997E-2</c:v>
                 </c:pt>
                 <c:pt idx="2">
-                  <c:v>0.17428600000000002</c:v>
+                  <c:v>6.3E-2</c:v>
                 </c:pt>
                 <c:pt idx="3">
-                  <c:v>1.7036870000000002</c:v>
+                  <c:v>0.185</c:v>
                 </c:pt>
                 <c:pt idx="4">
-                  <c:v>8.6261933333333349</c:v>
+                  <c:v>0.66</c:v>
                 </c:pt>
                 <c:pt idx="5">
-                  <c:v>17.150846000000001</c:v>
+                  <c:v>1.333</c:v>
                 </c:pt>
                 <c:pt idx="6">
-                  <c:v>34.313034999999999</c:v>
+                  <c:v>2.548</c:v>
                 </c:pt>
               </c:numCache>
             </c:numRef>
@@ -2710,20 +3140,20 @@
           <c:smooth val="0"/>
           <c:extLst>
             <c:ext xmlns:c16="http://schemas.microsoft.com/office/drawing/2014/chart" uri="{C3380CC4-5D6E-409C-BE32-E72D297353CC}">
-              <c16:uniqueId val="{00000003-51E7-4123-953D-1BD3F104FA8A}"/>
+              <c16:uniqueId val="{00000005-D6D3-4FC0-952C-8B2CD5BCC65E}"/>
             </c:ext>
           </c:extLst>
         </c:ser>
         <c:ser>
-          <c:idx val="4"/>
-          <c:order val="4"/>
+          <c:idx val="6"/>
+          <c:order val="6"/>
           <c:tx>
             <c:strRef>
-              <c:f>Foglio1!$J$52</c:f>
+              <c:f>Foglio1!$J$33</c:f>
               <c:strCache>
                 <c:ptCount val="1"/>
                 <c:pt idx="0">
-                  <c:v>OpenMP (16)</c:v>
+                  <c:v>MPI+CUDA</c:v>
                 </c:pt>
               </c:strCache>
             </c:strRef>
@@ -2825,1224 +3255,6 @@
           </c:cat>
           <c:val>
             <c:numRef>
-              <c:f>Foglio1!$K$52:$Q$52</c:f>
-              <c:numCache>
-                <c:formatCode>0.000</c:formatCode>
-                <c:ptCount val="7"/>
-                <c:pt idx="0">
-                  <c:v>8.3523333333333349E-3</c:v>
-                </c:pt>
-                <c:pt idx="1">
-                  <c:v>2.2310333333333331E-2</c:v>
-                </c:pt>
-                <c:pt idx="2">
-                  <c:v>0.15278033333333332</c:v>
-                </c:pt>
-                <c:pt idx="3">
-                  <c:v>1.5013586666666665</c:v>
-                </c:pt>
-                <c:pt idx="4">
-                  <c:v>7.4518813333333327</c:v>
-                </c:pt>
-                <c:pt idx="5">
-                  <c:v>14.945991999999999</c:v>
-                </c:pt>
-                <c:pt idx="6">
-                  <c:v>29.898687666666664</c:v>
-                </c:pt>
-              </c:numCache>
-            </c:numRef>
-          </c:val>
-          <c:smooth val="0"/>
-          <c:extLst>
-            <c:ext xmlns:c16="http://schemas.microsoft.com/office/drawing/2014/chart" uri="{C3380CC4-5D6E-409C-BE32-E72D297353CC}">
-              <c16:uniqueId val="{00000004-51E7-4123-953D-1BD3F104FA8A}"/>
-            </c:ext>
-          </c:extLst>
-        </c:ser>
-        <c:dLbls>
-          <c:showLegendKey val="0"/>
-          <c:showVal val="0"/>
-          <c:showCatName val="0"/>
-          <c:showSerName val="0"/>
-          <c:showPercent val="0"/>
-          <c:showBubbleSize val="0"/>
-        </c:dLbls>
-        <c:hiLowLines>
-          <c:spPr>
-            <a:ln w="0">
-              <a:noFill/>
-            </a:ln>
-          </c:spPr>
-        </c:hiLowLines>
-        <c:marker val="1"/>
-        <c:smooth val="0"/>
-        <c:axId val="19325235"/>
-        <c:axId val="82625942"/>
-      </c:lineChart>
-      <c:catAx>
-        <c:axId val="19325235"/>
-        <c:scaling>
-          <c:orientation val="minMax"/>
-        </c:scaling>
-        <c:delete val="0"/>
-        <c:axPos val="b"/>
-        <c:numFmt formatCode="0" sourceLinked="0"/>
-        <c:majorTickMark val="none"/>
-        <c:minorTickMark val="none"/>
-        <c:tickLblPos val="nextTo"/>
-        <c:spPr>
-          <a:ln w="9360">
-            <a:solidFill>
-              <a:srgbClr val="D9D9D9"/>
-            </a:solidFill>
-            <a:round/>
-          </a:ln>
-        </c:spPr>
-        <c:txPr>
-          <a:bodyPr/>
-          <a:lstStyle/>
-          <a:p>
-            <a:pPr>
-              <a:defRPr sz="900" b="0" u="none" strike="noStrike">
-                <a:solidFill>
-                  <a:srgbClr val="595959"/>
-                </a:solidFill>
-                <a:uFillTx/>
-                <a:latin typeface="Aptos Narrow"/>
-              </a:defRPr>
-            </a:pPr>
-            <a:endParaRPr lang="it-IT"/>
-          </a:p>
-        </c:txPr>
-        <c:crossAx val="82625942"/>
-        <c:crosses val="autoZero"/>
-        <c:auto val="1"/>
-        <c:lblAlgn val="ctr"/>
-        <c:lblOffset val="100"/>
-        <c:noMultiLvlLbl val="0"/>
-      </c:catAx>
-      <c:valAx>
-        <c:axId val="82625942"/>
-        <c:scaling>
-          <c:logBase val="10"/>
-          <c:orientation val="minMax"/>
-          <c:max val="1000"/>
-        </c:scaling>
-        <c:delete val="0"/>
-        <c:axPos val="l"/>
-        <c:majorGridlines>
-          <c:spPr>
-            <a:ln w="9360">
-              <a:solidFill>
-                <a:srgbClr val="D9D9D9"/>
-              </a:solidFill>
-              <a:round/>
-            </a:ln>
-          </c:spPr>
-        </c:majorGridlines>
-        <c:numFmt formatCode="General" sourceLinked="0"/>
-        <c:majorTickMark val="none"/>
-        <c:minorTickMark val="none"/>
-        <c:tickLblPos val="nextTo"/>
-        <c:spPr>
-          <a:ln w="12600">
-            <a:noFill/>
-          </a:ln>
-        </c:spPr>
-        <c:txPr>
-          <a:bodyPr/>
-          <a:lstStyle/>
-          <a:p>
-            <a:pPr>
-              <a:defRPr sz="1050" b="0" u="none" strike="noStrike">
-                <a:solidFill>
-                  <a:srgbClr val="595959"/>
-                </a:solidFill>
-                <a:uFillTx/>
-                <a:latin typeface="Aptos Narrow"/>
-              </a:defRPr>
-            </a:pPr>
-            <a:endParaRPr lang="it-IT"/>
-          </a:p>
-        </c:txPr>
-        <c:crossAx val="19325235"/>
-        <c:crosses val="autoZero"/>
-        <c:crossBetween val="between"/>
-      </c:valAx>
-      <c:dTable>
-        <c:showHorzBorder val="1"/>
-        <c:showVertBorder val="1"/>
-        <c:showOutline val="1"/>
-        <c:showKeys val="1"/>
-        <c:spPr>
-          <a:noFill/>
-          <a:ln w="9360">
-            <a:solidFill>
-              <a:srgbClr val="D9D9D9"/>
-            </a:solidFill>
-            <a:round/>
-          </a:ln>
-        </c:spPr>
-        <c:txPr>
-          <a:bodyPr/>
-          <a:lstStyle/>
-          <a:p>
-            <a:pPr rtl="0">
-              <a:defRPr sz="1050" b="0" u="none" strike="noStrike">
-                <a:solidFill>
-                  <a:srgbClr val="595959"/>
-                </a:solidFill>
-                <a:uFillTx/>
-                <a:latin typeface="Aptos Narrow"/>
-              </a:defRPr>
-            </a:pPr>
-            <a:endParaRPr lang="it-IT"/>
-          </a:p>
-        </c:txPr>
-      </c:dTable>
-      <c:spPr>
-        <a:noFill/>
-        <a:ln w="0">
-          <a:noFill/>
-        </a:ln>
-      </c:spPr>
-    </c:plotArea>
-    <c:plotVisOnly val="1"/>
-    <c:dispBlanksAs val="gap"/>
-    <c:showDLblsOverMax val="1"/>
-  </c:chart>
-  <c:spPr>
-    <a:solidFill>
-      <a:srgbClr val="FFFFFF"/>
-    </a:solidFill>
-    <a:ln w="9360">
-      <a:noFill/>
-    </a:ln>
-  </c:spPr>
-  <c:externalData r:id="rId1">
-    <c:autoUpdate val="0"/>
-  </c:externalData>
-</c:chartSpace>
-</file>
-
-<file path=ppt/charts/chart4.xml><?xml version="1.0" encoding="utf-8"?>
-<c:chartSpace xmlns:c="http://schemas.openxmlformats.org/drawingml/2006/chart" xmlns:a="http://schemas.openxmlformats.org/drawingml/2006/main" xmlns:r="http://schemas.openxmlformats.org/officeDocument/2006/relationships" xmlns:c16r2="http://schemas.microsoft.com/office/drawing/2015/06/chart">
-  <c:date1904 val="0"/>
-  <c:lang val="it-IT"/>
-  <c:roundedCorners val="0"/>
-  <mc:AlternateContent xmlns:mc="http://schemas.openxmlformats.org/markup-compatibility/2006">
-    <mc:Choice xmlns:c14="http://schemas.microsoft.com/office/drawing/2007/8/2/chart" Requires="c14">
-      <c14:style val="102"/>
-    </mc:Choice>
-    <mc:Fallback>
-      <c:style val="2"/>
-    </mc:Fallback>
-  </mc:AlternateContent>
-  <c:chart>
-    <c:autoTitleDeleted val="1"/>
-    <c:plotArea>
-      <c:layout>
-        <c:manualLayout>
-          <c:layoutTarget val="inner"/>
-          <c:xMode val="edge"/>
-          <c:yMode val="edge"/>
-          <c:x val="9.2659279104934836E-2"/>
-          <c:y val="3.0071424894860976E-2"/>
-          <c:w val="0.90670782754290502"/>
-          <c:h val="0.70844955834495604"/>
-        </c:manualLayout>
-      </c:layout>
-      <c:lineChart>
-        <c:grouping val="standard"/>
-        <c:varyColors val="0"/>
-        <c:ser>
-          <c:idx val="0"/>
-          <c:order val="0"/>
-          <c:tx>
-            <c:strRef>
-              <c:f>Foglio1!$J$30</c:f>
-              <c:strCache>
-                <c:ptCount val="1"/>
-                <c:pt idx="0">
-                  <c:v>Sequenziale</c:v>
-                </c:pt>
-              </c:strCache>
-            </c:strRef>
-          </c:tx>
-          <c:spPr>
-            <a:ln w="28440" cap="rnd">
-              <a:solidFill>
-                <a:srgbClr val="156082"/>
-              </a:solidFill>
-              <a:round/>
-            </a:ln>
-          </c:spPr>
-          <c:marker>
-            <c:symbol val="circle"/>
-            <c:size val="5"/>
-            <c:spPr>
-              <a:solidFill>
-                <a:srgbClr val="156082"/>
-              </a:solidFill>
-            </c:spPr>
-          </c:marker>
-          <c:dLbls>
-            <c:spPr>
-              <a:noFill/>
-              <a:ln>
-                <a:noFill/>
-              </a:ln>
-              <a:effectLst/>
-            </c:spPr>
-            <c:txPr>
-              <a:bodyPr wrap="square"/>
-              <a:lstStyle/>
-              <a:p>
-                <a:pPr>
-                  <a:defRPr sz="1000" b="0" u="none" strike="noStrike">
-                    <a:solidFill>
-                      <a:srgbClr val="000000"/>
-                    </a:solidFill>
-                    <a:uFillTx/>
-                    <a:latin typeface="Aptos Narrow"/>
-                  </a:defRPr>
-                </a:pPr>
-                <a:endParaRPr lang="it-IT"/>
-              </a:p>
-            </c:txPr>
-            <c:dLblPos val="r"/>
-            <c:showLegendKey val="0"/>
-            <c:showVal val="0"/>
-            <c:showCatName val="0"/>
-            <c:showSerName val="0"/>
-            <c:showPercent val="0"/>
-            <c:showBubbleSize val="1"/>
-            <c:separator>; </c:separator>
-            <c:showLeaderLines val="0"/>
-            <c:extLst>
-              <c:ext xmlns:c15="http://schemas.microsoft.com/office/drawing/2012/chart" uri="{CE6537A1-D6FC-4f65-9D91-7224C49458BB}">
-                <c15:showLeaderLines val="1"/>
-                <c15:leaderLines>
-                  <c:spPr>
-                    <a:ln w="28440">
-                      <a:solidFill>
-                        <a:srgbClr val="000000"/>
-                      </a:solidFill>
-                    </a:ln>
-                  </c:spPr>
-                </c15:leaderLines>
-              </c:ext>
-            </c:extLst>
-          </c:dLbls>
-          <c:cat>
-            <c:numRef>
-              <c:f>Foglio1!$K$29:$Q$29</c:f>
-              <c:numCache>
-                <c:formatCode>0</c:formatCode>
-                <c:ptCount val="7"/>
-                <c:pt idx="0">
-                  <c:v>200</c:v>
-                </c:pt>
-                <c:pt idx="1">
-                  <c:v>2000</c:v>
-                </c:pt>
-                <c:pt idx="2">
-                  <c:v>20000</c:v>
-                </c:pt>
-                <c:pt idx="3">
-                  <c:v>200000</c:v>
-                </c:pt>
-                <c:pt idx="4">
-                  <c:v>1000000</c:v>
-                </c:pt>
-                <c:pt idx="5">
-                  <c:v>2000000</c:v>
-                </c:pt>
-                <c:pt idx="6">
-                  <c:v>4000000</c:v>
-                </c:pt>
-              </c:numCache>
-            </c:numRef>
-          </c:cat>
-          <c:val>
-            <c:numRef>
-              <c:f>Foglio1!$K$30:$Q$30</c:f>
-              <c:numCache>
-                <c:formatCode>0.000</c:formatCode>
-                <c:ptCount val="7"/>
-                <c:pt idx="0">
-                  <c:v>6.9000000000000006E-2</c:v>
-                </c:pt>
-                <c:pt idx="1">
-                  <c:v>0.21199999999999999</c:v>
-                </c:pt>
-                <c:pt idx="2">
-                  <c:v>1.5760000000000001</c:v>
-                </c:pt>
-                <c:pt idx="3">
-                  <c:v>15.335000000000001</c:v>
-                </c:pt>
-                <c:pt idx="4">
-                  <c:v>76</c:v>
-                </c:pt>
-                <c:pt idx="5">
-                  <c:v>153.101</c:v>
-                </c:pt>
-                <c:pt idx="6">
-                  <c:v>306.976</c:v>
-                </c:pt>
-              </c:numCache>
-            </c:numRef>
-          </c:val>
-          <c:smooth val="0"/>
-          <c:extLst>
-            <c:ext xmlns:c16="http://schemas.microsoft.com/office/drawing/2014/chart" uri="{C3380CC4-5D6E-409C-BE32-E72D297353CC}">
-              <c16:uniqueId val="{00000000-D6D3-4FC0-952C-8B2CD5BCC65E}"/>
-            </c:ext>
-          </c:extLst>
-        </c:ser>
-        <c:ser>
-          <c:idx val="1"/>
-          <c:order val="1"/>
-          <c:tx>
-            <c:strRef>
-              <c:f>Foglio1!$J$31</c:f>
-              <c:strCache>
-                <c:ptCount val="1"/>
-                <c:pt idx="0">
-                  <c:v>MPI (4)</c:v>
-                </c:pt>
-              </c:strCache>
-            </c:strRef>
-          </c:tx>
-          <c:spPr>
-            <a:ln w="28440" cap="rnd">
-              <a:solidFill>
-                <a:srgbClr val="E97132"/>
-              </a:solidFill>
-              <a:round/>
-            </a:ln>
-          </c:spPr>
-          <c:marker>
-            <c:symbol val="circle"/>
-            <c:size val="5"/>
-            <c:spPr>
-              <a:solidFill>
-                <a:srgbClr val="E97132"/>
-              </a:solidFill>
-            </c:spPr>
-          </c:marker>
-          <c:dLbls>
-            <c:spPr>
-              <a:noFill/>
-              <a:ln>
-                <a:noFill/>
-              </a:ln>
-              <a:effectLst/>
-            </c:spPr>
-            <c:txPr>
-              <a:bodyPr wrap="square"/>
-              <a:lstStyle/>
-              <a:p>
-                <a:pPr>
-                  <a:defRPr sz="1000" b="0" u="none" strike="noStrike">
-                    <a:solidFill>
-                      <a:srgbClr val="000000"/>
-                    </a:solidFill>
-                    <a:uFillTx/>
-                    <a:latin typeface="Aptos Narrow"/>
-                  </a:defRPr>
-                </a:pPr>
-                <a:endParaRPr lang="it-IT"/>
-              </a:p>
-            </c:txPr>
-            <c:dLblPos val="r"/>
-            <c:showLegendKey val="0"/>
-            <c:showVal val="0"/>
-            <c:showCatName val="0"/>
-            <c:showSerName val="0"/>
-            <c:showPercent val="0"/>
-            <c:showBubbleSize val="1"/>
-            <c:separator>; </c:separator>
-            <c:showLeaderLines val="0"/>
-            <c:extLst>
-              <c:ext xmlns:c15="http://schemas.microsoft.com/office/drawing/2012/chart" uri="{CE6537A1-D6FC-4f65-9D91-7224C49458BB}">
-                <c15:showLeaderLines val="1"/>
-                <c15:leaderLines>
-                  <c:spPr>
-                    <a:ln w="28440">
-                      <a:solidFill>
-                        <a:srgbClr val="000000"/>
-                      </a:solidFill>
-                    </a:ln>
-                  </c:spPr>
-                </c15:leaderLines>
-              </c:ext>
-            </c:extLst>
-          </c:dLbls>
-          <c:cat>
-            <c:numRef>
-              <c:f>Foglio1!$K$29:$Q$29</c:f>
-              <c:numCache>
-                <c:formatCode>0</c:formatCode>
-                <c:ptCount val="7"/>
-                <c:pt idx="0">
-                  <c:v>200</c:v>
-                </c:pt>
-                <c:pt idx="1">
-                  <c:v>2000</c:v>
-                </c:pt>
-                <c:pt idx="2">
-                  <c:v>20000</c:v>
-                </c:pt>
-                <c:pt idx="3">
-                  <c:v>200000</c:v>
-                </c:pt>
-                <c:pt idx="4">
-                  <c:v>1000000</c:v>
-                </c:pt>
-                <c:pt idx="5">
-                  <c:v>2000000</c:v>
-                </c:pt>
-                <c:pt idx="6">
-                  <c:v>4000000</c:v>
-                </c:pt>
-              </c:numCache>
-            </c:numRef>
-          </c:cat>
-          <c:val>
-            <c:numRef>
-              <c:f>Foglio1!$K$31:$Q$31</c:f>
-              <c:numCache>
-                <c:formatCode>0.000</c:formatCode>
-                <c:ptCount val="7"/>
-                <c:pt idx="0">
-                  <c:v>2.2700000000000001E-2</c:v>
-                </c:pt>
-                <c:pt idx="1">
-                  <c:v>6.9000000000000006E-2</c:v>
-                </c:pt>
-                <c:pt idx="2">
-                  <c:v>0.44400000000000001</c:v>
-                </c:pt>
-                <c:pt idx="3">
-                  <c:v>4.1559999999999997</c:v>
-                </c:pt>
-                <c:pt idx="4">
-                  <c:v>20.882999999999999</c:v>
-                </c:pt>
-                <c:pt idx="5">
-                  <c:v>41.329000000000001</c:v>
-                </c:pt>
-                <c:pt idx="6">
-                  <c:v>83.472999999999999</c:v>
-                </c:pt>
-              </c:numCache>
-            </c:numRef>
-          </c:val>
-          <c:smooth val="0"/>
-          <c:extLst>
-            <c:ext xmlns:c16="http://schemas.microsoft.com/office/drawing/2014/chart" uri="{C3380CC4-5D6E-409C-BE32-E72D297353CC}">
-              <c16:uniqueId val="{00000001-D6D3-4FC0-952C-8B2CD5BCC65E}"/>
-            </c:ext>
-          </c:extLst>
-        </c:ser>
-        <c:ser>
-          <c:idx val="2"/>
-          <c:order val="2"/>
-          <c:tx>
-            <c:strRef>
-              <c:f>Foglio1!$J$34</c:f>
-              <c:strCache>
-                <c:ptCount val="1"/>
-                <c:pt idx="0">
-                  <c:v>MPI(8)</c:v>
-                </c:pt>
-              </c:strCache>
-            </c:strRef>
-          </c:tx>
-          <c:spPr>
-            <a:ln w="28440" cap="rnd">
-              <a:solidFill>
-                <a:srgbClr val="A02B93"/>
-              </a:solidFill>
-              <a:round/>
-            </a:ln>
-          </c:spPr>
-          <c:marker>
-            <c:symbol val="circle"/>
-            <c:size val="5"/>
-            <c:spPr>
-              <a:solidFill>
-                <a:srgbClr val="A02B93"/>
-              </a:solidFill>
-            </c:spPr>
-          </c:marker>
-          <c:dLbls>
-            <c:spPr>
-              <a:noFill/>
-              <a:ln>
-                <a:noFill/>
-              </a:ln>
-              <a:effectLst/>
-            </c:spPr>
-            <c:txPr>
-              <a:bodyPr wrap="square"/>
-              <a:lstStyle/>
-              <a:p>
-                <a:pPr>
-                  <a:defRPr sz="1000" b="0" u="none" strike="noStrike">
-                    <a:solidFill>
-                      <a:srgbClr val="000000"/>
-                    </a:solidFill>
-                    <a:uFillTx/>
-                    <a:latin typeface="Aptos Narrow"/>
-                  </a:defRPr>
-                </a:pPr>
-                <a:endParaRPr lang="it-IT"/>
-              </a:p>
-            </c:txPr>
-            <c:dLblPos val="r"/>
-            <c:showLegendKey val="0"/>
-            <c:showVal val="0"/>
-            <c:showCatName val="0"/>
-            <c:showSerName val="0"/>
-            <c:showPercent val="0"/>
-            <c:showBubbleSize val="1"/>
-            <c:separator>; </c:separator>
-            <c:showLeaderLines val="0"/>
-            <c:extLst>
-              <c:ext xmlns:c15="http://schemas.microsoft.com/office/drawing/2012/chart" uri="{CE6537A1-D6FC-4f65-9D91-7224C49458BB}">
-                <c15:showLeaderLines val="1"/>
-                <c15:leaderLines>
-                  <c:spPr>
-                    <a:ln w="28440">
-                      <a:solidFill>
-                        <a:srgbClr val="000000"/>
-                      </a:solidFill>
-                    </a:ln>
-                  </c:spPr>
-                </c15:leaderLines>
-              </c:ext>
-            </c:extLst>
-          </c:dLbls>
-          <c:cat>
-            <c:numRef>
-              <c:f>Foglio1!$K$29:$Q$29</c:f>
-              <c:numCache>
-                <c:formatCode>0</c:formatCode>
-                <c:ptCount val="7"/>
-                <c:pt idx="0">
-                  <c:v>200</c:v>
-                </c:pt>
-                <c:pt idx="1">
-                  <c:v>2000</c:v>
-                </c:pt>
-                <c:pt idx="2">
-                  <c:v>20000</c:v>
-                </c:pt>
-                <c:pt idx="3">
-                  <c:v>200000</c:v>
-                </c:pt>
-                <c:pt idx="4">
-                  <c:v>1000000</c:v>
-                </c:pt>
-                <c:pt idx="5">
-                  <c:v>2000000</c:v>
-                </c:pt>
-                <c:pt idx="6">
-                  <c:v>4000000</c:v>
-                </c:pt>
-              </c:numCache>
-            </c:numRef>
-          </c:cat>
-          <c:val>
-            <c:numRef>
-              <c:f>Foglio1!$K$34:$Q$34</c:f>
-              <c:numCache>
-                <c:formatCode>0.000</c:formatCode>
-                <c:ptCount val="7"/>
-                <c:pt idx="0">
-                  <c:v>1.6400000000000001E-2</c:v>
-                </c:pt>
-                <c:pt idx="1">
-                  <c:v>4.0800000000000003E-2</c:v>
-                </c:pt>
-                <c:pt idx="2">
-                  <c:v>0.22</c:v>
-                </c:pt>
-                <c:pt idx="3">
-                  <c:v>2.08</c:v>
-                </c:pt>
-                <c:pt idx="4">
-                  <c:v>10.426</c:v>
-                </c:pt>
-                <c:pt idx="5">
-                  <c:v>20.684000000000001</c:v>
-                </c:pt>
-                <c:pt idx="6">
-                  <c:v>41.642800000000001</c:v>
-                </c:pt>
-              </c:numCache>
-            </c:numRef>
-          </c:val>
-          <c:smooth val="0"/>
-          <c:extLst>
-            <c:ext xmlns:c16="http://schemas.microsoft.com/office/drawing/2014/chart" uri="{C3380CC4-5D6E-409C-BE32-E72D297353CC}">
-              <c16:uniqueId val="{00000002-D6D3-4FC0-952C-8B2CD5BCC65E}"/>
-            </c:ext>
-          </c:extLst>
-        </c:ser>
-        <c:ser>
-          <c:idx val="3"/>
-          <c:order val="3"/>
-          <c:tx>
-            <c:strRef>
-              <c:f>Foglio1!$J$35</c:f>
-              <c:strCache>
-                <c:ptCount val="1"/>
-                <c:pt idx="0">
-                  <c:v>MPI(16)</c:v>
-                </c:pt>
-              </c:strCache>
-            </c:strRef>
-          </c:tx>
-          <c:spPr>
-            <a:ln w="28440" cap="rnd">
-              <a:solidFill>
-                <a:srgbClr val="4EA72E"/>
-              </a:solidFill>
-              <a:round/>
-            </a:ln>
-          </c:spPr>
-          <c:marker>
-            <c:symbol val="circle"/>
-            <c:size val="5"/>
-            <c:spPr>
-              <a:solidFill>
-                <a:srgbClr val="4EA72E"/>
-              </a:solidFill>
-            </c:spPr>
-          </c:marker>
-          <c:dLbls>
-            <c:spPr>
-              <a:noFill/>
-              <a:ln>
-                <a:noFill/>
-              </a:ln>
-              <a:effectLst/>
-            </c:spPr>
-            <c:txPr>
-              <a:bodyPr wrap="square"/>
-              <a:lstStyle/>
-              <a:p>
-                <a:pPr>
-                  <a:defRPr sz="1000" b="0" u="none" strike="noStrike">
-                    <a:solidFill>
-                      <a:srgbClr val="000000"/>
-                    </a:solidFill>
-                    <a:uFillTx/>
-                    <a:latin typeface="Aptos Narrow"/>
-                  </a:defRPr>
-                </a:pPr>
-                <a:endParaRPr lang="it-IT"/>
-              </a:p>
-            </c:txPr>
-            <c:dLblPos val="r"/>
-            <c:showLegendKey val="0"/>
-            <c:showVal val="0"/>
-            <c:showCatName val="0"/>
-            <c:showSerName val="0"/>
-            <c:showPercent val="0"/>
-            <c:showBubbleSize val="1"/>
-            <c:separator>; </c:separator>
-            <c:showLeaderLines val="0"/>
-            <c:extLst>
-              <c:ext xmlns:c15="http://schemas.microsoft.com/office/drawing/2012/chart" uri="{CE6537A1-D6FC-4f65-9D91-7224C49458BB}">
-                <c15:showLeaderLines val="1"/>
-                <c15:leaderLines>
-                  <c:spPr>
-                    <a:ln w="28440">
-                      <a:solidFill>
-                        <a:srgbClr val="000000"/>
-                      </a:solidFill>
-                    </a:ln>
-                  </c:spPr>
-                </c15:leaderLines>
-              </c:ext>
-            </c:extLst>
-          </c:dLbls>
-          <c:cat>
-            <c:numRef>
-              <c:f>Foglio1!$K$29:$Q$29</c:f>
-              <c:numCache>
-                <c:formatCode>0</c:formatCode>
-                <c:ptCount val="7"/>
-                <c:pt idx="0">
-                  <c:v>200</c:v>
-                </c:pt>
-                <c:pt idx="1">
-                  <c:v>2000</c:v>
-                </c:pt>
-                <c:pt idx="2">
-                  <c:v>20000</c:v>
-                </c:pt>
-                <c:pt idx="3">
-                  <c:v>200000</c:v>
-                </c:pt>
-                <c:pt idx="4">
-                  <c:v>1000000</c:v>
-                </c:pt>
-                <c:pt idx="5">
-                  <c:v>2000000</c:v>
-                </c:pt>
-                <c:pt idx="6">
-                  <c:v>4000000</c:v>
-                </c:pt>
-              </c:numCache>
-            </c:numRef>
-          </c:cat>
-          <c:val>
-            <c:numRef>
-              <c:f>Foglio1!$K$35:$Q$35</c:f>
-              <c:numCache>
-                <c:formatCode>0.000</c:formatCode>
-                <c:ptCount val="7"/>
-                <c:pt idx="0">
-                  <c:v>1.1900000000000001E-2</c:v>
-                </c:pt>
-                <c:pt idx="1">
-                  <c:v>2.47E-2</c:v>
-                </c:pt>
-                <c:pt idx="2">
-                  <c:v>0.11</c:v>
-                </c:pt>
-                <c:pt idx="3">
-                  <c:v>1.0449999999999999</c:v>
-                </c:pt>
-                <c:pt idx="4">
-                  <c:v>5.2210000000000001</c:v>
-                </c:pt>
-                <c:pt idx="5">
-                  <c:v>10.379</c:v>
-                </c:pt>
-                <c:pt idx="6">
-                  <c:v>20.888000000000002</c:v>
-                </c:pt>
-              </c:numCache>
-            </c:numRef>
-          </c:val>
-          <c:smooth val="0"/>
-          <c:extLst>
-            <c:ext xmlns:c16="http://schemas.microsoft.com/office/drawing/2014/chart" uri="{C3380CC4-5D6E-409C-BE32-E72D297353CC}">
-              <c16:uniqueId val="{00000003-D6D3-4FC0-952C-8B2CD5BCC65E}"/>
-            </c:ext>
-          </c:extLst>
-        </c:ser>
-        <c:ser>
-          <c:idx val="4"/>
-          <c:order val="4"/>
-          <c:tx>
-            <c:strRef>
-              <c:f>Foglio1!$J$36</c:f>
-              <c:strCache>
-                <c:ptCount val="1"/>
-                <c:pt idx="0">
-                  <c:v>MPI(32)</c:v>
-                </c:pt>
-              </c:strCache>
-            </c:strRef>
-          </c:tx>
-          <c:spPr>
-            <a:ln w="28440" cap="rnd">
-              <a:solidFill>
-                <a:srgbClr val="0D3A4E"/>
-              </a:solidFill>
-              <a:round/>
-            </a:ln>
-          </c:spPr>
-          <c:marker>
-            <c:symbol val="circle"/>
-            <c:size val="5"/>
-            <c:spPr>
-              <a:solidFill>
-                <a:srgbClr val="0D3A4E"/>
-              </a:solidFill>
-            </c:spPr>
-          </c:marker>
-          <c:dLbls>
-            <c:spPr>
-              <a:noFill/>
-              <a:ln>
-                <a:noFill/>
-              </a:ln>
-              <a:effectLst/>
-            </c:spPr>
-            <c:txPr>
-              <a:bodyPr wrap="square"/>
-              <a:lstStyle/>
-              <a:p>
-                <a:pPr>
-                  <a:defRPr sz="1000" b="0" u="none" strike="noStrike">
-                    <a:solidFill>
-                      <a:srgbClr val="000000"/>
-                    </a:solidFill>
-                    <a:uFillTx/>
-                    <a:latin typeface="Aptos Narrow"/>
-                  </a:defRPr>
-                </a:pPr>
-                <a:endParaRPr lang="it-IT"/>
-              </a:p>
-            </c:txPr>
-            <c:dLblPos val="r"/>
-            <c:showLegendKey val="0"/>
-            <c:showVal val="0"/>
-            <c:showCatName val="0"/>
-            <c:showSerName val="0"/>
-            <c:showPercent val="0"/>
-            <c:showBubbleSize val="1"/>
-            <c:separator>; </c:separator>
-            <c:showLeaderLines val="0"/>
-            <c:extLst>
-              <c:ext xmlns:c15="http://schemas.microsoft.com/office/drawing/2012/chart" uri="{CE6537A1-D6FC-4f65-9D91-7224C49458BB}">
-                <c15:showLeaderLines val="1"/>
-                <c15:leaderLines>
-                  <c:spPr>
-                    <a:ln w="28440">
-                      <a:solidFill>
-                        <a:srgbClr val="000000"/>
-                      </a:solidFill>
-                    </a:ln>
-                  </c:spPr>
-                </c15:leaderLines>
-              </c:ext>
-            </c:extLst>
-          </c:dLbls>
-          <c:cat>
-            <c:numRef>
-              <c:f>Foglio1!$K$29:$Q$29</c:f>
-              <c:numCache>
-                <c:formatCode>0</c:formatCode>
-                <c:ptCount val="7"/>
-                <c:pt idx="0">
-                  <c:v>200</c:v>
-                </c:pt>
-                <c:pt idx="1">
-                  <c:v>2000</c:v>
-                </c:pt>
-                <c:pt idx="2">
-                  <c:v>20000</c:v>
-                </c:pt>
-                <c:pt idx="3">
-                  <c:v>200000</c:v>
-                </c:pt>
-                <c:pt idx="4">
-                  <c:v>1000000</c:v>
-                </c:pt>
-                <c:pt idx="5">
-                  <c:v>2000000</c:v>
-                </c:pt>
-                <c:pt idx="6">
-                  <c:v>4000000</c:v>
-                </c:pt>
-              </c:numCache>
-            </c:numRef>
-          </c:cat>
-          <c:val>
-            <c:numRef>
-              <c:f>Foglio1!$K$36:$Q$36</c:f>
-              <c:numCache>
-                <c:formatCode>0.000</c:formatCode>
-                <c:ptCount val="7"/>
-                <c:pt idx="0">
-                  <c:v>1.0500000000000001E-2</c:v>
-                </c:pt>
-                <c:pt idx="1">
-                  <c:v>1.9060000000000001E-2</c:v>
-                </c:pt>
-                <c:pt idx="2">
-                  <c:v>6.3E-2</c:v>
-                </c:pt>
-                <c:pt idx="3">
-                  <c:v>0.53400000000000003</c:v>
-                </c:pt>
-                <c:pt idx="4">
-                  <c:v>2.64</c:v>
-                </c:pt>
-                <c:pt idx="5">
-                  <c:v>5.26</c:v>
-                </c:pt>
-                <c:pt idx="6">
-                  <c:v>10.468</c:v>
-                </c:pt>
-              </c:numCache>
-            </c:numRef>
-          </c:val>
-          <c:smooth val="0"/>
-          <c:extLst>
-            <c:ext xmlns:c16="http://schemas.microsoft.com/office/drawing/2014/chart" uri="{C3380CC4-5D6E-409C-BE32-E72D297353CC}">
-              <c16:uniqueId val="{00000004-D6D3-4FC0-952C-8B2CD5BCC65E}"/>
-            </c:ext>
-          </c:extLst>
-        </c:ser>
-        <c:ser>
-          <c:idx val="5"/>
-          <c:order val="5"/>
-          <c:tx>
-            <c:strRef>
-              <c:f>Foglio1!$J$32</c:f>
-              <c:strCache>
-                <c:ptCount val="1"/>
-                <c:pt idx="0">
-                  <c:v>CUDA</c:v>
-                </c:pt>
-              </c:strCache>
-            </c:strRef>
-          </c:tx>
-          <c:spPr>
-            <a:ln w="28440" cap="rnd">
-              <a:solidFill>
-                <a:srgbClr val="196B24"/>
-              </a:solidFill>
-              <a:round/>
-            </a:ln>
-          </c:spPr>
-          <c:marker>
-            <c:symbol val="circle"/>
-            <c:size val="5"/>
-            <c:spPr>
-              <a:solidFill>
-                <a:srgbClr val="196B24"/>
-              </a:solidFill>
-            </c:spPr>
-          </c:marker>
-          <c:dLbls>
-            <c:spPr>
-              <a:noFill/>
-              <a:ln>
-                <a:noFill/>
-              </a:ln>
-              <a:effectLst/>
-            </c:spPr>
-            <c:txPr>
-              <a:bodyPr wrap="square"/>
-              <a:lstStyle/>
-              <a:p>
-                <a:pPr>
-                  <a:defRPr sz="1000" b="0" u="none" strike="noStrike">
-                    <a:solidFill>
-                      <a:srgbClr val="000000"/>
-                    </a:solidFill>
-                    <a:uFillTx/>
-                    <a:latin typeface="Aptos Narrow"/>
-                  </a:defRPr>
-                </a:pPr>
-                <a:endParaRPr lang="it-IT"/>
-              </a:p>
-            </c:txPr>
-            <c:dLblPos val="r"/>
-            <c:showLegendKey val="0"/>
-            <c:showVal val="0"/>
-            <c:showCatName val="0"/>
-            <c:showSerName val="0"/>
-            <c:showPercent val="0"/>
-            <c:showBubbleSize val="1"/>
-            <c:separator>; </c:separator>
-            <c:showLeaderLines val="0"/>
-            <c:extLst>
-              <c:ext xmlns:c15="http://schemas.microsoft.com/office/drawing/2012/chart" uri="{CE6537A1-D6FC-4f65-9D91-7224C49458BB}">
-                <c15:showLeaderLines val="1"/>
-                <c15:leaderLines>
-                  <c:spPr>
-                    <a:ln w="28440">
-                      <a:solidFill>
-                        <a:srgbClr val="000000"/>
-                      </a:solidFill>
-                    </a:ln>
-                  </c:spPr>
-                </c15:leaderLines>
-              </c:ext>
-            </c:extLst>
-          </c:dLbls>
-          <c:cat>
-            <c:numRef>
-              <c:f>Foglio1!$K$29:$Q$29</c:f>
-              <c:numCache>
-                <c:formatCode>0</c:formatCode>
-                <c:ptCount val="7"/>
-                <c:pt idx="0">
-                  <c:v>200</c:v>
-                </c:pt>
-                <c:pt idx="1">
-                  <c:v>2000</c:v>
-                </c:pt>
-                <c:pt idx="2">
-                  <c:v>20000</c:v>
-                </c:pt>
-                <c:pt idx="3">
-                  <c:v>200000</c:v>
-                </c:pt>
-                <c:pt idx="4">
-                  <c:v>1000000</c:v>
-                </c:pt>
-                <c:pt idx="5">
-                  <c:v>2000000</c:v>
-                </c:pt>
-                <c:pt idx="6">
-                  <c:v>4000000</c:v>
-                </c:pt>
-              </c:numCache>
-            </c:numRef>
-          </c:cat>
-          <c:val>
-            <c:numRef>
-              <c:f>Foglio1!$K$32:$Q$32</c:f>
-              <c:numCache>
-                <c:formatCode>0.000</c:formatCode>
-                <c:ptCount val="7"/>
-                <c:pt idx="0">
-                  <c:v>4.2999999999999997E-2</c:v>
-                </c:pt>
-                <c:pt idx="1">
-                  <c:v>5.0999999999999997E-2</c:v>
-                </c:pt>
-                <c:pt idx="2">
-                  <c:v>6.3E-2</c:v>
-                </c:pt>
-                <c:pt idx="3">
-                  <c:v>0.185</c:v>
-                </c:pt>
-                <c:pt idx="4">
-                  <c:v>0.66</c:v>
-                </c:pt>
-                <c:pt idx="5">
-                  <c:v>1.333</c:v>
-                </c:pt>
-                <c:pt idx="6">
-                  <c:v>2.548</c:v>
-                </c:pt>
-              </c:numCache>
-            </c:numRef>
-          </c:val>
-          <c:smooth val="0"/>
-          <c:extLst>
-            <c:ext xmlns:c16="http://schemas.microsoft.com/office/drawing/2014/chart" uri="{C3380CC4-5D6E-409C-BE32-E72D297353CC}">
-              <c16:uniqueId val="{00000005-D6D3-4FC0-952C-8B2CD5BCC65E}"/>
-            </c:ext>
-          </c:extLst>
-        </c:ser>
-        <c:ser>
-          <c:idx val="6"/>
-          <c:order val="6"/>
-          <c:tx>
-            <c:strRef>
-              <c:f>Foglio1!$J$33</c:f>
-              <c:strCache>
-                <c:ptCount val="1"/>
-                <c:pt idx="0">
-                  <c:v>MPI+CUDA</c:v>
-                </c:pt>
-              </c:strCache>
-            </c:strRef>
-          </c:tx>
-          <c:spPr>
-            <a:ln w="28440" cap="rnd">
-              <a:solidFill>
-                <a:srgbClr val="0F9ED5"/>
-              </a:solidFill>
-              <a:round/>
-            </a:ln>
-          </c:spPr>
-          <c:marker>
-            <c:symbol val="circle"/>
-            <c:size val="5"/>
-            <c:spPr>
-              <a:solidFill>
-                <a:srgbClr val="0F9ED5"/>
-              </a:solidFill>
-            </c:spPr>
-          </c:marker>
-          <c:dLbls>
-            <c:spPr>
-              <a:noFill/>
-              <a:ln>
-                <a:noFill/>
-              </a:ln>
-              <a:effectLst/>
-            </c:spPr>
-            <c:txPr>
-              <a:bodyPr wrap="square"/>
-              <a:lstStyle/>
-              <a:p>
-                <a:pPr>
-                  <a:defRPr sz="1000" b="0" u="none" strike="noStrike">
-                    <a:solidFill>
-                      <a:srgbClr val="000000"/>
-                    </a:solidFill>
-                    <a:uFillTx/>
-                    <a:latin typeface="Aptos Narrow"/>
-                  </a:defRPr>
-                </a:pPr>
-                <a:endParaRPr lang="it-IT"/>
-              </a:p>
-            </c:txPr>
-            <c:dLblPos val="r"/>
-            <c:showLegendKey val="0"/>
-            <c:showVal val="0"/>
-            <c:showCatName val="0"/>
-            <c:showSerName val="0"/>
-            <c:showPercent val="0"/>
-            <c:showBubbleSize val="1"/>
-            <c:separator>; </c:separator>
-            <c:showLeaderLines val="0"/>
-            <c:extLst>
-              <c:ext xmlns:c15="http://schemas.microsoft.com/office/drawing/2012/chart" uri="{CE6537A1-D6FC-4f65-9D91-7224C49458BB}">
-                <c15:showLeaderLines val="1"/>
-                <c15:leaderLines>
-                  <c:spPr>
-                    <a:ln w="28440">
-                      <a:solidFill>
-                        <a:srgbClr val="000000"/>
-                      </a:solidFill>
-                    </a:ln>
-                  </c:spPr>
-                </c15:leaderLines>
-              </c:ext>
-            </c:extLst>
-          </c:dLbls>
-          <c:cat>
-            <c:numRef>
-              <c:f>Foglio1!$K$29:$Q$29</c:f>
-              <c:numCache>
-                <c:formatCode>0</c:formatCode>
-                <c:ptCount val="7"/>
-                <c:pt idx="0">
-                  <c:v>200</c:v>
-                </c:pt>
-                <c:pt idx="1">
-                  <c:v>2000</c:v>
-                </c:pt>
-                <c:pt idx="2">
-                  <c:v>20000</c:v>
-                </c:pt>
-                <c:pt idx="3">
-                  <c:v>200000</c:v>
-                </c:pt>
-                <c:pt idx="4">
-                  <c:v>1000000</c:v>
-                </c:pt>
-                <c:pt idx="5">
-                  <c:v>2000000</c:v>
-                </c:pt>
-                <c:pt idx="6">
-                  <c:v>4000000</c:v>
-                </c:pt>
-              </c:numCache>
-            </c:numRef>
-          </c:cat>
-          <c:val>
-            <c:numRef>
               <c:f>Foglio1!$K$33:$Q$33</c:f>
               <c:numCache>
                 <c:formatCode>0.000</c:formatCode>
@@ -4135,7 +3347,7 @@
               <c:xMode val="edge"/>
               <c:yMode val="edge"/>
               <c:x val="2.0511210280822378E-2"/>
-              <c:y val="0.6690209054531816"/>
+              <c:y val="0.67152329520633958"/>
             </c:manualLayout>
           </c:layout>
           <c:overlay val="0"/>
@@ -4266,6 +3478,1029 @@
           </a:p>
         </c:txPr>
         <c:crossAx val="99583858"/>
+        <c:crosses val="autoZero"/>
+        <c:crossBetween val="between"/>
+      </c:valAx>
+      <c:dTable>
+        <c:showHorzBorder val="1"/>
+        <c:showVertBorder val="1"/>
+        <c:showOutline val="1"/>
+        <c:showKeys val="1"/>
+        <c:spPr>
+          <a:noFill/>
+          <a:ln w="9360">
+            <a:solidFill>
+              <a:srgbClr val="D9D9D9"/>
+            </a:solidFill>
+            <a:round/>
+          </a:ln>
+        </c:spPr>
+        <c:txPr>
+          <a:bodyPr/>
+          <a:lstStyle/>
+          <a:p>
+            <a:pPr rtl="0">
+              <a:defRPr sz="1050" b="0" u="none" strike="noStrike">
+                <a:solidFill>
+                  <a:srgbClr val="595959"/>
+                </a:solidFill>
+                <a:uFillTx/>
+                <a:latin typeface="Aptos Narrow"/>
+              </a:defRPr>
+            </a:pPr>
+            <a:endParaRPr lang="it-IT"/>
+          </a:p>
+        </c:txPr>
+      </c:dTable>
+      <c:spPr>
+        <a:noFill/>
+        <a:ln w="0">
+          <a:noFill/>
+        </a:ln>
+      </c:spPr>
+    </c:plotArea>
+    <c:plotVisOnly val="1"/>
+    <c:dispBlanksAs val="gap"/>
+    <c:showDLblsOverMax val="1"/>
+  </c:chart>
+  <c:spPr>
+    <a:solidFill>
+      <a:srgbClr val="FFFFFF"/>
+    </a:solidFill>
+    <a:ln w="9360">
+      <a:noFill/>
+    </a:ln>
+  </c:spPr>
+  <c:externalData r:id="rId1">
+    <c:autoUpdate val="0"/>
+  </c:externalData>
+</c:chartSpace>
+</file>
+
+<file path=ppt/charts/chart4.xml><?xml version="1.0" encoding="utf-8"?>
+<c:chartSpace xmlns:c="http://schemas.openxmlformats.org/drawingml/2006/chart" xmlns:a="http://schemas.openxmlformats.org/drawingml/2006/main" xmlns:r="http://schemas.openxmlformats.org/officeDocument/2006/relationships" xmlns:c16r2="http://schemas.microsoft.com/office/drawing/2015/06/chart">
+  <c:date1904 val="0"/>
+  <c:lang val="it-IT"/>
+  <c:roundedCorners val="0"/>
+  <mc:AlternateContent xmlns:mc="http://schemas.openxmlformats.org/markup-compatibility/2006">
+    <mc:Choice xmlns:c14="http://schemas.microsoft.com/office/drawing/2007/8/2/chart" Requires="c14">
+      <c14:style val="102"/>
+    </mc:Choice>
+    <mc:Fallback>
+      <c:style val="2"/>
+    </mc:Fallback>
+  </mc:AlternateContent>
+  <c:chart>
+    <c:autoTitleDeleted val="1"/>
+    <c:plotArea>
+      <c:layout>
+        <c:manualLayout>
+          <c:layoutTarget val="inner"/>
+          <c:xMode val="edge"/>
+          <c:yMode val="edge"/>
+          <c:x val="0.17290499065435999"/>
+          <c:y val="1.6403712642950898E-2"/>
+          <c:w val="0.90670782754290502"/>
+          <c:h val="0.70841657701962002"/>
+        </c:manualLayout>
+      </c:layout>
+      <c:lineChart>
+        <c:grouping val="standard"/>
+        <c:varyColors val="0"/>
+        <c:ser>
+          <c:idx val="0"/>
+          <c:order val="0"/>
+          <c:tx>
+            <c:strRef>
+              <c:f>Foglio1!$J$78</c:f>
+              <c:strCache>
+                <c:ptCount val="1"/>
+                <c:pt idx="0">
+                  <c:v>Sequenziale</c:v>
+                </c:pt>
+              </c:strCache>
+            </c:strRef>
+          </c:tx>
+          <c:spPr>
+            <a:ln w="28440" cap="rnd">
+              <a:solidFill>
+                <a:srgbClr val="A02B93"/>
+              </a:solidFill>
+              <a:round/>
+            </a:ln>
+          </c:spPr>
+          <c:marker>
+            <c:symbol val="circle"/>
+            <c:size val="5"/>
+            <c:spPr>
+              <a:solidFill>
+                <a:srgbClr val="A02B93"/>
+              </a:solidFill>
+            </c:spPr>
+          </c:marker>
+          <c:dLbls>
+            <c:spPr>
+              <a:noFill/>
+              <a:ln>
+                <a:noFill/>
+              </a:ln>
+              <a:effectLst/>
+            </c:spPr>
+            <c:txPr>
+              <a:bodyPr wrap="square"/>
+              <a:lstStyle/>
+              <a:p>
+                <a:pPr>
+                  <a:defRPr sz="1000" b="0" u="none" strike="noStrike">
+                    <a:solidFill>
+                      <a:srgbClr val="000000"/>
+                    </a:solidFill>
+                    <a:uFillTx/>
+                    <a:latin typeface="Aptos Narrow"/>
+                  </a:defRPr>
+                </a:pPr>
+                <a:endParaRPr lang="it-IT"/>
+              </a:p>
+            </c:txPr>
+            <c:dLblPos val="r"/>
+            <c:showLegendKey val="0"/>
+            <c:showVal val="0"/>
+            <c:showCatName val="0"/>
+            <c:showSerName val="0"/>
+            <c:showPercent val="0"/>
+            <c:showBubbleSize val="1"/>
+            <c:separator>; </c:separator>
+            <c:showLeaderLines val="0"/>
+            <c:extLst>
+              <c:ext xmlns:c15="http://schemas.microsoft.com/office/drawing/2012/chart" uri="{CE6537A1-D6FC-4f65-9D91-7224C49458BB}">
+                <c15:showLeaderLines val="1"/>
+                <c15:leaderLines>
+                  <c:spPr>
+                    <a:ln w="28440">
+                      <a:solidFill>
+                        <a:srgbClr val="000000"/>
+                      </a:solidFill>
+                    </a:ln>
+                  </c:spPr>
+                </c15:leaderLines>
+              </c:ext>
+            </c:extLst>
+          </c:dLbls>
+          <c:cat>
+            <c:numRef>
+              <c:f>Foglio1!$K$29:$Q$29</c:f>
+              <c:numCache>
+                <c:formatCode>0</c:formatCode>
+                <c:ptCount val="7"/>
+                <c:pt idx="0">
+                  <c:v>200</c:v>
+                </c:pt>
+                <c:pt idx="1">
+                  <c:v>2000</c:v>
+                </c:pt>
+                <c:pt idx="2">
+                  <c:v>20000</c:v>
+                </c:pt>
+                <c:pt idx="3">
+                  <c:v>200000</c:v>
+                </c:pt>
+                <c:pt idx="4">
+                  <c:v>1000000</c:v>
+                </c:pt>
+                <c:pt idx="5">
+                  <c:v>2000000</c:v>
+                </c:pt>
+                <c:pt idx="6">
+                  <c:v>4000000</c:v>
+                </c:pt>
+              </c:numCache>
+            </c:numRef>
+          </c:cat>
+          <c:val>
+            <c:numRef>
+              <c:f>Foglio1!$K$78:$Q$78</c:f>
+              <c:numCache>
+                <c:formatCode>0.00000</c:formatCode>
+                <c:ptCount val="7"/>
+                <c:pt idx="0">
+                  <c:v>6.9000000000000006E-2</c:v>
+                </c:pt>
+                <c:pt idx="1">
+                  <c:v>0.21199999999999999</c:v>
+                </c:pt>
+                <c:pt idx="2">
+                  <c:v>1.5760000000000001</c:v>
+                </c:pt>
+                <c:pt idx="3">
+                  <c:v>15.335000000000001</c:v>
+                </c:pt>
+                <c:pt idx="4">
+                  <c:v>76</c:v>
+                </c:pt>
+                <c:pt idx="5">
+                  <c:v>153.101</c:v>
+                </c:pt>
+                <c:pt idx="6">
+                  <c:v>306.976</c:v>
+                </c:pt>
+              </c:numCache>
+            </c:numRef>
+          </c:val>
+          <c:smooth val="0"/>
+          <c:extLst>
+            <c:ext xmlns:c16="http://schemas.microsoft.com/office/drawing/2014/chart" uri="{C3380CC4-5D6E-409C-BE32-E72D297353CC}">
+              <c16:uniqueId val="{00000000-671E-4130-AA08-FECB8FA2A3DE}"/>
+            </c:ext>
+          </c:extLst>
+        </c:ser>
+        <c:ser>
+          <c:idx val="1"/>
+          <c:order val="1"/>
+          <c:tx>
+            <c:strRef>
+              <c:f>Foglio1!$J$62</c:f>
+              <c:strCache>
+                <c:ptCount val="1"/>
+                <c:pt idx="0">
+                  <c:v>OpenMP (4)</c:v>
+                </c:pt>
+              </c:strCache>
+            </c:strRef>
+          </c:tx>
+          <c:spPr>
+            <a:ln w="28440" cap="rnd">
+              <a:solidFill>
+                <a:srgbClr val="156082"/>
+              </a:solidFill>
+              <a:round/>
+            </a:ln>
+          </c:spPr>
+          <c:marker>
+            <c:symbol val="circle"/>
+            <c:size val="5"/>
+            <c:spPr>
+              <a:solidFill>
+                <a:srgbClr val="156082"/>
+              </a:solidFill>
+            </c:spPr>
+          </c:marker>
+          <c:dLbls>
+            <c:spPr>
+              <a:noFill/>
+              <a:ln>
+                <a:noFill/>
+              </a:ln>
+              <a:effectLst/>
+            </c:spPr>
+            <c:txPr>
+              <a:bodyPr wrap="square"/>
+              <a:lstStyle/>
+              <a:p>
+                <a:pPr>
+                  <a:defRPr sz="1000" b="0" u="none" strike="noStrike">
+                    <a:solidFill>
+                      <a:srgbClr val="000000"/>
+                    </a:solidFill>
+                    <a:uFillTx/>
+                    <a:latin typeface="Aptos Narrow"/>
+                  </a:defRPr>
+                </a:pPr>
+                <a:endParaRPr lang="it-IT"/>
+              </a:p>
+            </c:txPr>
+            <c:dLblPos val="r"/>
+            <c:showLegendKey val="0"/>
+            <c:showVal val="0"/>
+            <c:showCatName val="0"/>
+            <c:showSerName val="0"/>
+            <c:showPercent val="0"/>
+            <c:showBubbleSize val="1"/>
+            <c:separator>; </c:separator>
+            <c:showLeaderLines val="0"/>
+            <c:extLst>
+              <c:ext xmlns:c15="http://schemas.microsoft.com/office/drawing/2012/chart" uri="{CE6537A1-D6FC-4f65-9D91-7224C49458BB}">
+                <c15:showLeaderLines val="1"/>
+                <c15:leaderLines>
+                  <c:spPr>
+                    <a:ln w="28440">
+                      <a:solidFill>
+                        <a:srgbClr val="000000"/>
+                      </a:solidFill>
+                    </a:ln>
+                  </c:spPr>
+                </c15:leaderLines>
+              </c:ext>
+            </c:extLst>
+          </c:dLbls>
+          <c:cat>
+            <c:numRef>
+              <c:f>Foglio1!$K$29:$Q$29</c:f>
+              <c:numCache>
+                <c:formatCode>0</c:formatCode>
+                <c:ptCount val="7"/>
+                <c:pt idx="0">
+                  <c:v>200</c:v>
+                </c:pt>
+                <c:pt idx="1">
+                  <c:v>2000</c:v>
+                </c:pt>
+                <c:pt idx="2">
+                  <c:v>20000</c:v>
+                </c:pt>
+                <c:pt idx="3">
+                  <c:v>200000</c:v>
+                </c:pt>
+                <c:pt idx="4">
+                  <c:v>1000000</c:v>
+                </c:pt>
+                <c:pt idx="5">
+                  <c:v>2000000</c:v>
+                </c:pt>
+                <c:pt idx="6">
+                  <c:v>4000000</c:v>
+                </c:pt>
+              </c:numCache>
+            </c:numRef>
+          </c:cat>
+          <c:val>
+            <c:numRef>
+              <c:f>Foglio1!$K$62:$Q$62</c:f>
+              <c:numCache>
+                <c:formatCode>0.00000</c:formatCode>
+                <c:ptCount val="7"/>
+                <c:pt idx="0">
+                  <c:v>2.2793000000000001E-2</c:v>
+                </c:pt>
+                <c:pt idx="1">
+                  <c:v>5.7149999999999999E-2</c:v>
+                </c:pt>
+                <c:pt idx="2">
+                  <c:v>0.40992800000000001</c:v>
+                </c:pt>
+                <c:pt idx="3">
+                  <c:v>3.9437579999999999</c:v>
+                </c:pt>
+                <c:pt idx="4">
+                  <c:v>19.959036999999999</c:v>
+                </c:pt>
+                <c:pt idx="5">
+                  <c:v>39.318178000000003</c:v>
+                </c:pt>
+                <c:pt idx="6">
+                  <c:v>83.497208999999998</c:v>
+                </c:pt>
+              </c:numCache>
+            </c:numRef>
+          </c:val>
+          <c:smooth val="0"/>
+          <c:extLst>
+            <c:ext xmlns:c16="http://schemas.microsoft.com/office/drawing/2014/chart" uri="{C3380CC4-5D6E-409C-BE32-E72D297353CC}">
+              <c16:uniqueId val="{00000001-671E-4130-AA08-FECB8FA2A3DE}"/>
+            </c:ext>
+          </c:extLst>
+        </c:ser>
+        <c:ser>
+          <c:idx val="2"/>
+          <c:order val="2"/>
+          <c:tx>
+            <c:strRef>
+              <c:f>Foglio1!$J$66</c:f>
+              <c:strCache>
+                <c:ptCount val="1"/>
+                <c:pt idx="0">
+                  <c:v>OpenMP (8)</c:v>
+                </c:pt>
+              </c:strCache>
+            </c:strRef>
+          </c:tx>
+          <c:spPr>
+            <a:ln w="28440" cap="rnd">
+              <a:solidFill>
+                <a:srgbClr val="E97132"/>
+              </a:solidFill>
+              <a:round/>
+            </a:ln>
+          </c:spPr>
+          <c:marker>
+            <c:symbol val="circle"/>
+            <c:size val="5"/>
+            <c:spPr>
+              <a:solidFill>
+                <a:srgbClr val="E97132"/>
+              </a:solidFill>
+            </c:spPr>
+          </c:marker>
+          <c:dLbls>
+            <c:spPr>
+              <a:noFill/>
+              <a:ln>
+                <a:noFill/>
+              </a:ln>
+              <a:effectLst/>
+            </c:spPr>
+            <c:txPr>
+              <a:bodyPr wrap="square"/>
+              <a:lstStyle/>
+              <a:p>
+                <a:pPr>
+                  <a:defRPr sz="1000" b="0" u="none" strike="noStrike">
+                    <a:solidFill>
+                      <a:srgbClr val="000000"/>
+                    </a:solidFill>
+                    <a:uFillTx/>
+                    <a:latin typeface="Aptos Narrow"/>
+                  </a:defRPr>
+                </a:pPr>
+                <a:endParaRPr lang="it-IT"/>
+              </a:p>
+            </c:txPr>
+            <c:dLblPos val="r"/>
+            <c:showLegendKey val="0"/>
+            <c:showVal val="0"/>
+            <c:showCatName val="0"/>
+            <c:showSerName val="0"/>
+            <c:showPercent val="0"/>
+            <c:showBubbleSize val="1"/>
+            <c:separator>; </c:separator>
+            <c:showLeaderLines val="0"/>
+            <c:extLst>
+              <c:ext xmlns:c15="http://schemas.microsoft.com/office/drawing/2012/chart" uri="{CE6537A1-D6FC-4f65-9D91-7224C49458BB}">
+                <c15:showLeaderLines val="1"/>
+                <c15:leaderLines>
+                  <c:spPr>
+                    <a:ln w="28440">
+                      <a:solidFill>
+                        <a:srgbClr val="000000"/>
+                      </a:solidFill>
+                    </a:ln>
+                  </c:spPr>
+                </c15:leaderLines>
+              </c:ext>
+            </c:extLst>
+          </c:dLbls>
+          <c:cat>
+            <c:numRef>
+              <c:f>Foglio1!$K$29:$Q$29</c:f>
+              <c:numCache>
+                <c:formatCode>0</c:formatCode>
+                <c:ptCount val="7"/>
+                <c:pt idx="0">
+                  <c:v>200</c:v>
+                </c:pt>
+                <c:pt idx="1">
+                  <c:v>2000</c:v>
+                </c:pt>
+                <c:pt idx="2">
+                  <c:v>20000</c:v>
+                </c:pt>
+                <c:pt idx="3">
+                  <c:v>200000</c:v>
+                </c:pt>
+                <c:pt idx="4">
+                  <c:v>1000000</c:v>
+                </c:pt>
+                <c:pt idx="5">
+                  <c:v>2000000</c:v>
+                </c:pt>
+                <c:pt idx="6">
+                  <c:v>4000000</c:v>
+                </c:pt>
+              </c:numCache>
+            </c:numRef>
+          </c:cat>
+          <c:val>
+            <c:numRef>
+              <c:f>Foglio1!$K$66:$Q$66</c:f>
+              <c:numCache>
+                <c:formatCode>0.00000</c:formatCode>
+                <c:ptCount val="7"/>
+                <c:pt idx="0">
+                  <c:v>1.67E-2</c:v>
+                </c:pt>
+                <c:pt idx="1">
+                  <c:v>3.3841999999999997E-2</c:v>
+                </c:pt>
+                <c:pt idx="2">
+                  <c:v>0.21901100000000001</c:v>
+                </c:pt>
+                <c:pt idx="3">
+                  <c:v>2.0299170000000002</c:v>
+                </c:pt>
+                <c:pt idx="4">
+                  <c:v>10.088718999999999</c:v>
+                </c:pt>
+                <c:pt idx="5">
+                  <c:v>19.910865000000001</c:v>
+                </c:pt>
+                <c:pt idx="6">
+                  <c:v>39.634937999999998</c:v>
+                </c:pt>
+              </c:numCache>
+            </c:numRef>
+          </c:val>
+          <c:smooth val="0"/>
+          <c:extLst>
+            <c:ext xmlns:c16="http://schemas.microsoft.com/office/drawing/2014/chart" uri="{C3380CC4-5D6E-409C-BE32-E72D297353CC}">
+              <c16:uniqueId val="{00000002-671E-4130-AA08-FECB8FA2A3DE}"/>
+            </c:ext>
+          </c:extLst>
+        </c:ser>
+        <c:ser>
+          <c:idx val="3"/>
+          <c:order val="3"/>
+          <c:tx>
+            <c:strRef>
+              <c:f>Foglio1!$J$70</c:f>
+              <c:strCache>
+                <c:ptCount val="1"/>
+                <c:pt idx="0">
+                  <c:v>OpenMP (16)</c:v>
+                </c:pt>
+              </c:strCache>
+            </c:strRef>
+          </c:tx>
+          <c:spPr>
+            <a:ln w="28440" cap="rnd">
+              <a:solidFill>
+                <a:srgbClr val="196B24"/>
+              </a:solidFill>
+              <a:round/>
+            </a:ln>
+          </c:spPr>
+          <c:marker>
+            <c:symbol val="circle"/>
+            <c:size val="5"/>
+            <c:spPr>
+              <a:solidFill>
+                <a:srgbClr val="196B24"/>
+              </a:solidFill>
+            </c:spPr>
+          </c:marker>
+          <c:dLbls>
+            <c:spPr>
+              <a:noFill/>
+              <a:ln>
+                <a:noFill/>
+              </a:ln>
+              <a:effectLst/>
+            </c:spPr>
+            <c:txPr>
+              <a:bodyPr wrap="square"/>
+              <a:lstStyle/>
+              <a:p>
+                <a:pPr>
+                  <a:defRPr sz="1000" b="0" u="none" strike="noStrike">
+                    <a:solidFill>
+                      <a:srgbClr val="000000"/>
+                    </a:solidFill>
+                    <a:uFillTx/>
+                    <a:latin typeface="Aptos Narrow"/>
+                  </a:defRPr>
+                </a:pPr>
+                <a:endParaRPr lang="it-IT"/>
+              </a:p>
+            </c:txPr>
+            <c:dLblPos val="r"/>
+            <c:showLegendKey val="0"/>
+            <c:showVal val="0"/>
+            <c:showCatName val="0"/>
+            <c:showSerName val="0"/>
+            <c:showPercent val="0"/>
+            <c:showBubbleSize val="1"/>
+            <c:separator>; </c:separator>
+            <c:showLeaderLines val="0"/>
+            <c:extLst>
+              <c:ext xmlns:c15="http://schemas.microsoft.com/office/drawing/2012/chart" uri="{CE6537A1-D6FC-4f65-9D91-7224C49458BB}">
+                <c15:showLeaderLines val="1"/>
+                <c15:leaderLines>
+                  <c:spPr>
+                    <a:ln w="28440">
+                      <a:solidFill>
+                        <a:srgbClr val="000000"/>
+                      </a:solidFill>
+                    </a:ln>
+                  </c:spPr>
+                </c15:leaderLines>
+              </c:ext>
+            </c:extLst>
+          </c:dLbls>
+          <c:cat>
+            <c:numRef>
+              <c:f>Foglio1!$K$29:$Q$29</c:f>
+              <c:numCache>
+                <c:formatCode>0</c:formatCode>
+                <c:ptCount val="7"/>
+                <c:pt idx="0">
+                  <c:v>200</c:v>
+                </c:pt>
+                <c:pt idx="1">
+                  <c:v>2000</c:v>
+                </c:pt>
+                <c:pt idx="2">
+                  <c:v>20000</c:v>
+                </c:pt>
+                <c:pt idx="3">
+                  <c:v>200000</c:v>
+                </c:pt>
+                <c:pt idx="4">
+                  <c:v>1000000</c:v>
+                </c:pt>
+                <c:pt idx="5">
+                  <c:v>2000000</c:v>
+                </c:pt>
+                <c:pt idx="6">
+                  <c:v>4000000</c:v>
+                </c:pt>
+              </c:numCache>
+            </c:numRef>
+          </c:cat>
+          <c:val>
+            <c:numRef>
+              <c:f>Foglio1!$K$70:$Q$70</c:f>
+              <c:numCache>
+                <c:formatCode>0.00000</c:formatCode>
+                <c:ptCount val="7"/>
+                <c:pt idx="0">
+                  <c:v>1.3134E-2</c:v>
+                </c:pt>
+                <c:pt idx="1">
+                  <c:v>1.9408000000000002E-2</c:v>
+                </c:pt>
+                <c:pt idx="2">
+                  <c:v>0.11361400000000001</c:v>
+                </c:pt>
+                <c:pt idx="3">
+                  <c:v>1.056997</c:v>
+                </c:pt>
+                <c:pt idx="4">
+                  <c:v>5.1048429999999998</c:v>
+                </c:pt>
+                <c:pt idx="5">
+                  <c:v>10.671744</c:v>
+                </c:pt>
+                <c:pt idx="6">
+                  <c:v>20.914171</c:v>
+                </c:pt>
+              </c:numCache>
+            </c:numRef>
+          </c:val>
+          <c:smooth val="0"/>
+          <c:extLst>
+            <c:ext xmlns:c16="http://schemas.microsoft.com/office/drawing/2014/chart" uri="{C3380CC4-5D6E-409C-BE32-E72D297353CC}">
+              <c16:uniqueId val="{00000003-671E-4130-AA08-FECB8FA2A3DE}"/>
+            </c:ext>
+          </c:extLst>
+        </c:ser>
+        <c:ser>
+          <c:idx val="4"/>
+          <c:order val="4"/>
+          <c:tx>
+            <c:strRef>
+              <c:f>Foglio1!$J$74</c:f>
+              <c:strCache>
+                <c:ptCount val="1"/>
+                <c:pt idx="0">
+                  <c:v>OpenMP (32)</c:v>
+                </c:pt>
+              </c:strCache>
+            </c:strRef>
+          </c:tx>
+          <c:spPr>
+            <a:ln w="28440" cap="rnd">
+              <a:solidFill>
+                <a:srgbClr val="0F9ED5"/>
+              </a:solidFill>
+              <a:round/>
+            </a:ln>
+          </c:spPr>
+          <c:marker>
+            <c:symbol val="circle"/>
+            <c:size val="5"/>
+            <c:spPr>
+              <a:solidFill>
+                <a:srgbClr val="0F9ED5"/>
+              </a:solidFill>
+            </c:spPr>
+          </c:marker>
+          <c:dLbls>
+            <c:spPr>
+              <a:noFill/>
+              <a:ln>
+                <a:noFill/>
+              </a:ln>
+              <a:effectLst/>
+            </c:spPr>
+            <c:txPr>
+              <a:bodyPr wrap="square"/>
+              <a:lstStyle/>
+              <a:p>
+                <a:pPr>
+                  <a:defRPr sz="1000" b="0" u="none" strike="noStrike">
+                    <a:solidFill>
+                      <a:srgbClr val="000000"/>
+                    </a:solidFill>
+                    <a:uFillTx/>
+                    <a:latin typeface="Aptos Narrow"/>
+                  </a:defRPr>
+                </a:pPr>
+                <a:endParaRPr lang="it-IT"/>
+              </a:p>
+            </c:txPr>
+            <c:dLblPos val="r"/>
+            <c:showLegendKey val="0"/>
+            <c:showVal val="0"/>
+            <c:showCatName val="0"/>
+            <c:showSerName val="0"/>
+            <c:showPercent val="0"/>
+            <c:showBubbleSize val="1"/>
+            <c:separator>; </c:separator>
+            <c:showLeaderLines val="0"/>
+            <c:extLst>
+              <c:ext xmlns:c15="http://schemas.microsoft.com/office/drawing/2012/chart" uri="{CE6537A1-D6FC-4f65-9D91-7224C49458BB}">
+                <c15:showLeaderLines val="1"/>
+                <c15:leaderLines>
+                  <c:spPr>
+                    <a:ln w="28440">
+                      <a:solidFill>
+                        <a:srgbClr val="000000"/>
+                      </a:solidFill>
+                    </a:ln>
+                  </c:spPr>
+                </c15:leaderLines>
+              </c:ext>
+            </c:extLst>
+          </c:dLbls>
+          <c:cat>
+            <c:numRef>
+              <c:f>Foglio1!$K$29:$Q$29</c:f>
+              <c:numCache>
+                <c:formatCode>0</c:formatCode>
+                <c:ptCount val="7"/>
+                <c:pt idx="0">
+                  <c:v>200</c:v>
+                </c:pt>
+                <c:pt idx="1">
+                  <c:v>2000</c:v>
+                </c:pt>
+                <c:pt idx="2">
+                  <c:v>20000</c:v>
+                </c:pt>
+                <c:pt idx="3">
+                  <c:v>200000</c:v>
+                </c:pt>
+                <c:pt idx="4">
+                  <c:v>1000000</c:v>
+                </c:pt>
+                <c:pt idx="5">
+                  <c:v>2000000</c:v>
+                </c:pt>
+                <c:pt idx="6">
+                  <c:v>4000000</c:v>
+                </c:pt>
+              </c:numCache>
+            </c:numRef>
+          </c:cat>
+          <c:val>
+            <c:numRef>
+              <c:f>Foglio1!$K$74:$Q$74</c:f>
+              <c:numCache>
+                <c:formatCode>0.00000</c:formatCode>
+                <c:ptCount val="7"/>
+                <c:pt idx="0">
+                  <c:v>1.1551000000000001E-2</c:v>
+                </c:pt>
+                <c:pt idx="1">
+                  <c:v>1.8381000000000002E-2</c:v>
+                </c:pt>
+                <c:pt idx="2">
+                  <c:v>6.9893999999999998E-2</c:v>
+                </c:pt>
+                <c:pt idx="3">
+                  <c:v>0.581762</c:v>
+                </c:pt>
+                <c:pt idx="4">
+                  <c:v>2.8485469999999999</c:v>
+                </c:pt>
+                <c:pt idx="5">
+                  <c:v>5.6277189999999999</c:v>
+                </c:pt>
+                <c:pt idx="6">
+                  <c:v>12.099769</c:v>
+                </c:pt>
+              </c:numCache>
+            </c:numRef>
+          </c:val>
+          <c:smooth val="0"/>
+          <c:extLst>
+            <c:ext xmlns:c16="http://schemas.microsoft.com/office/drawing/2014/chart" uri="{C3380CC4-5D6E-409C-BE32-E72D297353CC}">
+              <c16:uniqueId val="{00000004-671E-4130-AA08-FECB8FA2A3DE}"/>
+            </c:ext>
+          </c:extLst>
+        </c:ser>
+        <c:ser>
+          <c:idx val="5"/>
+          <c:order val="5"/>
+          <c:tx>
+            <c:strRef>
+              <c:f>Foglio1!$J$82</c:f>
+              <c:strCache>
+                <c:ptCount val="1"/>
+                <c:pt idx="0">
+                  <c:v>OpenMP (64)</c:v>
+                </c:pt>
+              </c:strCache>
+            </c:strRef>
+          </c:tx>
+          <c:spPr>
+            <a:ln w="28575">
+              <a:solidFill>
+                <a:srgbClr val="00B050"/>
+              </a:solidFill>
+            </a:ln>
+          </c:spPr>
+          <c:marker>
+            <c:symbol val="circle"/>
+            <c:size val="5"/>
+            <c:spPr>
+              <a:solidFill>
+                <a:srgbClr val="00B050"/>
+              </a:solidFill>
+            </c:spPr>
+          </c:marker>
+          <c:cat>
+            <c:numRef>
+              <c:f>Foglio1!$K$29:$Q$29</c:f>
+              <c:numCache>
+                <c:formatCode>0</c:formatCode>
+                <c:ptCount val="7"/>
+                <c:pt idx="0">
+                  <c:v>200</c:v>
+                </c:pt>
+                <c:pt idx="1">
+                  <c:v>2000</c:v>
+                </c:pt>
+                <c:pt idx="2">
+                  <c:v>20000</c:v>
+                </c:pt>
+                <c:pt idx="3">
+                  <c:v>200000</c:v>
+                </c:pt>
+                <c:pt idx="4">
+                  <c:v>1000000</c:v>
+                </c:pt>
+                <c:pt idx="5">
+                  <c:v>2000000</c:v>
+                </c:pt>
+                <c:pt idx="6">
+                  <c:v>4000000</c:v>
+                </c:pt>
+              </c:numCache>
+            </c:numRef>
+          </c:cat>
+          <c:val>
+            <c:numRef>
+              <c:f>Foglio1!$K$82:$Q$82</c:f>
+              <c:numCache>
+                <c:formatCode>0.00000</c:formatCode>
+                <c:ptCount val="7"/>
+                <c:pt idx="0">
+                  <c:v>1.3806000000000001E-2</c:v>
+                </c:pt>
+                <c:pt idx="1">
+                  <c:v>2.0768999999999999E-2</c:v>
+                </c:pt>
+                <c:pt idx="2">
+                  <c:v>5.6399999999999999E-2</c:v>
+                </c:pt>
+                <c:pt idx="3">
+                  <c:v>0.36882900000000002</c:v>
+                </c:pt>
+                <c:pt idx="4">
+                  <c:v>1.7258599999999999</c:v>
+                </c:pt>
+                <c:pt idx="5">
+                  <c:v>3.5303019999999998</c:v>
+                </c:pt>
+                <c:pt idx="6">
+                  <c:v>7.3756940000000002</c:v>
+                </c:pt>
+              </c:numCache>
+            </c:numRef>
+          </c:val>
+          <c:smooth val="0"/>
+          <c:extLst>
+            <c:ext xmlns:c16="http://schemas.microsoft.com/office/drawing/2014/chart" uri="{C3380CC4-5D6E-409C-BE32-E72D297353CC}">
+              <c16:uniqueId val="{00000005-671E-4130-AA08-FECB8FA2A3DE}"/>
+            </c:ext>
+          </c:extLst>
+        </c:ser>
+        <c:dLbls>
+          <c:showLegendKey val="0"/>
+          <c:showVal val="0"/>
+          <c:showCatName val="0"/>
+          <c:showSerName val="0"/>
+          <c:showPercent val="0"/>
+          <c:showBubbleSize val="0"/>
+        </c:dLbls>
+        <c:hiLowLines>
+          <c:spPr>
+            <a:ln w="0">
+              <a:noFill/>
+            </a:ln>
+          </c:spPr>
+        </c:hiLowLines>
+        <c:marker val="1"/>
+        <c:smooth val="0"/>
+        <c:axId val="19325235"/>
+        <c:axId val="82625942"/>
+      </c:lineChart>
+      <c:catAx>
+        <c:axId val="19325235"/>
+        <c:scaling>
+          <c:orientation val="minMax"/>
+        </c:scaling>
+        <c:delete val="0"/>
+        <c:axPos val="b"/>
+        <c:numFmt formatCode="0" sourceLinked="0"/>
+        <c:majorTickMark val="none"/>
+        <c:minorTickMark val="none"/>
+        <c:tickLblPos val="nextTo"/>
+        <c:spPr>
+          <a:ln w="9360">
+            <a:solidFill>
+              <a:srgbClr val="D9D9D9"/>
+            </a:solidFill>
+            <a:round/>
+          </a:ln>
+        </c:spPr>
+        <c:txPr>
+          <a:bodyPr/>
+          <a:lstStyle/>
+          <a:p>
+            <a:pPr>
+              <a:defRPr sz="900" b="0" u="none" strike="noStrike">
+                <a:solidFill>
+                  <a:srgbClr val="595959"/>
+                </a:solidFill>
+                <a:uFillTx/>
+                <a:latin typeface="Aptos Narrow"/>
+              </a:defRPr>
+            </a:pPr>
+            <a:endParaRPr lang="it-IT"/>
+          </a:p>
+        </c:txPr>
+        <c:crossAx val="82625942"/>
+        <c:crosses val="autoZero"/>
+        <c:auto val="1"/>
+        <c:lblAlgn val="ctr"/>
+        <c:lblOffset val="100"/>
+        <c:noMultiLvlLbl val="0"/>
+      </c:catAx>
+      <c:valAx>
+        <c:axId val="82625942"/>
+        <c:scaling>
+          <c:logBase val="10"/>
+          <c:orientation val="minMax"/>
+          <c:max val="1000"/>
+        </c:scaling>
+        <c:delete val="0"/>
+        <c:axPos val="l"/>
+        <c:majorGridlines>
+          <c:spPr>
+            <a:ln w="9360">
+              <a:solidFill>
+                <a:srgbClr val="D9D9D9"/>
+              </a:solidFill>
+              <a:round/>
+            </a:ln>
+          </c:spPr>
+        </c:majorGridlines>
+        <c:numFmt formatCode="General" sourceLinked="0"/>
+        <c:majorTickMark val="none"/>
+        <c:minorTickMark val="none"/>
+        <c:tickLblPos val="nextTo"/>
+        <c:spPr>
+          <a:ln w="12600">
+            <a:noFill/>
+          </a:ln>
+        </c:spPr>
+        <c:txPr>
+          <a:bodyPr/>
+          <a:lstStyle/>
+          <a:p>
+            <a:pPr>
+              <a:defRPr sz="1050" b="0" u="none" strike="noStrike">
+                <a:solidFill>
+                  <a:srgbClr val="595959"/>
+                </a:solidFill>
+                <a:uFillTx/>
+                <a:latin typeface="Aptos Narrow"/>
+              </a:defRPr>
+            </a:pPr>
+            <a:endParaRPr lang="it-IT"/>
+          </a:p>
+        </c:txPr>
+        <c:crossAx val="19325235"/>
         <c:crosses val="autoZero"/>
         <c:crossBetween val="between"/>
       </c:valAx>
@@ -7812,6 +8047,1079 @@
 </c:chartSpace>
 </file>
 
+<file path=ppt/charts/chart8.xml><?xml version="1.0" encoding="utf-8"?>
+<c:chartSpace xmlns:c="http://schemas.openxmlformats.org/drawingml/2006/chart" xmlns:a="http://schemas.openxmlformats.org/drawingml/2006/main" xmlns:r="http://schemas.openxmlformats.org/officeDocument/2006/relationships" xmlns:c16r2="http://schemas.microsoft.com/office/drawing/2015/06/chart">
+  <c:date1904 val="0"/>
+  <c:lang val="it-IT"/>
+  <c:roundedCorners val="0"/>
+  <mc:AlternateContent xmlns:mc="http://schemas.openxmlformats.org/markup-compatibility/2006">
+    <mc:Choice xmlns:c14="http://schemas.microsoft.com/office/drawing/2007/8/2/chart" Requires="c14">
+      <c14:style val="102"/>
+    </mc:Choice>
+    <mc:Fallback>
+      <c:style val="2"/>
+    </mc:Fallback>
+  </mc:AlternateContent>
+  <c:chart>
+    <c:autoTitleDeleted val="1"/>
+    <c:plotArea>
+      <c:layout>
+        <c:manualLayout>
+          <c:layoutTarget val="inner"/>
+          <c:xMode val="edge"/>
+          <c:yMode val="edge"/>
+          <c:x val="0.14477947214602471"/>
+          <c:y val="1.3672558575321962E-2"/>
+          <c:w val="0.90671748204609703"/>
+          <c:h val="0.70844644777954202"/>
+        </c:manualLayout>
+      </c:layout>
+      <c:lineChart>
+        <c:grouping val="standard"/>
+        <c:varyColors val="0"/>
+        <c:ser>
+          <c:idx val="0"/>
+          <c:order val="0"/>
+          <c:tx>
+            <c:strRef>
+              <c:f>Foglio1!$CF$37</c:f>
+              <c:strCache>
+                <c:ptCount val="1"/>
+                <c:pt idx="0">
+                  <c:v>Sequenziale</c:v>
+                </c:pt>
+              </c:strCache>
+            </c:strRef>
+          </c:tx>
+          <c:spPr>
+            <a:ln w="28440" cap="rnd">
+              <a:solidFill>
+                <a:srgbClr val="156082"/>
+              </a:solidFill>
+              <a:round/>
+            </a:ln>
+          </c:spPr>
+          <c:marker>
+            <c:symbol val="circle"/>
+            <c:size val="5"/>
+            <c:spPr>
+              <a:solidFill>
+                <a:srgbClr val="156082"/>
+              </a:solidFill>
+            </c:spPr>
+          </c:marker>
+          <c:dLbls>
+            <c:spPr>
+              <a:noFill/>
+              <a:ln>
+                <a:noFill/>
+              </a:ln>
+              <a:effectLst/>
+            </c:spPr>
+            <c:txPr>
+              <a:bodyPr wrap="square"/>
+              <a:lstStyle/>
+              <a:p>
+                <a:pPr>
+                  <a:defRPr sz="1100" b="0" u="none" strike="noStrike">
+                    <a:solidFill>
+                      <a:srgbClr val="000000"/>
+                    </a:solidFill>
+                    <a:uFillTx/>
+                    <a:latin typeface="Aptos Narrow"/>
+                  </a:defRPr>
+                </a:pPr>
+                <a:endParaRPr lang="it-IT"/>
+              </a:p>
+            </c:txPr>
+            <c:dLblPos val="r"/>
+            <c:showLegendKey val="0"/>
+            <c:showVal val="0"/>
+            <c:showCatName val="0"/>
+            <c:showSerName val="0"/>
+            <c:showPercent val="0"/>
+            <c:showBubbleSize val="1"/>
+            <c:separator>; </c:separator>
+            <c:showLeaderLines val="0"/>
+            <c:extLst>
+              <c:ext xmlns:c15="http://schemas.microsoft.com/office/drawing/2012/chart" uri="{CE6537A1-D6FC-4f65-9D91-7224C49458BB}">
+                <c15:showLeaderLines val="1"/>
+                <c15:leaderLines>
+                  <c:spPr>
+                    <a:ln w="28440">
+                      <a:solidFill>
+                        <a:srgbClr val="000000"/>
+                      </a:solidFill>
+                    </a:ln>
+                  </c:spPr>
+                </c15:leaderLines>
+              </c:ext>
+            </c:extLst>
+          </c:dLbls>
+          <c:cat>
+            <c:strRef>
+              <c:f>Foglio1!$AW$22:$BD$22</c:f>
+              <c:strCache>
+                <c:ptCount val="7"/>
+                <c:pt idx="0">
+                  <c:v>100 + 600 + 100</c:v>
+                </c:pt>
+                <c:pt idx="1">
+                  <c:v>1000 + 1500 + 1000</c:v>
+                </c:pt>
+                <c:pt idx="2">
+                  <c:v>10000 + 10500 + 10000 </c:v>
+                </c:pt>
+                <c:pt idx="3">
+                  <c:v>30000 + 30500 + 10000</c:v>
+                </c:pt>
+                <c:pt idx="4">
+                  <c:v>80000 + 80500 + 20000</c:v>
+                </c:pt>
+                <c:pt idx="5">
+                  <c:v>100000 + 100500 + 100000</c:v>
+                </c:pt>
+                <c:pt idx="6">
+                  <c:v>500000 + 300500 + 300000</c:v>
+                </c:pt>
+              </c:strCache>
+            </c:strRef>
+          </c:cat>
+          <c:val>
+            <c:numRef>
+              <c:f>Foglio1!$CG$37:$CM$37</c:f>
+              <c:numCache>
+                <c:formatCode>0.00000</c:formatCode>
+                <c:ptCount val="7"/>
+                <c:pt idx="0">
+                  <c:v>1.226E-4</c:v>
+                </c:pt>
+                <c:pt idx="1">
+                  <c:v>4.5786000000000004E-3</c:v>
+                </c:pt>
+                <c:pt idx="2">
+                  <c:v>0.41784840000000001</c:v>
+                </c:pt>
+                <c:pt idx="3">
+                  <c:v>4.0442650000000002</c:v>
+                </c:pt>
+                <c:pt idx="4">
+                  <c:v>29.169322000000001</c:v>
+                </c:pt>
+                <c:pt idx="5">
+                  <c:v>47.565446000000001</c:v>
+                </c:pt>
+                <c:pt idx="6">
+                  <c:v>706.92577900000003</c:v>
+                </c:pt>
+              </c:numCache>
+            </c:numRef>
+          </c:val>
+          <c:smooth val="0"/>
+          <c:extLst>
+            <c:ext xmlns:c16="http://schemas.microsoft.com/office/drawing/2014/chart" uri="{C3380CC4-5D6E-409C-BE32-E72D297353CC}">
+              <c16:uniqueId val="{00000000-5DE8-4616-A46A-B0B09E31366E}"/>
+            </c:ext>
+          </c:extLst>
+        </c:ser>
+        <c:ser>
+          <c:idx val="1"/>
+          <c:order val="1"/>
+          <c:tx>
+            <c:strRef>
+              <c:f>Foglio1!$CF$38</c:f>
+              <c:strCache>
+                <c:ptCount val="1"/>
+                <c:pt idx="0">
+                  <c:v>OpenMP (4)</c:v>
+                </c:pt>
+              </c:strCache>
+            </c:strRef>
+          </c:tx>
+          <c:spPr>
+            <a:ln w="28440" cap="rnd">
+              <a:solidFill>
+                <a:srgbClr val="E97132"/>
+              </a:solidFill>
+              <a:round/>
+            </a:ln>
+          </c:spPr>
+          <c:marker>
+            <c:symbol val="circle"/>
+            <c:size val="5"/>
+            <c:spPr>
+              <a:solidFill>
+                <a:srgbClr val="E97132"/>
+              </a:solidFill>
+            </c:spPr>
+          </c:marker>
+          <c:dLbls>
+            <c:spPr>
+              <a:noFill/>
+              <a:ln>
+                <a:noFill/>
+              </a:ln>
+              <a:effectLst/>
+            </c:spPr>
+            <c:txPr>
+              <a:bodyPr wrap="square"/>
+              <a:lstStyle/>
+              <a:p>
+                <a:pPr>
+                  <a:defRPr sz="1100" b="0" u="none" strike="noStrike">
+                    <a:solidFill>
+                      <a:srgbClr val="000000"/>
+                    </a:solidFill>
+                    <a:uFillTx/>
+                    <a:latin typeface="Aptos Narrow"/>
+                  </a:defRPr>
+                </a:pPr>
+                <a:endParaRPr lang="it-IT"/>
+              </a:p>
+            </c:txPr>
+            <c:dLblPos val="r"/>
+            <c:showLegendKey val="0"/>
+            <c:showVal val="0"/>
+            <c:showCatName val="0"/>
+            <c:showSerName val="0"/>
+            <c:showPercent val="0"/>
+            <c:showBubbleSize val="1"/>
+            <c:separator>; </c:separator>
+            <c:showLeaderLines val="0"/>
+            <c:extLst>
+              <c:ext xmlns:c15="http://schemas.microsoft.com/office/drawing/2012/chart" uri="{CE6537A1-D6FC-4f65-9D91-7224C49458BB}">
+                <c15:showLeaderLines val="1"/>
+                <c15:leaderLines>
+                  <c:spPr>
+                    <a:ln w="28440">
+                      <a:solidFill>
+                        <a:srgbClr val="000000"/>
+                      </a:solidFill>
+                    </a:ln>
+                  </c:spPr>
+                </c15:leaderLines>
+              </c:ext>
+            </c:extLst>
+          </c:dLbls>
+          <c:cat>
+            <c:strRef>
+              <c:f>Foglio1!$AW$22:$BD$22</c:f>
+              <c:strCache>
+                <c:ptCount val="7"/>
+                <c:pt idx="0">
+                  <c:v>100 + 600 + 100</c:v>
+                </c:pt>
+                <c:pt idx="1">
+                  <c:v>1000 + 1500 + 1000</c:v>
+                </c:pt>
+                <c:pt idx="2">
+                  <c:v>10000 + 10500 + 10000 </c:v>
+                </c:pt>
+                <c:pt idx="3">
+                  <c:v>30000 + 30500 + 10000</c:v>
+                </c:pt>
+                <c:pt idx="4">
+                  <c:v>80000 + 80500 + 20000</c:v>
+                </c:pt>
+                <c:pt idx="5">
+                  <c:v>100000 + 100500 + 100000</c:v>
+                </c:pt>
+                <c:pt idx="6">
+                  <c:v>500000 + 300500 + 300000</c:v>
+                </c:pt>
+              </c:strCache>
+            </c:strRef>
+          </c:cat>
+          <c:val>
+            <c:numRef>
+              <c:f>Foglio1!$CG$38:$CM$38</c:f>
+              <c:numCache>
+                <c:formatCode>0.00000</c:formatCode>
+                <c:ptCount val="7"/>
+                <c:pt idx="0">
+                  <c:v>3.9100000000000002E-4</c:v>
+                </c:pt>
+                <c:pt idx="1">
+                  <c:v>2.2850000000000001E-3</c:v>
+                </c:pt>
+                <c:pt idx="2">
+                  <c:v>0.12928700000000001</c:v>
+                </c:pt>
+                <c:pt idx="3">
+                  <c:v>1.0401549999999999</c:v>
+                </c:pt>
+                <c:pt idx="4">
+                  <c:v>7.6698820000000003</c:v>
+                </c:pt>
+                <c:pt idx="5">
+                  <c:v>12.005228000000001</c:v>
+                </c:pt>
+                <c:pt idx="6">
+                  <c:v>181.91508999999999</c:v>
+                </c:pt>
+              </c:numCache>
+            </c:numRef>
+          </c:val>
+          <c:smooth val="0"/>
+          <c:extLst>
+            <c:ext xmlns:c16="http://schemas.microsoft.com/office/drawing/2014/chart" uri="{C3380CC4-5D6E-409C-BE32-E72D297353CC}">
+              <c16:uniqueId val="{00000001-5DE8-4616-A46A-B0B09E31366E}"/>
+            </c:ext>
+          </c:extLst>
+        </c:ser>
+        <c:ser>
+          <c:idx val="2"/>
+          <c:order val="2"/>
+          <c:tx>
+            <c:strRef>
+              <c:f>Foglio1!$CF$39</c:f>
+              <c:strCache>
+                <c:ptCount val="1"/>
+                <c:pt idx="0">
+                  <c:v>OpenMP (8)</c:v>
+                </c:pt>
+              </c:strCache>
+            </c:strRef>
+          </c:tx>
+          <c:spPr>
+            <a:ln w="28440" cap="rnd">
+              <a:solidFill>
+                <a:srgbClr val="196B24"/>
+              </a:solidFill>
+              <a:round/>
+            </a:ln>
+          </c:spPr>
+          <c:marker>
+            <c:symbol val="circle"/>
+            <c:size val="5"/>
+            <c:spPr>
+              <a:solidFill>
+                <a:srgbClr val="196B24"/>
+              </a:solidFill>
+            </c:spPr>
+          </c:marker>
+          <c:dLbls>
+            <c:spPr>
+              <a:noFill/>
+              <a:ln>
+                <a:noFill/>
+              </a:ln>
+              <a:effectLst/>
+            </c:spPr>
+            <c:txPr>
+              <a:bodyPr wrap="square"/>
+              <a:lstStyle/>
+              <a:p>
+                <a:pPr>
+                  <a:defRPr sz="1100" b="0" u="none" strike="noStrike">
+                    <a:solidFill>
+                      <a:srgbClr val="000000"/>
+                    </a:solidFill>
+                    <a:uFillTx/>
+                    <a:latin typeface="Aptos Narrow"/>
+                  </a:defRPr>
+                </a:pPr>
+                <a:endParaRPr lang="it-IT"/>
+              </a:p>
+            </c:txPr>
+            <c:dLblPos val="r"/>
+            <c:showLegendKey val="0"/>
+            <c:showVal val="0"/>
+            <c:showCatName val="0"/>
+            <c:showSerName val="0"/>
+            <c:showPercent val="0"/>
+            <c:showBubbleSize val="1"/>
+            <c:separator>; </c:separator>
+            <c:showLeaderLines val="0"/>
+            <c:extLst>
+              <c:ext xmlns:c15="http://schemas.microsoft.com/office/drawing/2012/chart" uri="{CE6537A1-D6FC-4f65-9D91-7224C49458BB}">
+                <c15:showLeaderLines val="1"/>
+                <c15:leaderLines>
+                  <c:spPr>
+                    <a:ln w="28440">
+                      <a:solidFill>
+                        <a:srgbClr val="000000"/>
+                      </a:solidFill>
+                    </a:ln>
+                  </c:spPr>
+                </c15:leaderLines>
+              </c:ext>
+            </c:extLst>
+          </c:dLbls>
+          <c:cat>
+            <c:strRef>
+              <c:f>Foglio1!$AW$22:$BD$22</c:f>
+              <c:strCache>
+                <c:ptCount val="7"/>
+                <c:pt idx="0">
+                  <c:v>100 + 600 + 100</c:v>
+                </c:pt>
+                <c:pt idx="1">
+                  <c:v>1000 + 1500 + 1000</c:v>
+                </c:pt>
+                <c:pt idx="2">
+                  <c:v>10000 + 10500 + 10000 </c:v>
+                </c:pt>
+                <c:pt idx="3">
+                  <c:v>30000 + 30500 + 10000</c:v>
+                </c:pt>
+                <c:pt idx="4">
+                  <c:v>80000 + 80500 + 20000</c:v>
+                </c:pt>
+                <c:pt idx="5">
+                  <c:v>100000 + 100500 + 100000</c:v>
+                </c:pt>
+                <c:pt idx="6">
+                  <c:v>500000 + 300500 + 300000</c:v>
+                </c:pt>
+              </c:strCache>
+            </c:strRef>
+          </c:cat>
+          <c:val>
+            <c:numRef>
+              <c:f>Foglio1!$CG$39:$CM$39</c:f>
+              <c:numCache>
+                <c:formatCode>0.00000</c:formatCode>
+                <c:ptCount val="7"/>
+                <c:pt idx="0">
+                  <c:v>7.6900000000000004E-4</c:v>
+                </c:pt>
+                <c:pt idx="1">
+                  <c:v>3.8430000000000001E-3</c:v>
+                </c:pt>
+                <c:pt idx="2">
+                  <c:v>6.4817E-2</c:v>
+                </c:pt>
+                <c:pt idx="3">
+                  <c:v>0.53387899999999999</c:v>
+                </c:pt>
+                <c:pt idx="4">
+                  <c:v>3.8894980000000001</c:v>
+                </c:pt>
+                <c:pt idx="5">
+                  <c:v>6.1138209999999997</c:v>
+                </c:pt>
+                <c:pt idx="6">
+                  <c:v>99.969859</c:v>
+                </c:pt>
+              </c:numCache>
+            </c:numRef>
+          </c:val>
+          <c:smooth val="0"/>
+          <c:extLst>
+            <c:ext xmlns:c16="http://schemas.microsoft.com/office/drawing/2014/chart" uri="{C3380CC4-5D6E-409C-BE32-E72D297353CC}">
+              <c16:uniqueId val="{00000002-5DE8-4616-A46A-B0B09E31366E}"/>
+            </c:ext>
+          </c:extLst>
+        </c:ser>
+        <c:ser>
+          <c:idx val="3"/>
+          <c:order val="3"/>
+          <c:tx>
+            <c:strRef>
+              <c:f>Foglio1!$CF$40</c:f>
+              <c:strCache>
+                <c:ptCount val="1"/>
+                <c:pt idx="0">
+                  <c:v>OpenMP (16)</c:v>
+                </c:pt>
+              </c:strCache>
+            </c:strRef>
+          </c:tx>
+          <c:spPr>
+            <a:ln w="28440" cap="rnd">
+              <a:solidFill>
+                <a:srgbClr val="0F9ED5"/>
+              </a:solidFill>
+              <a:round/>
+            </a:ln>
+          </c:spPr>
+          <c:marker>
+            <c:symbol val="circle"/>
+            <c:size val="5"/>
+            <c:spPr>
+              <a:solidFill>
+                <a:srgbClr val="0F9ED5"/>
+              </a:solidFill>
+            </c:spPr>
+          </c:marker>
+          <c:dLbls>
+            <c:spPr>
+              <a:noFill/>
+              <a:ln>
+                <a:noFill/>
+              </a:ln>
+              <a:effectLst/>
+            </c:spPr>
+            <c:txPr>
+              <a:bodyPr wrap="square"/>
+              <a:lstStyle/>
+              <a:p>
+                <a:pPr>
+                  <a:defRPr sz="1100" b="0" u="none" strike="noStrike">
+                    <a:solidFill>
+                      <a:srgbClr val="000000"/>
+                    </a:solidFill>
+                    <a:uFillTx/>
+                    <a:latin typeface="Aptos Narrow"/>
+                  </a:defRPr>
+                </a:pPr>
+                <a:endParaRPr lang="it-IT"/>
+              </a:p>
+            </c:txPr>
+            <c:dLblPos val="r"/>
+            <c:showLegendKey val="0"/>
+            <c:showVal val="0"/>
+            <c:showCatName val="0"/>
+            <c:showSerName val="0"/>
+            <c:showPercent val="0"/>
+            <c:showBubbleSize val="1"/>
+            <c:separator>; </c:separator>
+            <c:showLeaderLines val="0"/>
+            <c:extLst>
+              <c:ext xmlns:c15="http://schemas.microsoft.com/office/drawing/2012/chart" uri="{CE6537A1-D6FC-4f65-9D91-7224C49458BB}">
+                <c15:showLeaderLines val="1"/>
+                <c15:leaderLines>
+                  <c:spPr>
+                    <a:ln w="28440">
+                      <a:solidFill>
+                        <a:srgbClr val="000000"/>
+                      </a:solidFill>
+                    </a:ln>
+                  </c:spPr>
+                </c15:leaderLines>
+              </c:ext>
+            </c:extLst>
+          </c:dLbls>
+          <c:cat>
+            <c:strRef>
+              <c:f>Foglio1!$AW$22:$BD$22</c:f>
+              <c:strCache>
+                <c:ptCount val="7"/>
+                <c:pt idx="0">
+                  <c:v>100 + 600 + 100</c:v>
+                </c:pt>
+                <c:pt idx="1">
+                  <c:v>1000 + 1500 + 1000</c:v>
+                </c:pt>
+                <c:pt idx="2">
+                  <c:v>10000 + 10500 + 10000 </c:v>
+                </c:pt>
+                <c:pt idx="3">
+                  <c:v>30000 + 30500 + 10000</c:v>
+                </c:pt>
+                <c:pt idx="4">
+                  <c:v>80000 + 80500 + 20000</c:v>
+                </c:pt>
+                <c:pt idx="5">
+                  <c:v>100000 + 100500 + 100000</c:v>
+                </c:pt>
+                <c:pt idx="6">
+                  <c:v>500000 + 300500 + 300000</c:v>
+                </c:pt>
+              </c:strCache>
+            </c:strRef>
+          </c:cat>
+          <c:val>
+            <c:numRef>
+              <c:f>Foglio1!$CG$40:$CM$40</c:f>
+              <c:numCache>
+                <c:formatCode>0.00000</c:formatCode>
+                <c:ptCount val="7"/>
+                <c:pt idx="0">
+                  <c:v>2.3890000000000001E-3</c:v>
+                </c:pt>
+                <c:pt idx="1">
+                  <c:v>4.4730000000000004E-3</c:v>
+                </c:pt>
+                <c:pt idx="2">
+                  <c:v>3.7659999999999999E-2</c:v>
+                </c:pt>
+                <c:pt idx="3">
+                  <c:v>0.29723699999999997</c:v>
+                </c:pt>
+                <c:pt idx="4">
+                  <c:v>2.4194930000000001</c:v>
+                </c:pt>
+                <c:pt idx="5">
+                  <c:v>3.121346</c:v>
+                </c:pt>
+                <c:pt idx="6">
+                  <c:v>48.923572999999998</c:v>
+                </c:pt>
+              </c:numCache>
+            </c:numRef>
+          </c:val>
+          <c:smooth val="0"/>
+          <c:extLst>
+            <c:ext xmlns:c16="http://schemas.microsoft.com/office/drawing/2014/chart" uri="{C3380CC4-5D6E-409C-BE32-E72D297353CC}">
+              <c16:uniqueId val="{00000003-5DE8-4616-A46A-B0B09E31366E}"/>
+            </c:ext>
+          </c:extLst>
+        </c:ser>
+        <c:ser>
+          <c:idx val="4"/>
+          <c:order val="4"/>
+          <c:tx>
+            <c:strRef>
+              <c:f>Foglio1!$CF$41</c:f>
+              <c:strCache>
+                <c:ptCount val="1"/>
+                <c:pt idx="0">
+                  <c:v>OpenMP (32)</c:v>
+                </c:pt>
+              </c:strCache>
+            </c:strRef>
+          </c:tx>
+          <c:spPr>
+            <a:ln w="28575">
+              <a:solidFill>
+                <a:srgbClr val="7030A0"/>
+              </a:solidFill>
+            </a:ln>
+          </c:spPr>
+          <c:marker>
+            <c:symbol val="circle"/>
+            <c:size val="5"/>
+          </c:marker>
+          <c:val>
+            <c:numRef>
+              <c:f>Foglio1!$CG$41:$CM$41</c:f>
+              <c:numCache>
+                <c:formatCode>0.00000</c:formatCode>
+                <c:ptCount val="7"/>
+                <c:pt idx="0">
+                  <c:v>4.5259999999999996E-3</c:v>
+                </c:pt>
+                <c:pt idx="1">
+                  <c:v>1.2831E-2</c:v>
+                </c:pt>
+                <c:pt idx="2">
+                  <c:v>2.5293E-2</c:v>
+                </c:pt>
+                <c:pt idx="3">
+                  <c:v>0.16821</c:v>
+                </c:pt>
+                <c:pt idx="4">
+                  <c:v>1.316519</c:v>
+                </c:pt>
+                <c:pt idx="5">
+                  <c:v>1.8005310000000001</c:v>
+                </c:pt>
+                <c:pt idx="6">
+                  <c:v>26.542566000000001</c:v>
+                </c:pt>
+              </c:numCache>
+            </c:numRef>
+          </c:val>
+          <c:smooth val="0"/>
+          <c:extLst>
+            <c:ext xmlns:c16="http://schemas.microsoft.com/office/drawing/2014/chart" uri="{C3380CC4-5D6E-409C-BE32-E72D297353CC}">
+              <c16:uniqueId val="{00000004-5DE8-4616-A46A-B0B09E31366E}"/>
+            </c:ext>
+          </c:extLst>
+        </c:ser>
+        <c:ser>
+          <c:idx val="5"/>
+          <c:order val="5"/>
+          <c:tx>
+            <c:strRef>
+              <c:f>Foglio1!$CF$42</c:f>
+              <c:strCache>
+                <c:ptCount val="1"/>
+                <c:pt idx="0">
+                  <c:v>OpenMP (64)</c:v>
+                </c:pt>
+              </c:strCache>
+            </c:strRef>
+          </c:tx>
+          <c:spPr>
+            <a:ln w="28575">
+              <a:solidFill>
+                <a:srgbClr val="00B050"/>
+              </a:solidFill>
+            </a:ln>
+          </c:spPr>
+          <c:marker>
+            <c:symbol val="circle"/>
+            <c:size val="5"/>
+            <c:spPr>
+              <a:solidFill>
+                <a:srgbClr val="00B050"/>
+              </a:solidFill>
+            </c:spPr>
+          </c:marker>
+          <c:val>
+            <c:numRef>
+              <c:f>Foglio1!$CG$42:$CM$42</c:f>
+              <c:numCache>
+                <c:formatCode>0.00000</c:formatCode>
+                <c:ptCount val="7"/>
+                <c:pt idx="0">
+                  <c:v>1.3051999999999999E-2</c:v>
+                </c:pt>
+                <c:pt idx="1">
+                  <c:v>1.585E-2</c:v>
+                </c:pt>
+                <c:pt idx="2">
+                  <c:v>2.8827999999999999E-2</c:v>
+                </c:pt>
+                <c:pt idx="3">
+                  <c:v>0.11347</c:v>
+                </c:pt>
+                <c:pt idx="4">
+                  <c:v>1.0439400000000001</c:v>
+                </c:pt>
+                <c:pt idx="5">
+                  <c:v>1.0581020000000001</c:v>
+                </c:pt>
+                <c:pt idx="6">
+                  <c:v>16.267761</c:v>
+                </c:pt>
+              </c:numCache>
+            </c:numRef>
+          </c:val>
+          <c:smooth val="0"/>
+          <c:extLst>
+            <c:ext xmlns:c16="http://schemas.microsoft.com/office/drawing/2014/chart" uri="{C3380CC4-5D6E-409C-BE32-E72D297353CC}">
+              <c16:uniqueId val="{00000005-5DE8-4616-A46A-B0B09E31366E}"/>
+            </c:ext>
+          </c:extLst>
+        </c:ser>
+        <c:dLbls>
+          <c:showLegendKey val="0"/>
+          <c:showVal val="0"/>
+          <c:showCatName val="0"/>
+          <c:showSerName val="0"/>
+          <c:showPercent val="0"/>
+          <c:showBubbleSize val="0"/>
+        </c:dLbls>
+        <c:hiLowLines>
+          <c:spPr>
+            <a:ln w="0">
+              <a:noFill/>
+            </a:ln>
+          </c:spPr>
+        </c:hiLowLines>
+        <c:marker val="1"/>
+        <c:smooth val="0"/>
+        <c:axId val="96304744"/>
+        <c:axId val="97640927"/>
+      </c:lineChart>
+      <c:catAx>
+        <c:axId val="96304744"/>
+        <c:scaling>
+          <c:orientation val="minMax"/>
+        </c:scaling>
+        <c:delete val="0"/>
+        <c:axPos val="b"/>
+        <c:title>
+          <c:tx>
+            <c:rich>
+              <a:bodyPr rot="0"/>
+              <a:lstStyle/>
+              <a:p>
+                <a:pPr marL="0" marR="0" lvl="0" indent="0" algn="ctr" defTabSz="914400" rtl="0" eaLnBrk="1" fontAlgn="auto" latinLnBrk="0" hangingPunct="1">
+                  <a:lnSpc>
+                    <a:spcPct val="100000"/>
+                  </a:lnSpc>
+                  <a:spcBef>
+                    <a:spcPts val="0"/>
+                  </a:spcBef>
+                  <a:spcAft>
+                    <a:spcPts val="0"/>
+                  </a:spcAft>
+                  <a:buClrTx/>
+                  <a:buSzTx/>
+                  <a:buFontTx/>
+                  <a:buNone/>
+                  <a:tabLst/>
+                  <a:defRPr sz="1300" b="0" i="0" u="none" strike="noStrike" kern="1200" baseline="0">
+                    <a:solidFill>
+                      <a:srgbClr val="000000"/>
+                    </a:solidFill>
+                    <a:uFillTx/>
+                    <a:latin typeface="CMU Serif" panose="02000603000000000000" pitchFamily="2" charset="0"/>
+                    <a:ea typeface="CMU Serif" panose="02000603000000000000" pitchFamily="2" charset="0"/>
+                    <a:cs typeface="CMU Serif" panose="02000603000000000000" pitchFamily="2" charset="0"/>
+                  </a:defRPr>
+                </a:pPr>
+                <a:r>
+                  <a:rPr lang="it-IT" sz="1200" b="0" i="0" u="none" strike="noStrike" kern="1200" baseline="0" dirty="0">
+                    <a:solidFill>
+                      <a:srgbClr val="595959"/>
+                    </a:solidFill>
+                    <a:uFillTx/>
+                    <a:latin typeface="CMU Serif" panose="02000603000000000000" pitchFamily="2" charset="0"/>
+                    <a:ea typeface="CMU Serif" panose="02000603000000000000" pitchFamily="2" charset="0"/>
+                    <a:cs typeface="CMU Serif" panose="02000603000000000000" pitchFamily="2" charset="0"/>
+                  </a:rPr>
+                  <a:t>Lunghezza DNA + </a:t>
+                </a:r>
+                <a:r>
+                  <a:rPr lang="it-IT" sz="1200" b="0" i="0" u="none" strike="noStrike" kern="1200" baseline="0" dirty="0" err="1">
+                    <a:solidFill>
+                      <a:srgbClr val="595959"/>
+                    </a:solidFill>
+                    <a:uFillTx/>
+                    <a:latin typeface="CMU Serif" panose="02000603000000000000" pitchFamily="2" charset="0"/>
+                    <a:ea typeface="CMU Serif" panose="02000603000000000000" pitchFamily="2" charset="0"/>
+                    <a:cs typeface="CMU Serif" panose="02000603000000000000" pitchFamily="2" charset="0"/>
+                  </a:rPr>
+                  <a:t>Num</a:t>
+                </a:r>
+                <a:r>
+                  <a:rPr lang="it-IT" sz="1200" b="0" i="0" u="none" strike="noStrike" kern="1200" baseline="0" dirty="0">
+                    <a:solidFill>
+                      <a:srgbClr val="595959"/>
+                    </a:solidFill>
+                    <a:uFillTx/>
+                    <a:latin typeface="CMU Serif" panose="02000603000000000000" pitchFamily="2" charset="0"/>
+                    <a:ea typeface="CMU Serif" panose="02000603000000000000" pitchFamily="2" charset="0"/>
+                    <a:cs typeface="CMU Serif" panose="02000603000000000000" pitchFamily="2" charset="0"/>
+                  </a:rPr>
+                  <a:t> Pattern Totali + Lunghezza Pattern Sample </a:t>
+                </a:r>
+              </a:p>
+              <a:p>
+                <a:pPr marL="0" marR="0" lvl="0" indent="0" algn="ctr" defTabSz="914400" rtl="0" eaLnBrk="1" fontAlgn="auto" latinLnBrk="0" hangingPunct="1">
+                  <a:lnSpc>
+                    <a:spcPct val="100000"/>
+                  </a:lnSpc>
+                  <a:spcBef>
+                    <a:spcPts val="0"/>
+                  </a:spcBef>
+                  <a:spcAft>
+                    <a:spcPts val="0"/>
+                  </a:spcAft>
+                  <a:buClrTx/>
+                  <a:buSzTx/>
+                  <a:buFontTx/>
+                  <a:buNone/>
+                  <a:tabLst/>
+                  <a:defRPr sz="1300" b="0" i="0" u="none" strike="noStrike" kern="1200" baseline="0">
+                    <a:solidFill>
+                      <a:srgbClr val="000000"/>
+                    </a:solidFill>
+                    <a:uFillTx/>
+                    <a:latin typeface="CMU Serif" panose="02000603000000000000" pitchFamily="2" charset="0"/>
+                    <a:ea typeface="CMU Serif" panose="02000603000000000000" pitchFamily="2" charset="0"/>
+                    <a:cs typeface="CMU Serif" panose="02000603000000000000" pitchFamily="2" charset="0"/>
+                  </a:defRPr>
+                </a:pPr>
+                <a:endParaRPr lang="it-IT" sz="1400" b="0" u="none" strike="noStrike" dirty="0">
+                  <a:solidFill>
+                    <a:srgbClr val="595959"/>
+                  </a:solidFill>
+                  <a:uFillTx/>
+                  <a:latin typeface="CMU Serif" panose="02000603000000000000" pitchFamily="2" charset="0"/>
+                  <a:ea typeface="CMU Serif" panose="02000603000000000000" pitchFamily="2" charset="0"/>
+                  <a:cs typeface="CMU Serif" panose="02000603000000000000" pitchFamily="2" charset="0"/>
+                </a:endParaRPr>
+              </a:p>
+            </c:rich>
+          </c:tx>
+          <c:layout>
+            <c:manualLayout>
+              <c:xMode val="edge"/>
+              <c:yMode val="edge"/>
+              <c:x val="0.35500767589269144"/>
+              <c:y val="0.6675870419159794"/>
+            </c:manualLayout>
+          </c:layout>
+          <c:overlay val="0"/>
+          <c:spPr>
+            <a:noFill/>
+            <a:ln w="0">
+              <a:noFill/>
+            </a:ln>
+          </c:spPr>
+        </c:title>
+        <c:numFmt formatCode="General" sourceLinked="0"/>
+        <c:majorTickMark val="none"/>
+        <c:minorTickMark val="none"/>
+        <c:tickLblPos val="nextTo"/>
+        <c:spPr>
+          <a:ln w="9360">
+            <a:solidFill>
+              <a:srgbClr val="D9D9D9"/>
+            </a:solidFill>
+            <a:round/>
+          </a:ln>
+        </c:spPr>
+        <c:txPr>
+          <a:bodyPr/>
+          <a:lstStyle/>
+          <a:p>
+            <a:pPr>
+              <a:defRPr sz="1100" b="0" u="none" strike="noStrike">
+                <a:solidFill>
+                  <a:srgbClr val="595959"/>
+                </a:solidFill>
+                <a:uFillTx/>
+                <a:latin typeface="Aptos Narrow"/>
+              </a:defRPr>
+            </a:pPr>
+            <a:endParaRPr lang="it-IT"/>
+          </a:p>
+        </c:txPr>
+        <c:crossAx val="97640927"/>
+        <c:crosses val="autoZero"/>
+        <c:auto val="1"/>
+        <c:lblAlgn val="ctr"/>
+        <c:lblOffset val="100"/>
+        <c:noMultiLvlLbl val="0"/>
+      </c:catAx>
+      <c:valAx>
+        <c:axId val="97640927"/>
+        <c:scaling>
+          <c:logBase val="10"/>
+          <c:orientation val="minMax"/>
+          <c:max val="1000"/>
+          <c:min val="1E-4"/>
+        </c:scaling>
+        <c:delete val="0"/>
+        <c:axPos val="l"/>
+        <c:majorGridlines>
+          <c:spPr>
+            <a:ln w="9360">
+              <a:solidFill>
+                <a:srgbClr val="D9D9D9"/>
+              </a:solidFill>
+              <a:round/>
+            </a:ln>
+          </c:spPr>
+        </c:majorGridlines>
+        <c:title>
+          <c:tx>
+            <c:rich>
+              <a:bodyPr rot="-5400000"/>
+              <a:lstStyle/>
+              <a:p>
+                <a:pPr>
+                  <a:defRPr sz="1600" b="0" u="none" strike="noStrike">
+                    <a:uFillTx/>
+                    <a:latin typeface="CMU Serif" panose="02000603000000000000" pitchFamily="2" charset="0"/>
+                    <a:ea typeface="CMU Serif" panose="02000603000000000000" pitchFamily="2" charset="0"/>
+                    <a:cs typeface="CMU Serif" panose="02000603000000000000" pitchFamily="2" charset="0"/>
+                  </a:defRPr>
+                </a:pPr>
+                <a:r>
+                  <a:rPr lang="it-IT" sz="1600" b="0" u="none" strike="noStrike">
+                    <a:solidFill>
+                      <a:srgbClr val="595959"/>
+                    </a:solidFill>
+                    <a:uFillTx/>
+                    <a:latin typeface="CMU Serif" panose="02000603000000000000" pitchFamily="2" charset="0"/>
+                    <a:ea typeface="CMU Serif" panose="02000603000000000000" pitchFamily="2" charset="0"/>
+                    <a:cs typeface="CMU Serif" panose="02000603000000000000" pitchFamily="2" charset="0"/>
+                  </a:rPr>
+                  <a:t>Tempo in secondi</a:t>
+                </a:r>
+              </a:p>
+            </c:rich>
+          </c:tx>
+          <c:layout>
+            <c:manualLayout>
+              <c:xMode val="edge"/>
+              <c:yMode val="edge"/>
+              <c:x val="1.8926136216328299E-2"/>
+              <c:y val="0.32571838344516701"/>
+            </c:manualLayout>
+          </c:layout>
+          <c:overlay val="0"/>
+          <c:spPr>
+            <a:noFill/>
+            <a:ln w="0">
+              <a:noFill/>
+            </a:ln>
+          </c:spPr>
+        </c:title>
+        <c:numFmt formatCode="General" sourceLinked="0"/>
+        <c:majorTickMark val="none"/>
+        <c:minorTickMark val="none"/>
+        <c:tickLblPos val="nextTo"/>
+        <c:spPr>
+          <a:ln w="12600">
+            <a:noFill/>
+          </a:ln>
+        </c:spPr>
+        <c:txPr>
+          <a:bodyPr/>
+          <a:lstStyle/>
+          <a:p>
+            <a:pPr>
+              <a:defRPr sz="1100" b="0" u="none" strike="noStrike">
+                <a:solidFill>
+                  <a:srgbClr val="595959"/>
+                </a:solidFill>
+                <a:uFillTx/>
+                <a:latin typeface="Aptos Narrow"/>
+              </a:defRPr>
+            </a:pPr>
+            <a:endParaRPr lang="it-IT"/>
+          </a:p>
+        </c:txPr>
+        <c:crossAx val="96304744"/>
+        <c:crosses val="autoZero"/>
+        <c:crossBetween val="between"/>
+      </c:valAx>
+      <c:dTable>
+        <c:showHorzBorder val="1"/>
+        <c:showVertBorder val="1"/>
+        <c:showOutline val="1"/>
+        <c:showKeys val="1"/>
+        <c:spPr>
+          <a:noFill/>
+          <a:ln w="9360">
+            <a:solidFill>
+              <a:srgbClr val="D9D9D9"/>
+            </a:solidFill>
+            <a:round/>
+          </a:ln>
+        </c:spPr>
+        <c:txPr>
+          <a:bodyPr/>
+          <a:lstStyle/>
+          <a:p>
+            <a:pPr rtl="0">
+              <a:defRPr sz="1100" b="0" u="none" strike="noStrike">
+                <a:solidFill>
+                  <a:srgbClr val="595959"/>
+                </a:solidFill>
+                <a:uFillTx/>
+                <a:latin typeface="Aptos Narrow"/>
+              </a:defRPr>
+            </a:pPr>
+            <a:endParaRPr lang="it-IT"/>
+          </a:p>
+        </c:txPr>
+      </c:dTable>
+      <c:spPr>
+        <a:noFill/>
+        <a:ln w="0">
+          <a:noFill/>
+        </a:ln>
+      </c:spPr>
+    </c:plotArea>
+    <c:plotVisOnly val="1"/>
+    <c:dispBlanksAs val="gap"/>
+    <c:showDLblsOverMax val="1"/>
+  </c:chart>
+  <c:spPr>
+    <a:solidFill>
+      <a:srgbClr val="FFFFFF"/>
+    </a:solidFill>
+    <a:ln w="9360">
+      <a:noFill/>
+    </a:ln>
+  </c:spPr>
+  <c:externalData r:id="rId1">
+    <c:autoUpdate val="0"/>
+  </c:externalData>
+</c:chartSpace>
+</file>
+
 <file path=ppt/handoutMasters/handoutMaster1.xml><?xml version="1.0" encoding="utf-8"?>
 <p:handoutMaster xmlns:a="http://schemas.openxmlformats.org/drawingml/2006/main" xmlns:r="http://schemas.openxmlformats.org/officeDocument/2006/relationships" xmlns:p="http://schemas.openxmlformats.org/presentationml/2006/main">
   <p:cSld>
@@ -7900,7 +9208,7 @@
               <a:rPr lang="it-IT" smtClean="0">
                 <a:latin typeface="CMU Serif" panose="02000603000000000000" pitchFamily="2" charset="0"/>
               </a:rPr>
-              <a:t>30/01/2025</a:t>
+              <a:t>02/02/2025</a:t>
             </a:fld>
             <a:endParaRPr lang="it-IT" dirty="0">
               <a:latin typeface="CMU Serif" panose="02000603000000000000" pitchFamily="2" charset="0"/>
@@ -8081,7 +9389,7 @@
             <a:fld id="{D943A304-85CD-4257-B418-D8F889FE0DBC}" type="datetime1">
               <a:rPr lang="it-IT" smtClean="0"/>
               <a:pPr/>
-              <a:t>30/01/2025</a:t>
+              <a:t>02/02/2025</a:t>
             </a:fld>
             <a:endParaRPr lang="it-IT" dirty="0"/>
           </a:p>
@@ -10993,7 +12301,7 @@
             <a:fld id="{3889EF9B-A500-41B6-8F1C-893813E9A898}" type="datetime1">
               <a:rPr lang="it-IT" smtClean="0"/>
               <a:pPr/>
-              <a:t>30/01/2025</a:t>
+              <a:t>02/02/2025</a:t>
             </a:fld>
             <a:endParaRPr lang="it-IT" dirty="0"/>
           </a:p>
@@ -11199,7 +12507,7 @@
             <a:fld id="{6E724BBD-5BEA-4971-A6C4-42E94AF7CB5F}" type="datetime1">
               <a:rPr lang="it-IT" smtClean="0"/>
               <a:pPr/>
-              <a:t>30/01/2025</a:t>
+              <a:t>02/02/2025</a:t>
             </a:fld>
             <a:endParaRPr lang="it-IT" dirty="0"/>
           </a:p>
@@ -11415,7 +12723,7 @@
             <a:fld id="{EF1B2188-7D8C-43C8-B29F-60D01DE77B72}" type="datetime1">
               <a:rPr lang="it-IT" smtClean="0"/>
               <a:pPr/>
-              <a:t>30/01/2025</a:t>
+              <a:t>02/02/2025</a:t>
             </a:fld>
             <a:endParaRPr lang="it-IT" dirty="0"/>
           </a:p>
@@ -11621,7 +12929,7 @@
             <a:fld id="{581DC961-63CE-49AB-921E-1CE3DDEFC80A}" type="datetime1">
               <a:rPr lang="it-IT" smtClean="0"/>
               <a:pPr/>
-              <a:t>30/01/2025</a:t>
+              <a:t>02/02/2025</a:t>
             </a:fld>
             <a:endParaRPr lang="it-IT" dirty="0"/>
           </a:p>
@@ -12065,7 +13373,7 @@
             <a:fld id="{C6066F5F-3C86-4285-A86F-35EFBBDD7800}" type="datetime1">
               <a:rPr lang="it-IT" smtClean="0"/>
               <a:pPr/>
-              <a:t>30/01/2025</a:t>
+              <a:t>02/02/2025</a:t>
             </a:fld>
             <a:endParaRPr lang="it-IT" dirty="0"/>
           </a:p>
@@ -12377,7 +13685,7 @@
             <a:fld id="{0B9BE34E-14EC-4041-A597-EE22FC16794F}" type="datetime1">
               <a:rPr lang="it-IT" smtClean="0"/>
               <a:pPr/>
-              <a:t>30/01/2025</a:t>
+              <a:t>02/02/2025</a:t>
             </a:fld>
             <a:endParaRPr lang="it-IT" dirty="0"/>
           </a:p>
@@ -12841,7 +14149,7 @@
             <a:fld id="{D6FAD192-1BF7-4994-9CBA-74265F19F4C1}" type="datetime1">
               <a:rPr lang="it-IT" smtClean="0"/>
               <a:pPr/>
-              <a:t>30/01/2025</a:t>
+              <a:t>02/02/2025</a:t>
             </a:fld>
             <a:endParaRPr lang="it-IT" dirty="0"/>
           </a:p>
@@ -12979,7 +14287,7 @@
             <a:fld id="{C476DD40-7EBA-46D0-A855-62759524AC7A}" type="datetime1">
               <a:rPr lang="it-IT" smtClean="0"/>
               <a:pPr/>
-              <a:t>30/01/2025</a:t>
+              <a:t>02/02/2025</a:t>
             </a:fld>
             <a:endParaRPr lang="it-IT" dirty="0"/>
           </a:p>
@@ -13093,7 +14401,7 @@
             <a:fld id="{C62E4D95-88E1-4556-89BE-EC650C1D14A8}" type="datetime1">
               <a:rPr lang="it-IT" smtClean="0"/>
               <a:pPr/>
-              <a:t>30/01/2025</a:t>
+              <a:t>02/02/2025</a:t>
             </a:fld>
             <a:endParaRPr lang="it-IT" dirty="0"/>
           </a:p>
@@ -13400,7 +14708,7 @@
             <a:fld id="{1F9867D3-FC26-40B1-8BB9-B19FF8D6CD45}" type="datetime1">
               <a:rPr lang="it-IT" smtClean="0"/>
               <a:pPr/>
-              <a:t>30/01/2025</a:t>
+              <a:t>02/02/2025</a:t>
             </a:fld>
             <a:endParaRPr lang="it-IT" dirty="0"/>
           </a:p>
@@ -13697,7 +15005,7 @@
             <a:fld id="{5B0EE21F-92EE-4289-AFFB-9252D957F459}" type="datetime1">
               <a:rPr lang="it-IT" smtClean="0"/>
               <a:pPr/>
-              <a:t>30/01/2025</a:t>
+              <a:t>02/02/2025</a:t>
             </a:fld>
             <a:endParaRPr lang="it-IT" dirty="0"/>
           </a:p>
@@ -14328,7 +15636,7 @@
             <a:fld id="{8A756645-DD8C-4009-9A84-A4AD56EB55A9}" type="datetime1">
               <a:rPr lang="it-IT" smtClean="0"/>
               <a:pPr/>
-              <a:t>30/01/2025</a:t>
+              <a:t>02/02/2025</a:t>
             </a:fld>
             <a:endParaRPr lang="it-IT" dirty="0"/>
           </a:p>
@@ -15898,51 +17206,6 @@
       </p:grpSpPr>
       <p:sp>
         <p:nvSpPr>
-          <p:cNvPr id="2" name="Titolo 1"/>
-          <p:cNvSpPr>
-            <a:spLocks noGrp="1"/>
-          </p:cNvSpPr>
-          <p:nvPr>
-            <p:ph type="ctrTitle"/>
-          </p:nvPr>
-        </p:nvSpPr>
-        <p:spPr>
-          <a:xfrm>
-            <a:off x="1625176" y="1731898"/>
-            <a:ext cx="8285660" cy="1099667"/>
-          </a:xfrm>
-        </p:spPr>
-        <p:txBody>
-          <a:bodyPr rtlCol="0"/>
-          <a:lstStyle/>
-          <a:p>
-            <a:pPr rtl="0"/>
-            <a:r>
-              <a:rPr lang="it-IT" dirty="0"/>
-              <a:t>DNA </a:t>
-            </a:r>
-            <a:r>
-              <a:rPr lang="it-IT" dirty="0" err="1"/>
-              <a:t>Sequence</a:t>
-            </a:r>
-            <a:r>
-              <a:rPr lang="it-IT" dirty="0"/>
-              <a:t> </a:t>
-            </a:r>
-            <a:r>
-              <a:rPr lang="it-IT" dirty="0" err="1"/>
-              <a:t>Alignment</a:t>
-            </a:r>
-            <a:endParaRPr lang="it-IT" dirty="0">
-              <a:latin typeface="CMU Serif" panose="02000603000000000000" pitchFamily="2" charset="0"/>
-              <a:ea typeface="CMU Serif" panose="02000603000000000000" pitchFamily="2" charset="0"/>
-              <a:cs typeface="CMU Serif" panose="02000603000000000000" pitchFamily="2" charset="0"/>
-            </a:endParaRPr>
-          </a:p>
-        </p:txBody>
-      </p:sp>
-      <p:sp>
-        <p:nvSpPr>
           <p:cNvPr id="5" name="Sottotitolo 4"/>
           <p:cNvSpPr>
             <a:spLocks noGrp="1"/>
@@ -15958,15 +17221,17 @@
           </a:xfrm>
         </p:spPr>
         <p:txBody>
-          <a:bodyPr rtlCol="0"/>
+          <a:bodyPr rtlCol="0">
+            <a:normAutofit/>
+          </a:bodyPr>
           <a:lstStyle/>
           <a:p>
             <a:pPr rtl="0"/>
             <a:r>
-              <a:rPr lang="it-IT" cap="none" dirty="0"/>
+              <a:rPr lang="it-IT" sz="4000" cap="none" dirty="0"/>
               <a:t>Implementazione MPI+CUDA</a:t>
             </a:r>
-            <a:endParaRPr lang="it-IT" dirty="0"/>
+            <a:endParaRPr lang="it-IT" sz="4000" dirty="0"/>
           </a:p>
         </p:txBody>
       </p:sp>
@@ -17424,51 +18689,6 @@
       </p:grpSpPr>
       <p:sp>
         <p:nvSpPr>
-          <p:cNvPr id="2" name="Titolo 1"/>
-          <p:cNvSpPr>
-            <a:spLocks noGrp="1"/>
-          </p:cNvSpPr>
-          <p:nvPr>
-            <p:ph type="ctrTitle"/>
-          </p:nvPr>
-        </p:nvSpPr>
-        <p:spPr>
-          <a:xfrm>
-            <a:off x="1625176" y="1731898"/>
-            <a:ext cx="8285660" cy="1099667"/>
-          </a:xfrm>
-        </p:spPr>
-        <p:txBody>
-          <a:bodyPr rtlCol="0"/>
-          <a:lstStyle/>
-          <a:p>
-            <a:pPr rtl="0"/>
-            <a:r>
-              <a:rPr lang="it-IT" dirty="0"/>
-              <a:t>DNA </a:t>
-            </a:r>
-            <a:r>
-              <a:rPr lang="it-IT" dirty="0" err="1"/>
-              <a:t>Sequence</a:t>
-            </a:r>
-            <a:r>
-              <a:rPr lang="it-IT" dirty="0"/>
-              <a:t> </a:t>
-            </a:r>
-            <a:r>
-              <a:rPr lang="it-IT" dirty="0" err="1"/>
-              <a:t>Alignment</a:t>
-            </a:r>
-            <a:endParaRPr lang="it-IT" dirty="0">
-              <a:latin typeface="CMU Serif" panose="02000603000000000000" pitchFamily="2" charset="0"/>
-              <a:ea typeface="CMU Serif" panose="02000603000000000000" pitchFamily="2" charset="0"/>
-              <a:cs typeface="CMU Serif" panose="02000603000000000000" pitchFamily="2" charset="0"/>
-            </a:endParaRPr>
-          </a:p>
-        </p:txBody>
-      </p:sp>
-      <p:sp>
-        <p:nvSpPr>
           <p:cNvPr id="5" name="Sottotitolo 4"/>
           <p:cNvSpPr>
             <a:spLocks noGrp="1"/>
@@ -17484,19 +18704,21 @@
           </a:xfrm>
         </p:spPr>
         <p:txBody>
-          <a:bodyPr rtlCol="0"/>
+          <a:bodyPr rtlCol="0">
+            <a:normAutofit/>
+          </a:bodyPr>
           <a:lstStyle/>
           <a:p>
             <a:pPr rtl="0"/>
             <a:r>
-              <a:rPr lang="it-IT" cap="none" dirty="0"/>
+              <a:rPr lang="it-IT" sz="4000" cap="none" dirty="0"/>
               <a:t>Implementazione </a:t>
             </a:r>
             <a:r>
-              <a:rPr lang="it-IT" cap="none" dirty="0" err="1"/>
+              <a:rPr lang="it-IT" sz="4000" cap="none" dirty="0" err="1"/>
               <a:t>OpenMP</a:t>
             </a:r>
-            <a:endParaRPr lang="it-IT" dirty="0"/>
+            <a:endParaRPr lang="it-IT" sz="4000" dirty="0"/>
           </a:p>
         </p:txBody>
       </p:sp>
@@ -18495,15 +19717,17 @@
           </a:xfrm>
         </p:spPr>
         <p:txBody>
-          <a:bodyPr rtlCol="0"/>
+          <a:bodyPr rtlCol="0">
+            <a:normAutofit/>
+          </a:bodyPr>
           <a:lstStyle/>
           <a:p>
             <a:pPr rtl="0"/>
             <a:r>
-              <a:rPr lang="it-IT" cap="none" dirty="0"/>
+              <a:rPr lang="it-IT" sz="3200" cap="none" dirty="0"/>
               <a:t>Efficienza</a:t>
             </a:r>
-            <a:endParaRPr lang="it-IT" dirty="0"/>
+            <a:endParaRPr lang="it-IT" sz="3200" dirty="0"/>
           </a:p>
         </p:txBody>
       </p:sp>
@@ -18742,8 +19966,8 @@
         </p:nvSpPr>
         <p:spPr>
           <a:xfrm>
-            <a:off x="4042258" y="3789040"/>
-            <a:ext cx="7956810" cy="1973104"/>
+            <a:off x="4246525" y="3171166"/>
+            <a:ext cx="7956810" cy="981423"/>
           </a:xfrm>
           <a:prstGeom prst="rect">
             <a:avLst/>
@@ -18756,15 +19980,13 @@
           </a:bodyPr>
           <a:lstStyle/>
           <a:p>
-            <a:pPr marL="285750" indent="-285750">
+            <a:pPr algn="r">
               <a:lnSpc>
                 <a:spcPct val="107000"/>
               </a:lnSpc>
               <a:spcAft>
                 <a:spcPts val="800"/>
               </a:spcAft>
-              <a:buFont typeface="Arial" panose="020B0604020202020204" pitchFamily="34" charset="0"/>
-              <a:buChar char="•"/>
             </a:pPr>
             <a:r>
               <a:rPr lang="it-IT" sz="1800" kern="100" dirty="0">
@@ -18774,63 +19996,6 @@
                 <a:cs typeface="Times New Roman" panose="02020603050405020304" pitchFamily="18" charset="0"/>
               </a:rPr>
               <a:t>Non verranno mostrati test dove aumenta solo la grandezza dei pattern, perché nella nostra implementazione il parallelismo non scala con l'aumentare di tale grandezza (i tempi rimangono sempre uguali)</a:t>
-            </a:r>
-          </a:p>
-          <a:p>
-            <a:pPr marL="285750" indent="-285750">
-              <a:lnSpc>
-                <a:spcPct val="107000"/>
-              </a:lnSpc>
-              <a:spcAft>
-                <a:spcPts val="800"/>
-              </a:spcAft>
-              <a:buFont typeface="Arial" panose="020B0604020202020204" pitchFamily="34" charset="0"/>
-              <a:buChar char="•"/>
-            </a:pPr>
-            <a:r>
-              <a:rPr lang="it-IT" sz="1800" kern="100" dirty="0">
-                <a:effectLst/>
-                <a:latin typeface="CMU Serif" panose="02000603000000000000" pitchFamily="2" charset="0"/>
-                <a:ea typeface="CMU Serif" panose="02000603000000000000" pitchFamily="2" charset="0"/>
-                <a:cs typeface="Times New Roman" panose="02020603050405020304" pitchFamily="18" charset="0"/>
-              </a:rPr>
-              <a:t>I test di </a:t>
-            </a:r>
-            <a:r>
-              <a:rPr lang="it-IT" sz="1800" kern="100" dirty="0" err="1">
-                <a:effectLst/>
-                <a:latin typeface="CMU Serif" panose="02000603000000000000" pitchFamily="2" charset="0"/>
-                <a:ea typeface="CMU Serif" panose="02000603000000000000" pitchFamily="2" charset="0"/>
-                <a:cs typeface="Times New Roman" panose="02020603050405020304" pitchFamily="18" charset="0"/>
-              </a:rPr>
-              <a:t>OpenMP</a:t>
-            </a:r>
-            <a:r>
-              <a:rPr lang="it-IT" sz="1800" kern="100" dirty="0">
-                <a:effectLst/>
-                <a:latin typeface="CMU Serif" panose="02000603000000000000" pitchFamily="2" charset="0"/>
-                <a:ea typeface="CMU Serif" panose="02000603000000000000" pitchFamily="2" charset="0"/>
-                <a:cs typeface="Times New Roman" panose="02020603050405020304" pitchFamily="18" charset="0"/>
-              </a:rPr>
-              <a:t> sono stati effettuati su una macchina diversa dal Cluster Sapienza con CPU AMD </a:t>
-            </a:r>
-            <a:r>
-              <a:rPr lang="it-IT" sz="1800" kern="100" dirty="0" err="1">
-                <a:effectLst/>
-                <a:latin typeface="CMU Serif" panose="02000603000000000000" pitchFamily="2" charset="0"/>
-                <a:ea typeface="CMU Serif" panose="02000603000000000000" pitchFamily="2" charset="0"/>
-                <a:cs typeface="Times New Roman" panose="02020603050405020304" pitchFamily="18" charset="0"/>
-              </a:rPr>
-              <a:t>Ryzen</a:t>
-            </a:r>
-            <a:r>
-              <a:rPr lang="it-IT" sz="1800" kern="100" dirty="0">
-                <a:effectLst/>
-                <a:latin typeface="CMU Serif" panose="02000603000000000000" pitchFamily="2" charset="0"/>
-                <a:ea typeface="CMU Serif" panose="02000603000000000000" pitchFamily="2" charset="0"/>
-                <a:cs typeface="Times New Roman" panose="02020603050405020304" pitchFamily="18" charset="0"/>
-              </a:rPr>
-              <a:t> 5 7535HS with Radeon Graphics, 3301 Mhz, 6 core, 12 processori logici.</a:t>
             </a:r>
           </a:p>
         </p:txBody>
@@ -18997,36 +20162,6 @@
           </a:graphicData>
         </a:graphic>
       </p:graphicFrame>
-      <p:graphicFrame>
-        <p:nvGraphicFramePr>
-          <p:cNvPr id="10" name="Grafico 9">
-            <a:extLst>
-              <a:ext uri="{FF2B5EF4-FFF2-40B4-BE49-F238E27FC236}">
-                <a16:creationId xmlns:a16="http://schemas.microsoft.com/office/drawing/2014/main" id="{00000000-0008-0000-0000-000005000000}"/>
-              </a:ext>
-            </a:extLst>
-          </p:cNvPr>
-          <p:cNvGraphicFramePr>
-            <a:graphicFrameLocks/>
-          </p:cNvGraphicFramePr>
-          <p:nvPr>
-            <p:extLst>
-              <p:ext uri="{D42A27DB-BD31-4B8C-83A1-F6EECF244321}">
-                <p14:modId xmlns:p14="http://schemas.microsoft.com/office/powerpoint/2010/main" val="4036099745"/>
-              </p:ext>
-            </p:extLst>
-          </p:nvPr>
-        </p:nvGraphicFramePr>
-        <p:xfrm>
-          <a:off x="6094412" y="692696"/>
-          <a:ext cx="6099979" cy="4922059"/>
-        </p:xfrm>
-        <a:graphic>
-          <a:graphicData uri="http://schemas.openxmlformats.org/drawingml/2006/chart">
-            <c:chart xmlns:c="http://schemas.openxmlformats.org/drawingml/2006/chart" xmlns:r="http://schemas.openxmlformats.org/officeDocument/2006/relationships" r:id="rId4"/>
-          </a:graphicData>
-        </a:graphic>
-      </p:graphicFrame>
       <p:sp>
         <p:nvSpPr>
           <p:cNvPr id="12" name="CasellaDiTesto 11">
@@ -19080,7 +20215,7 @@
                 <a:ea typeface="Source Han Sans CN"/>
                 <a:cs typeface="FreeSans"/>
               </a:rPr>
-              <a:t> diventano più efficienti e scalano con l’aumentare del numero di processi/.</a:t>
+              <a:t> diventano più efficienti e scalano con l’aumentare del numero di processi.</a:t>
             </a:r>
             <a:endParaRPr lang="it-IT" sz="1800" kern="150" dirty="0">
               <a:latin typeface="CMU Serif" panose="02000603000000000000" pitchFamily="2" charset="0"/>
@@ -19114,7 +20249,24 @@
                 <a:ea typeface="Source Han Sans CN"/>
                 <a:cs typeface="FreeSans"/>
               </a:rPr>
-              <a:t>(32) del 78,6%.</a:t>
+              <a:t>(32) del </a:t>
+            </a:r>
+            <a:r>
+              <a:rPr lang="it-IT" sz="1800" kern="150" dirty="0">
+                <a:latin typeface="CMU Serif" panose="02000603000000000000" pitchFamily="2" charset="0"/>
+                <a:ea typeface="Source Han Sans CN"/>
+                <a:cs typeface="FreeSans"/>
+              </a:rPr>
+              <a:t>94,7</a:t>
+            </a:r>
+            <a:r>
+              <a:rPr lang="it-IT" sz="1800" kern="150" dirty="0">
+                <a:effectLst/>
+                <a:latin typeface="CMU Serif" panose="02000603000000000000" pitchFamily="2" charset="0"/>
+                <a:ea typeface="Source Han Sans CN"/>
+                <a:cs typeface="FreeSans"/>
+              </a:rPr>
+              <a:t>%.</a:t>
             </a:r>
             <a:endParaRPr lang="it-IT" sz="2000" kern="150" dirty="0">
               <a:effectLst/>
@@ -19159,6 +20311,36 @@
           </a:p>
         </p:txBody>
       </p:sp>
+      <p:graphicFrame>
+        <p:nvGraphicFramePr>
+          <p:cNvPr id="2" name="Grafico 1">
+            <a:extLst>
+              <a:ext uri="{FF2B5EF4-FFF2-40B4-BE49-F238E27FC236}">
+                <a16:creationId xmlns:a16="http://schemas.microsoft.com/office/drawing/2014/main" id="{00000000-0008-0000-0000-000005000000}"/>
+              </a:ext>
+            </a:extLst>
+          </p:cNvPr>
+          <p:cNvGraphicFramePr>
+            <a:graphicFrameLocks/>
+          </p:cNvGraphicFramePr>
+          <p:nvPr>
+            <p:extLst>
+              <p:ext uri="{D42A27DB-BD31-4B8C-83A1-F6EECF244321}">
+                <p14:modId xmlns:p14="http://schemas.microsoft.com/office/powerpoint/2010/main" val="1969673316"/>
+              </p:ext>
+            </p:extLst>
+          </p:nvPr>
+        </p:nvGraphicFramePr>
+        <p:xfrm>
+          <a:off x="6088846" y="692697"/>
+          <a:ext cx="6099979" cy="4922058"/>
+        </p:xfrm>
+        <a:graphic>
+          <a:graphicData uri="http://schemas.openxmlformats.org/drawingml/2006/chart">
+            <c:chart xmlns:c="http://schemas.openxmlformats.org/drawingml/2006/chart" xmlns:r="http://schemas.openxmlformats.org/officeDocument/2006/relationships" r:id="rId4"/>
+          </a:graphicData>
+        </a:graphic>
+      </p:graphicFrame>
     </p:spTree>
     <p:extLst>
       <p:ext uri="{BB962C8B-B14F-4D97-AF65-F5344CB8AC3E}">
@@ -19203,51 +20385,6 @@
       </p:grpSpPr>
       <p:sp>
         <p:nvSpPr>
-          <p:cNvPr id="2" name="Titolo 1"/>
-          <p:cNvSpPr>
-            <a:spLocks noGrp="1"/>
-          </p:cNvSpPr>
-          <p:nvPr>
-            <p:ph type="ctrTitle"/>
-          </p:nvPr>
-        </p:nvSpPr>
-        <p:spPr>
-          <a:xfrm>
-            <a:off x="1625176" y="1731898"/>
-            <a:ext cx="8285660" cy="1099667"/>
-          </a:xfrm>
-        </p:spPr>
-        <p:txBody>
-          <a:bodyPr rtlCol="0"/>
-          <a:lstStyle/>
-          <a:p>
-            <a:pPr rtl="0"/>
-            <a:r>
-              <a:rPr lang="it-IT" dirty="0"/>
-              <a:t>DNA </a:t>
-            </a:r>
-            <a:r>
-              <a:rPr lang="it-IT" dirty="0" err="1"/>
-              <a:t>Sequence</a:t>
-            </a:r>
-            <a:r>
-              <a:rPr lang="it-IT" dirty="0"/>
-              <a:t> </a:t>
-            </a:r>
-            <a:r>
-              <a:rPr lang="it-IT" dirty="0" err="1"/>
-              <a:t>Alignment</a:t>
-            </a:r>
-            <a:endParaRPr lang="it-IT" dirty="0">
-              <a:latin typeface="CMU Serif" panose="02000603000000000000" pitchFamily="2" charset="0"/>
-              <a:ea typeface="CMU Serif" panose="02000603000000000000" pitchFamily="2" charset="0"/>
-              <a:cs typeface="CMU Serif" panose="02000603000000000000" pitchFamily="2" charset="0"/>
-            </a:endParaRPr>
-          </a:p>
-        </p:txBody>
-      </p:sp>
-      <p:sp>
-        <p:nvSpPr>
           <p:cNvPr id="5" name="Sottotitolo 4"/>
           <p:cNvSpPr>
             <a:spLocks noGrp="1"/>
@@ -19263,15 +20400,17 @@
           </a:xfrm>
         </p:spPr>
         <p:txBody>
-          <a:bodyPr rtlCol="0"/>
+          <a:bodyPr rtlCol="0">
+            <a:normAutofit/>
+          </a:bodyPr>
           <a:lstStyle/>
           <a:p>
             <a:pPr rtl="0"/>
             <a:r>
-              <a:rPr lang="it-IT" cap="none" dirty="0"/>
+              <a:rPr lang="it-IT" sz="4000" cap="none" dirty="0"/>
               <a:t>Implementazione MPI</a:t>
             </a:r>
-            <a:endParaRPr lang="it-IT" dirty="0"/>
+            <a:endParaRPr lang="it-IT" sz="4000" dirty="0"/>
           </a:p>
         </p:txBody>
       </p:sp>
@@ -19694,7 +20833,7 @@
                 <a:ea typeface="CMU Serif" panose="02000603000000000000" pitchFamily="2" charset="0"/>
                 <a:cs typeface="CMU Serif" panose="02000603000000000000" pitchFamily="2" charset="0"/>
               </a:rPr>
-              <a:t>(32) 82,2% più efficiente. CUDA e MPI+CUDA migliorano con più pattern: CUDA è 99,1% più efficiente e MPI+CUDA 99,5%.</a:t>
+              <a:t>(32) 96% più efficiente. CUDA e MPI+CUDA migliorano con più pattern: CUDA è 99,1% più efficiente e MPI+CUDA 99,5%.</a:t>
             </a:r>
             <a:endParaRPr lang="it-IT" sz="1800" kern="150" dirty="0">
               <a:effectLst/>
@@ -19705,36 +20844,6 @@
           </a:p>
         </p:txBody>
       </p:sp>
-      <p:graphicFrame>
-        <p:nvGraphicFramePr>
-          <p:cNvPr id="5" name="Grafico 4">
-            <a:extLst>
-              <a:ext uri="{FF2B5EF4-FFF2-40B4-BE49-F238E27FC236}">
-                <a16:creationId xmlns:a16="http://schemas.microsoft.com/office/drawing/2014/main" id="{00000000-0008-0000-0000-000003000000}"/>
-              </a:ext>
-            </a:extLst>
-          </p:cNvPr>
-          <p:cNvGraphicFramePr>
-            <a:graphicFrameLocks/>
-          </p:cNvGraphicFramePr>
-          <p:nvPr>
-            <p:extLst>
-              <p:ext uri="{D42A27DB-BD31-4B8C-83A1-F6EECF244321}">
-                <p14:modId xmlns:p14="http://schemas.microsoft.com/office/powerpoint/2010/main" val="4229049534"/>
-              </p:ext>
-            </p:extLst>
-          </p:nvPr>
-        </p:nvGraphicFramePr>
-        <p:xfrm>
-          <a:off x="6109923" y="658200"/>
-          <a:ext cx="6146590" cy="5075056"/>
-        </p:xfrm>
-        <a:graphic>
-          <a:graphicData uri="http://schemas.openxmlformats.org/drawingml/2006/chart">
-            <c:chart xmlns:c="http://schemas.openxmlformats.org/drawingml/2006/chart" xmlns:r="http://schemas.openxmlformats.org/officeDocument/2006/relationships" r:id="rId3"/>
-          </a:graphicData>
-        </a:graphic>
-      </p:graphicFrame>
       <p:graphicFrame>
         <p:nvGraphicFramePr>
           <p:cNvPr id="4" name="Grafico 3">
@@ -19750,7 +20859,7 @@
           <p:nvPr>
             <p:extLst>
               <p:ext uri="{D42A27DB-BD31-4B8C-83A1-F6EECF244321}">
-                <p14:modId xmlns:p14="http://schemas.microsoft.com/office/powerpoint/2010/main" val="3628778925"/>
+                <p14:modId xmlns:p14="http://schemas.microsoft.com/office/powerpoint/2010/main" val="3810856718"/>
               </p:ext>
             </p:extLst>
           </p:nvPr>
@@ -19758,6 +20867,36 @@
         <p:xfrm>
           <a:off x="0" y="658199"/>
           <a:ext cx="6146590" cy="5075057"/>
+        </p:xfrm>
+        <a:graphic>
+          <a:graphicData uri="http://schemas.openxmlformats.org/drawingml/2006/chart">
+            <c:chart xmlns:c="http://schemas.openxmlformats.org/drawingml/2006/chart" xmlns:r="http://schemas.openxmlformats.org/officeDocument/2006/relationships" r:id="rId3"/>
+          </a:graphicData>
+        </a:graphic>
+      </p:graphicFrame>
+      <p:graphicFrame>
+        <p:nvGraphicFramePr>
+          <p:cNvPr id="2" name="Grafico 1">
+            <a:extLst>
+              <a:ext uri="{FF2B5EF4-FFF2-40B4-BE49-F238E27FC236}">
+                <a16:creationId xmlns:a16="http://schemas.microsoft.com/office/drawing/2014/main" id="{00000000-0008-0000-0000-000003000000}"/>
+              </a:ext>
+            </a:extLst>
+          </p:cNvPr>
+          <p:cNvGraphicFramePr>
+            <a:graphicFrameLocks/>
+          </p:cNvGraphicFramePr>
+          <p:nvPr>
+            <p:extLst>
+              <p:ext uri="{D42A27DB-BD31-4B8C-83A1-F6EECF244321}">
+                <p14:modId xmlns:p14="http://schemas.microsoft.com/office/powerpoint/2010/main" val="534844641"/>
+              </p:ext>
+            </p:extLst>
+          </p:nvPr>
+        </p:nvGraphicFramePr>
+        <p:xfrm>
+          <a:off x="6146590" y="660290"/>
+          <a:ext cx="6042235" cy="5072966"/>
         </p:xfrm>
         <a:graphic>
           <a:graphicData uri="http://schemas.openxmlformats.org/drawingml/2006/chart">
@@ -19911,8 +21050,8 @@
         </p:nvSpPr>
         <p:spPr>
           <a:xfrm>
-            <a:off x="8470676" y="620688"/>
-            <a:ext cx="3456384" cy="6186309"/>
+            <a:off x="8418498" y="394692"/>
+            <a:ext cx="3456384" cy="6463308"/>
           </a:xfrm>
           <a:prstGeom prst="rect">
             <a:avLst/>
@@ -19927,86 +21066,65 @@
           <a:p>
             <a:r>
               <a:rPr lang="it-IT" sz="1800" dirty="0">
+                <a:effectLst/>
                 <a:latin typeface="CMU Serif" panose="02000603000000000000" pitchFamily="2" charset="0"/>
-                <a:ea typeface="CMU Serif" panose="02000603000000000000" pitchFamily="2" charset="0"/>
-                <a:cs typeface="CMU Serif" panose="02000603000000000000" pitchFamily="2" charset="0"/>
+                <a:ea typeface="Aptos" panose="020B0004020202020204" pitchFamily="34" charset="0"/>
               </a:rPr>
-              <a:t>Nei test </a:t>
+              <a:t>MPI e </a:t>
             </a:r>
             <a:r>
               <a:rPr lang="it-IT" sz="1800" dirty="0" err="1">
+                <a:effectLst/>
                 <a:latin typeface="CMU Serif" panose="02000603000000000000" pitchFamily="2" charset="0"/>
-                <a:ea typeface="CMU Serif" panose="02000603000000000000" pitchFamily="2" charset="0"/>
-                <a:cs typeface="CMU Serif" panose="02000603000000000000" pitchFamily="2" charset="0"/>
-              </a:rPr>
-              <a:t>piu</a:t>
-            </a:r>
-            <a:r>
-              <a:rPr lang="it-IT" sz="1800" dirty="0">
-                <a:latin typeface="CMU Serif" panose="02000603000000000000" pitchFamily="2" charset="0"/>
-                <a:ea typeface="CMU Serif" panose="02000603000000000000" pitchFamily="2" charset="0"/>
-                <a:cs typeface="CMU Serif" panose="02000603000000000000" pitchFamily="2" charset="0"/>
-              </a:rPr>
-              <a:t> complessi, con input piccoli, le versioni parallele sono inizialmente meno efficienti rispetto al sequenziale, ad eccezione di </a:t>
-            </a:r>
-            <a:r>
-              <a:rPr lang="it-IT" sz="1800" dirty="0" err="1">
-                <a:latin typeface="CMU Serif" panose="02000603000000000000" pitchFamily="2" charset="0"/>
-                <a:ea typeface="CMU Serif" panose="02000603000000000000" pitchFamily="2" charset="0"/>
-                <a:cs typeface="CMU Serif" panose="02000603000000000000" pitchFamily="2" charset="0"/>
+                <a:ea typeface="Aptos" panose="020B0004020202020204" pitchFamily="34" charset="0"/>
               </a:rPr>
               <a:t>OpenMP</a:t>
             </a:r>
             <a:r>
               <a:rPr lang="it-IT" sz="1800" dirty="0">
+                <a:effectLst/>
                 <a:latin typeface="CMU Serif" panose="02000603000000000000" pitchFamily="2" charset="0"/>
-                <a:ea typeface="CMU Serif" panose="02000603000000000000" pitchFamily="2" charset="0"/>
-                <a:cs typeface="CMU Serif" panose="02000603000000000000" pitchFamily="2" charset="0"/>
+                <a:ea typeface="Aptos" panose="020B0004020202020204" pitchFamily="34" charset="0"/>
               </a:rPr>
-              <a:t> a due </a:t>
+              <a:t> scalano linearmente, con una percentuale di miglioramento rispettivamente del 95,5% e 96.2%. Confrontando MPI e </a:t>
             </a:r>
             <a:r>
               <a:rPr lang="it-IT" sz="1800" dirty="0" err="1">
+                <a:effectLst/>
                 <a:latin typeface="CMU Serif" panose="02000603000000000000" pitchFamily="2" charset="0"/>
-                <a:ea typeface="CMU Serif" panose="02000603000000000000" pitchFamily="2" charset="0"/>
-                <a:cs typeface="CMU Serif" panose="02000603000000000000" pitchFamily="2" charset="0"/>
-              </a:rPr>
-              <a:t>threads</a:t>
-            </a:r>
-            <a:r>
-              <a:rPr lang="it-IT" sz="1800" dirty="0">
-                <a:latin typeface="CMU Serif" panose="02000603000000000000" pitchFamily="2" charset="0"/>
-                <a:ea typeface="CMU Serif" panose="02000603000000000000" pitchFamily="2" charset="0"/>
-                <a:cs typeface="CMU Serif" panose="02000603000000000000" pitchFamily="2" charset="0"/>
-              </a:rPr>
-              <a:t>, che risulta subito più veloce. Man mano che i test proseguono, MPI e </a:t>
-            </a:r>
-            <a:r>
-              <a:rPr lang="it-IT" sz="1800" dirty="0" err="1">
-                <a:latin typeface="CMU Serif" panose="02000603000000000000" pitchFamily="2" charset="0"/>
-                <a:ea typeface="CMU Serif" panose="02000603000000000000" pitchFamily="2" charset="0"/>
-                <a:cs typeface="CMU Serif" panose="02000603000000000000" pitchFamily="2" charset="0"/>
+                <a:ea typeface="Aptos" panose="020B0004020202020204" pitchFamily="34" charset="0"/>
               </a:rPr>
               <a:t>OpenMP</a:t>
             </a:r>
             <a:r>
               <a:rPr lang="it-IT" sz="1800" dirty="0">
+                <a:effectLst/>
                 <a:latin typeface="CMU Serif" panose="02000603000000000000" pitchFamily="2" charset="0"/>
-                <a:ea typeface="CMU Serif" panose="02000603000000000000" pitchFamily="2" charset="0"/>
-                <a:cs typeface="CMU Serif" panose="02000603000000000000" pitchFamily="2" charset="0"/>
+                <a:ea typeface="Aptos" panose="020B0004020202020204" pitchFamily="34" charset="0"/>
               </a:rPr>
-              <a:t> scalano linearmente, migliorando rispettivamente del 95,5% e 83,7%. CUDA e MPI+CUDA diventano più veloci dal test 4 e 5, rispettivamente. </a:t>
-            </a:r>
-          </a:p>
-          <a:p>
+              <a:t> si può notare che si comportano allo stesso modo del test lunghezza sequenza, con MPI inizialmente più veloce ma con </a:t>
+            </a:r>
+            <a:r>
+              <a:rPr lang="it-IT" sz="1800" dirty="0" err="1">
+                <a:effectLst/>
+                <a:latin typeface="CMU Serif" panose="02000603000000000000" pitchFamily="2" charset="0"/>
+                <a:ea typeface="Aptos" panose="020B0004020202020204" pitchFamily="34" charset="0"/>
+              </a:rPr>
+              <a:t>OpenMP</a:t>
+            </a:r>
             <a:r>
               <a:rPr lang="it-IT" sz="1800" dirty="0">
+                <a:effectLst/>
                 <a:latin typeface="CMU Serif" panose="02000603000000000000" pitchFamily="2" charset="0"/>
-                <a:ea typeface="CMU Serif" panose="02000603000000000000" pitchFamily="2" charset="0"/>
-                <a:cs typeface="CMU Serif" panose="02000603000000000000" pitchFamily="2" charset="0"/>
+                <a:ea typeface="Aptos" panose="020B0004020202020204" pitchFamily="34" charset="0"/>
               </a:rPr>
-              <a:t>Tuttavia, le performance non scalano sempre linearmente: CUDA risulta molto più efficiente nel test 4, mentre MPI+CUDA domina nei test 5 e 6. In media, CUDA offre un miglioramento del 96,3% e MPI+CUDA del 98,2%.</a:t>
-            </a:r>
+              <a:t> che prevale nei test più complessi. CUDA e MPI+CUDA diventano I più veloci rispettivamente dal test 4 e dal test 5, dove si può notare che in alcuni test, le performance non scalano linearmente, con CUDA che risulta molto più efficiente nel test 4 e MPI+CUDA nei test 5 e 6. In media abbiamo un miglioramento del 96,3% per CUDA e del 98,2% per MPI+CUDA</a:t>
+            </a:r>
+            <a:endParaRPr lang="it-IT" sz="1800" dirty="0">
+              <a:latin typeface="CMU Serif" panose="02000603000000000000" pitchFamily="2" charset="0"/>
+              <a:ea typeface="CMU Serif" panose="02000603000000000000" pitchFamily="2" charset="0"/>
+              <a:cs typeface="CMU Serif" panose="02000603000000000000" pitchFamily="2" charset="0"/>
+            </a:endParaRPr>
           </a:p>
         </p:txBody>
       </p:sp>
@@ -20196,119 +21314,6 @@
           </a:p>
         </p:txBody>
       </p:sp>
-      <p:sp>
-        <p:nvSpPr>
-          <p:cNvPr id="12" name="CasellaDiTesto 11">
-            <a:extLst>
-              <a:ext uri="{FF2B5EF4-FFF2-40B4-BE49-F238E27FC236}">
-                <a16:creationId xmlns:a16="http://schemas.microsoft.com/office/drawing/2014/main" id="{B907309C-FE96-0B4B-C101-998B25ACB187}"/>
-              </a:ext>
-            </a:extLst>
-          </p:cNvPr>
-          <p:cNvSpPr txBox="1"/>
-          <p:nvPr/>
-        </p:nvSpPr>
-        <p:spPr>
-          <a:xfrm>
-            <a:off x="8614692" y="620688"/>
-            <a:ext cx="3456384" cy="6186309"/>
-          </a:xfrm>
-          <a:prstGeom prst="rect">
-            <a:avLst/>
-          </a:prstGeom>
-          <a:noFill/>
-        </p:spPr>
-        <p:txBody>
-          <a:bodyPr wrap="square">
-            <a:spAutoFit/>
-          </a:bodyPr>
-          <a:lstStyle/>
-          <a:p>
-            <a:r>
-              <a:rPr lang="it-IT" sz="1800" dirty="0">
-                <a:latin typeface="CMU Serif" panose="02000603000000000000" pitchFamily="2" charset="0"/>
-                <a:ea typeface="CMU Serif" panose="02000603000000000000" pitchFamily="2" charset="0"/>
-                <a:cs typeface="CMU Serif" panose="02000603000000000000" pitchFamily="2" charset="0"/>
-              </a:rPr>
-              <a:t>Nei test </a:t>
-            </a:r>
-            <a:r>
-              <a:rPr lang="it-IT" sz="1800" dirty="0" err="1">
-                <a:latin typeface="CMU Serif" panose="02000603000000000000" pitchFamily="2" charset="0"/>
-                <a:ea typeface="CMU Serif" panose="02000603000000000000" pitchFamily="2" charset="0"/>
-                <a:cs typeface="CMU Serif" panose="02000603000000000000" pitchFamily="2" charset="0"/>
-              </a:rPr>
-              <a:t>piu</a:t>
-            </a:r>
-            <a:r>
-              <a:rPr lang="it-IT" sz="1800" dirty="0">
-                <a:latin typeface="CMU Serif" panose="02000603000000000000" pitchFamily="2" charset="0"/>
-                <a:ea typeface="CMU Serif" panose="02000603000000000000" pitchFamily="2" charset="0"/>
-                <a:cs typeface="CMU Serif" panose="02000603000000000000" pitchFamily="2" charset="0"/>
-              </a:rPr>
-              <a:t> complessi, con input piccoli, le versioni parallele sono inizialmente meno efficienti rispetto al sequenziale, ad eccezione di </a:t>
-            </a:r>
-            <a:r>
-              <a:rPr lang="it-IT" sz="1800" dirty="0" err="1">
-                <a:latin typeface="CMU Serif" panose="02000603000000000000" pitchFamily="2" charset="0"/>
-                <a:ea typeface="CMU Serif" panose="02000603000000000000" pitchFamily="2" charset="0"/>
-                <a:cs typeface="CMU Serif" panose="02000603000000000000" pitchFamily="2" charset="0"/>
-              </a:rPr>
-              <a:t>OpenMP</a:t>
-            </a:r>
-            <a:r>
-              <a:rPr lang="it-IT" sz="1800" dirty="0">
-                <a:latin typeface="CMU Serif" panose="02000603000000000000" pitchFamily="2" charset="0"/>
-                <a:ea typeface="CMU Serif" panose="02000603000000000000" pitchFamily="2" charset="0"/>
-                <a:cs typeface="CMU Serif" panose="02000603000000000000" pitchFamily="2" charset="0"/>
-              </a:rPr>
-              <a:t> a due </a:t>
-            </a:r>
-            <a:r>
-              <a:rPr lang="it-IT" sz="1800" dirty="0" err="1">
-                <a:latin typeface="CMU Serif" panose="02000603000000000000" pitchFamily="2" charset="0"/>
-                <a:ea typeface="CMU Serif" panose="02000603000000000000" pitchFamily="2" charset="0"/>
-                <a:cs typeface="CMU Serif" panose="02000603000000000000" pitchFamily="2" charset="0"/>
-              </a:rPr>
-              <a:t>threads</a:t>
-            </a:r>
-            <a:r>
-              <a:rPr lang="it-IT" sz="1800" dirty="0">
-                <a:latin typeface="CMU Serif" panose="02000603000000000000" pitchFamily="2" charset="0"/>
-                <a:ea typeface="CMU Serif" panose="02000603000000000000" pitchFamily="2" charset="0"/>
-                <a:cs typeface="CMU Serif" panose="02000603000000000000" pitchFamily="2" charset="0"/>
-              </a:rPr>
-              <a:t>, che risulta subito più veloce. Man mano che i test proseguono, MPI e </a:t>
-            </a:r>
-            <a:r>
-              <a:rPr lang="it-IT" sz="1800" dirty="0" err="1">
-                <a:latin typeface="CMU Serif" panose="02000603000000000000" pitchFamily="2" charset="0"/>
-                <a:ea typeface="CMU Serif" panose="02000603000000000000" pitchFamily="2" charset="0"/>
-                <a:cs typeface="CMU Serif" panose="02000603000000000000" pitchFamily="2" charset="0"/>
-              </a:rPr>
-              <a:t>OpenMP</a:t>
-            </a:r>
-            <a:r>
-              <a:rPr lang="it-IT" sz="1800" dirty="0">
-                <a:latin typeface="CMU Serif" panose="02000603000000000000" pitchFamily="2" charset="0"/>
-                <a:ea typeface="CMU Serif" panose="02000603000000000000" pitchFamily="2" charset="0"/>
-                <a:cs typeface="CMU Serif" panose="02000603000000000000" pitchFamily="2" charset="0"/>
-              </a:rPr>
-              <a:t> scalano linearmente, migliorando rispettivamente del 95,5% e 83,7%. CUDA e MPI+CUDA diventano più veloci dal test 4 e 5, rispettivamente. </a:t>
-            </a:r>
-          </a:p>
-          <a:p>
-            <a:r>
-              <a:rPr lang="it-IT" sz="1800" dirty="0">
-                <a:latin typeface="CMU Serif" panose="02000603000000000000" pitchFamily="2" charset="0"/>
-                <a:ea typeface="CMU Serif" panose="02000603000000000000" pitchFamily="2" charset="0"/>
-                <a:cs typeface="CMU Serif" panose="02000603000000000000" pitchFamily="2" charset="0"/>
-              </a:rPr>
-              <a:t>Tuttavia, le performance non scalano sempre linearmente: CUDA risulta molto più efficiente nel test 4, mentre MPI+CUDA domina nei test 5 e 6. In media, CUDA offre un miglioramento del 96,3% e MPI+CUDA del 98,2%.</a:t>
-            </a:r>
-          </a:p>
-        </p:txBody>
-      </p:sp>
       <p:graphicFrame>
         <p:nvGraphicFramePr>
           <p:cNvPr id="3" name="Grafico 2">
@@ -20339,6 +21344,128 @@
           </a:graphicData>
         </a:graphic>
       </p:graphicFrame>
+      <p:graphicFrame>
+        <p:nvGraphicFramePr>
+          <p:cNvPr id="2" name="Grafico 1">
+            <a:extLst>
+              <a:ext uri="{FF2B5EF4-FFF2-40B4-BE49-F238E27FC236}">
+                <a16:creationId xmlns:a16="http://schemas.microsoft.com/office/drawing/2014/main" id="{00000000-0008-0000-0000-000007000000}"/>
+              </a:ext>
+            </a:extLst>
+          </p:cNvPr>
+          <p:cNvGraphicFramePr>
+            <a:graphicFrameLocks/>
+          </p:cNvGraphicFramePr>
+          <p:nvPr>
+            <p:extLst>
+              <p:ext uri="{D42A27DB-BD31-4B8C-83A1-F6EECF244321}">
+                <p14:modId xmlns:p14="http://schemas.microsoft.com/office/powerpoint/2010/main" val="1908740395"/>
+              </p:ext>
+            </p:extLst>
+          </p:nvPr>
+        </p:nvGraphicFramePr>
+        <p:xfrm>
+          <a:off x="0" y="620689"/>
+          <a:ext cx="8470676" cy="6237311"/>
+        </p:xfrm>
+        <a:graphic>
+          <a:graphicData uri="http://schemas.openxmlformats.org/drawingml/2006/chart">
+            <c:chart xmlns:c="http://schemas.openxmlformats.org/drawingml/2006/chart" xmlns:r="http://schemas.openxmlformats.org/officeDocument/2006/relationships" r:id="rId4"/>
+          </a:graphicData>
+        </a:graphic>
+      </p:graphicFrame>
+      <p:sp>
+        <p:nvSpPr>
+          <p:cNvPr id="4" name="CasellaDiTesto 3">
+            <a:extLst>
+              <a:ext uri="{FF2B5EF4-FFF2-40B4-BE49-F238E27FC236}">
+                <a16:creationId xmlns:a16="http://schemas.microsoft.com/office/drawing/2014/main" id="{B7AF636A-3C87-A7CA-A599-8BFBC35FAB4B}"/>
+              </a:ext>
+            </a:extLst>
+          </p:cNvPr>
+          <p:cNvSpPr txBox="1"/>
+          <p:nvPr/>
+        </p:nvSpPr>
+        <p:spPr>
+          <a:xfrm>
+            <a:off x="8614692" y="394691"/>
+            <a:ext cx="3456384" cy="6463308"/>
+          </a:xfrm>
+          <a:prstGeom prst="rect">
+            <a:avLst/>
+          </a:prstGeom>
+          <a:noFill/>
+        </p:spPr>
+        <p:txBody>
+          <a:bodyPr wrap="square">
+            <a:spAutoFit/>
+          </a:bodyPr>
+          <a:lstStyle/>
+          <a:p>
+            <a:r>
+              <a:rPr lang="it-IT" sz="1800" dirty="0">
+                <a:effectLst/>
+                <a:latin typeface="CMU Serif" panose="02000603000000000000" pitchFamily="2" charset="0"/>
+                <a:ea typeface="Aptos" panose="020B0004020202020204" pitchFamily="34" charset="0"/>
+              </a:rPr>
+              <a:t>MPI e </a:t>
+            </a:r>
+            <a:r>
+              <a:rPr lang="it-IT" sz="1800" dirty="0" err="1">
+                <a:effectLst/>
+                <a:latin typeface="CMU Serif" panose="02000603000000000000" pitchFamily="2" charset="0"/>
+                <a:ea typeface="Aptos" panose="020B0004020202020204" pitchFamily="34" charset="0"/>
+              </a:rPr>
+              <a:t>OpenMP</a:t>
+            </a:r>
+            <a:r>
+              <a:rPr lang="it-IT" sz="1800" dirty="0">
+                <a:effectLst/>
+                <a:latin typeface="CMU Serif" panose="02000603000000000000" pitchFamily="2" charset="0"/>
+                <a:ea typeface="Aptos" panose="020B0004020202020204" pitchFamily="34" charset="0"/>
+              </a:rPr>
+              <a:t> scalano linearmente, con una percentuale di miglioramento rispettivamente del 95,5% e 96.2%. Confrontando MPI e </a:t>
+            </a:r>
+            <a:r>
+              <a:rPr lang="it-IT" sz="1800" dirty="0" err="1">
+                <a:effectLst/>
+                <a:latin typeface="CMU Serif" panose="02000603000000000000" pitchFamily="2" charset="0"/>
+                <a:ea typeface="Aptos" panose="020B0004020202020204" pitchFamily="34" charset="0"/>
+              </a:rPr>
+              <a:t>OpenMP</a:t>
+            </a:r>
+            <a:r>
+              <a:rPr lang="it-IT" sz="1800" dirty="0">
+                <a:effectLst/>
+                <a:latin typeface="CMU Serif" panose="02000603000000000000" pitchFamily="2" charset="0"/>
+                <a:ea typeface="Aptos" panose="020B0004020202020204" pitchFamily="34" charset="0"/>
+              </a:rPr>
+              <a:t> si può notare che si comportano allo stesso modo del test lunghezza sequenza, con MPI inizialmente più veloce ma con </a:t>
+            </a:r>
+            <a:r>
+              <a:rPr lang="it-IT" sz="1800" dirty="0" err="1">
+                <a:effectLst/>
+                <a:latin typeface="CMU Serif" panose="02000603000000000000" pitchFamily="2" charset="0"/>
+                <a:ea typeface="Aptos" panose="020B0004020202020204" pitchFamily="34" charset="0"/>
+              </a:rPr>
+              <a:t>OpenMP</a:t>
+            </a:r>
+            <a:r>
+              <a:rPr lang="it-IT" sz="1800" dirty="0">
+                <a:effectLst/>
+                <a:latin typeface="CMU Serif" panose="02000603000000000000" pitchFamily="2" charset="0"/>
+                <a:ea typeface="Aptos" panose="020B0004020202020204" pitchFamily="34" charset="0"/>
+              </a:rPr>
+              <a:t> che prevale nei test più complessi. CUDA e MPI+CUDA diventano I più veloci rispettivamente dal test 4 e dal test 5, dove si può notare che in alcuni test, le performance non scalano linearmente, con CUDA che risulta molto più efficiente nel test 4 e MPI+CUDA nei test 5 e 6. In media abbiamo un miglioramento del 96,3% per CUDA e del 98,2% per MPI+CUDA</a:t>
+            </a:r>
+            <a:endParaRPr lang="it-IT" sz="1800" dirty="0">
+              <a:latin typeface="CMU Serif" panose="02000603000000000000" pitchFamily="2" charset="0"/>
+              <a:ea typeface="CMU Serif" panose="02000603000000000000" pitchFamily="2" charset="0"/>
+              <a:cs typeface="CMU Serif" panose="02000603000000000000" pitchFamily="2" charset="0"/>
+            </a:endParaRPr>
+          </a:p>
+        </p:txBody>
+      </p:sp>
     </p:spTree>
     <p:extLst>
       <p:ext uri="{BB962C8B-B14F-4D97-AF65-F5344CB8AC3E}">
@@ -20822,7 +21949,7 @@
             </a:pPr>
             <a:r>
               <a:rPr lang="it-IT" sz="2000" dirty="0"/>
-              <a:t>Nella seguente funzione ogni processo incrementerà il proprio array </a:t>
+              <a:t>Nella seguente funzione ogni processo incrementerà le singole celle dell’array locale </a:t>
             </a:r>
             <a:r>
               <a:rPr lang="it-IT" sz="2000" dirty="0" err="1"/>
@@ -20830,7 +21957,7 @@
             </a:r>
             <a:r>
               <a:rPr lang="it-IT" sz="2000" dirty="0"/>
-              <a:t>, successivamente quando dovrà essere sommato in uno unico succederà più volte che lo stesso indice passerà da -1 (NOT_FOUND) a 0. </a:t>
+              <a:t>, successivamente quando dovrà essere sommato in uno unico succederà più volte che allo stesso indice la cella passerà da -1 (NOT_FOUND) a 0. </a:t>
             </a:r>
           </a:p>
           <a:p>
@@ -21458,51 +22585,6 @@
       </p:grpSpPr>
       <p:sp>
         <p:nvSpPr>
-          <p:cNvPr id="2" name="Titolo 1"/>
-          <p:cNvSpPr>
-            <a:spLocks noGrp="1"/>
-          </p:cNvSpPr>
-          <p:nvPr>
-            <p:ph type="ctrTitle"/>
-          </p:nvPr>
-        </p:nvSpPr>
-        <p:spPr>
-          <a:xfrm>
-            <a:off x="1625176" y="1731898"/>
-            <a:ext cx="8285660" cy="1099667"/>
-          </a:xfrm>
-        </p:spPr>
-        <p:txBody>
-          <a:bodyPr rtlCol="0"/>
-          <a:lstStyle/>
-          <a:p>
-            <a:pPr rtl="0"/>
-            <a:r>
-              <a:rPr lang="it-IT" dirty="0"/>
-              <a:t>DNA </a:t>
-            </a:r>
-            <a:r>
-              <a:rPr lang="it-IT" dirty="0" err="1"/>
-              <a:t>Sequence</a:t>
-            </a:r>
-            <a:r>
-              <a:rPr lang="it-IT" dirty="0"/>
-              <a:t> </a:t>
-            </a:r>
-            <a:r>
-              <a:rPr lang="it-IT" dirty="0" err="1"/>
-              <a:t>Alignment</a:t>
-            </a:r>
-            <a:endParaRPr lang="it-IT" dirty="0">
-              <a:latin typeface="CMU Serif" panose="02000603000000000000" pitchFamily="2" charset="0"/>
-              <a:ea typeface="CMU Serif" panose="02000603000000000000" pitchFamily="2" charset="0"/>
-              <a:cs typeface="CMU Serif" panose="02000603000000000000" pitchFamily="2" charset="0"/>
-            </a:endParaRPr>
-          </a:p>
-        </p:txBody>
-      </p:sp>
-      <p:sp>
-        <p:nvSpPr>
           <p:cNvPr id="5" name="Sottotitolo 4"/>
           <p:cNvSpPr>
             <a:spLocks noGrp="1"/>
@@ -21518,15 +22600,17 @@
           </a:xfrm>
         </p:spPr>
         <p:txBody>
-          <a:bodyPr rtlCol="0"/>
+          <a:bodyPr rtlCol="0">
+            <a:normAutofit/>
+          </a:bodyPr>
           <a:lstStyle/>
           <a:p>
             <a:pPr rtl="0"/>
             <a:r>
-              <a:rPr lang="it-IT" cap="none" dirty="0"/>
+              <a:rPr lang="it-IT" sz="4000" cap="none" dirty="0"/>
               <a:t>Implementazione CUDA</a:t>
             </a:r>
-            <a:endParaRPr lang="it-IT" dirty="0"/>
+            <a:endParaRPr lang="it-IT" sz="4000" dirty="0"/>
           </a:p>
         </p:txBody>
       </p:sp>
@@ -22982,142 +24066,6 @@
 </file>
 
 <file path=customXml/item1.xml><?xml version="1.0" encoding="utf-8"?>
-<p:properties xmlns:p="http://schemas.microsoft.com/office/2006/metadata/properties" xmlns:xsi="http://www.w3.org/2001/XMLSchema-instance" xmlns:pc="http://schemas.microsoft.com/office/infopath/2007/PartnerControls">
-  <documentManagement>
-    <LocPublishedLinkedAssetsLookup xmlns="4873beb7-5857-4685-be1f-d57550cc96cc" xsi:nil="true"/>
-    <ApprovalStatus xmlns="4873beb7-5857-4685-be1f-d57550cc96cc">InProgress</ApprovalStatus>
-    <MarketSpecific xmlns="4873beb7-5857-4685-be1f-d57550cc96cc">false</MarketSpecific>
-    <LocComments xmlns="4873beb7-5857-4685-be1f-d57550cc96cc" xsi:nil="true"/>
-    <LocLastLocAttemptVersionTypeLookup xmlns="4873beb7-5857-4685-be1f-d57550cc96cc" xsi:nil="true"/>
-    <DirectSourceMarket xmlns="4873beb7-5857-4685-be1f-d57550cc96cc" xsi:nil="true"/>
-    <ThumbnailAssetId xmlns="4873beb7-5857-4685-be1f-d57550cc96cc" xsi:nil="true"/>
-    <PrimaryImageGen xmlns="4873beb7-5857-4685-be1f-d57550cc96cc">false</PrimaryImageGen>
-    <LocNewPublishedVersionLookup xmlns="4873beb7-5857-4685-be1f-d57550cc96cc" xsi:nil="true"/>
-    <LegacyData xmlns="4873beb7-5857-4685-be1f-d57550cc96cc" xsi:nil="true"/>
-    <LocRecommendedHandoff xmlns="4873beb7-5857-4685-be1f-d57550cc96cc" xsi:nil="true"/>
-    <BusinessGroup xmlns="4873beb7-5857-4685-be1f-d57550cc96cc" xsi:nil="true"/>
-    <BlockPublish xmlns="4873beb7-5857-4685-be1f-d57550cc96cc">false</BlockPublish>
-    <TPFriendlyName xmlns="4873beb7-5857-4685-be1f-d57550cc96cc" xsi:nil="true"/>
-    <LocOverallPublishStatusLookup xmlns="4873beb7-5857-4685-be1f-d57550cc96cc" xsi:nil="true"/>
-    <NumericId xmlns="4873beb7-5857-4685-be1f-d57550cc96cc" xsi:nil="true"/>
-    <APEditor xmlns="4873beb7-5857-4685-be1f-d57550cc96cc">
-      <UserInfo>
-        <DisplayName/>
-        <AccountId xsi:nil="true"/>
-        <AccountType/>
-      </UserInfo>
-    </APEditor>
-    <SourceTitle xmlns="4873beb7-5857-4685-be1f-d57550cc96cc" xsi:nil="true"/>
-    <OpenTemplate xmlns="4873beb7-5857-4685-be1f-d57550cc96cc">true</OpenTemplate>
-    <LocOverallLocStatusLookup xmlns="4873beb7-5857-4685-be1f-d57550cc96cc" xsi:nil="true"/>
-    <UALocComments xmlns="4873beb7-5857-4685-be1f-d57550cc96cc" xsi:nil="true"/>
-    <ParentAssetId xmlns="4873beb7-5857-4685-be1f-d57550cc96cc" xsi:nil="true"/>
-    <IntlLangReviewDate xmlns="4873beb7-5857-4685-be1f-d57550cc96cc" xsi:nil="true"/>
-    <FeatureTagsTaxHTField0 xmlns="4873beb7-5857-4685-be1f-d57550cc96cc">
-      <Terms xmlns="http://schemas.microsoft.com/office/infopath/2007/PartnerControls"/>
-    </FeatureTagsTaxHTField0>
-    <PublishStatusLookup xmlns="4873beb7-5857-4685-be1f-d57550cc96cc">
-      <Value>1345093</Value>
-    </PublishStatusLookup>
-    <Providers xmlns="4873beb7-5857-4685-be1f-d57550cc96cc" xsi:nil="true"/>
-    <MachineTranslated xmlns="4873beb7-5857-4685-be1f-d57550cc96cc">false</MachineTranslated>
-    <OriginalSourceMarket xmlns="4873beb7-5857-4685-be1f-d57550cc96cc" xsi:nil="true"/>
-    <APDescription xmlns="4873beb7-5857-4685-be1f-d57550cc96cc">This simple template design works for technology and  businesses, but it's versatile enough to use in other contexts.  It features multiple slide layouts designed for widescreen (16x9 resolution) and includes a sample SmartArt list and chart that are easily editable.</APDescription>
-    <ClipArtFilename xmlns="4873beb7-5857-4685-be1f-d57550cc96cc" xsi:nil="true"/>
-    <ContentItem xmlns="4873beb7-5857-4685-be1f-d57550cc96cc" xsi:nil="true"/>
-    <TPInstallLocation xmlns="4873beb7-5857-4685-be1f-d57550cc96cc" xsi:nil="true"/>
-    <PublishTargets xmlns="4873beb7-5857-4685-be1f-d57550cc96cc">OfficeOnlineVNext</PublishTargets>
-    <TimesCloned xmlns="4873beb7-5857-4685-be1f-d57550cc96cc" xsi:nil="true"/>
-    <AssetStart xmlns="4873beb7-5857-4685-be1f-d57550cc96cc">2011-11-26T00:30:00+00:00</AssetStart>
-    <Provider xmlns="4873beb7-5857-4685-be1f-d57550cc96cc" xsi:nil="true"/>
-    <AcquiredFrom xmlns="4873beb7-5857-4685-be1f-d57550cc96cc">Internal MS</AcquiredFrom>
-    <FriendlyTitle xmlns="4873beb7-5857-4685-be1f-d57550cc96cc" xsi:nil="true"/>
-    <LastHandOff xmlns="4873beb7-5857-4685-be1f-d57550cc96cc" xsi:nil="true"/>
-    <TPClientViewer xmlns="4873beb7-5857-4685-be1f-d57550cc96cc" xsi:nil="true"/>
-    <TemplateStatus xmlns="4873beb7-5857-4685-be1f-d57550cc96cc">Complete</TemplateStatus>
-    <Downloads xmlns="4873beb7-5857-4685-be1f-d57550cc96cc">0</Downloads>
-    <OOCacheId xmlns="4873beb7-5857-4685-be1f-d57550cc96cc" xsi:nil="true"/>
-    <IsDeleted xmlns="4873beb7-5857-4685-be1f-d57550cc96cc">false</IsDeleted>
-    <LocPublishedDependentAssetsLookup xmlns="4873beb7-5857-4685-be1f-d57550cc96cc" xsi:nil="true"/>
-    <TPExecutable xmlns="4873beb7-5857-4685-be1f-d57550cc96cc" xsi:nil="true"/>
-    <EditorialTags xmlns="4873beb7-5857-4685-be1f-d57550cc96cc" xsi:nil="true"/>
-    <SubmitterId xmlns="4873beb7-5857-4685-be1f-d57550cc96cc" xsi:nil="true"/>
-    <ApprovalLog xmlns="4873beb7-5857-4685-be1f-d57550cc96cc" xsi:nil="true"/>
-    <AssetType xmlns="4873beb7-5857-4685-be1f-d57550cc96cc">TP</AssetType>
-    <BugNumber xmlns="4873beb7-5857-4685-be1f-d57550cc96cc" xsi:nil="true"/>
-    <CSXSubmissionDate xmlns="4873beb7-5857-4685-be1f-d57550cc96cc" xsi:nil="true"/>
-    <CSXUpdate xmlns="4873beb7-5857-4685-be1f-d57550cc96cc">false</CSXUpdate>
-    <Milestone xmlns="4873beb7-5857-4685-be1f-d57550cc96cc" xsi:nil="true"/>
-    <RecommendationsModifier xmlns="4873beb7-5857-4685-be1f-d57550cc96cc" xsi:nil="true"/>
-    <OriginAsset xmlns="4873beb7-5857-4685-be1f-d57550cc96cc" xsi:nil="true"/>
-    <TPComponent xmlns="4873beb7-5857-4685-be1f-d57550cc96cc" xsi:nil="true"/>
-    <AssetId xmlns="4873beb7-5857-4685-be1f-d57550cc96cc">TP102787989</AssetId>
-    <IntlLocPriority xmlns="4873beb7-5857-4685-be1f-d57550cc96cc" xsi:nil="true"/>
-    <PolicheckWords xmlns="4873beb7-5857-4685-be1f-d57550cc96cc" xsi:nil="true"/>
-    <TPLaunchHelpLink xmlns="4873beb7-5857-4685-be1f-d57550cc96cc" xsi:nil="true"/>
-    <TPApplication xmlns="4873beb7-5857-4685-be1f-d57550cc96cc" xsi:nil="true"/>
-    <CrawlForDependencies xmlns="4873beb7-5857-4685-be1f-d57550cc96cc">false</CrawlForDependencies>
-    <HandoffToMSDN xmlns="4873beb7-5857-4685-be1f-d57550cc96cc" xsi:nil="true"/>
-    <PlannedPubDate xmlns="4873beb7-5857-4685-be1f-d57550cc96cc" xsi:nil="true"/>
-    <IntlLangReviewer xmlns="4873beb7-5857-4685-be1f-d57550cc96cc" xsi:nil="true"/>
-    <TrustLevel xmlns="4873beb7-5857-4685-be1f-d57550cc96cc">1 Microsoft Managed Content</TrustLevel>
-    <LocLastLocAttemptVersionLookup xmlns="4873beb7-5857-4685-be1f-d57550cc96cc">694266</LocLastLocAttemptVersionLookup>
-    <LocProcessedForHandoffsLookup xmlns="4873beb7-5857-4685-be1f-d57550cc96cc" xsi:nil="true"/>
-    <IsSearchable xmlns="4873beb7-5857-4685-be1f-d57550cc96cc">true</IsSearchable>
-    <TemplateTemplateType xmlns="4873beb7-5857-4685-be1f-d57550cc96cc">PowerPoint Presentation Template</TemplateTemplateType>
-    <CampaignTagsTaxHTField0 xmlns="4873beb7-5857-4685-be1f-d57550cc96cc">
-      <Terms xmlns="http://schemas.microsoft.com/office/infopath/2007/PartnerControls"/>
-    </CampaignTagsTaxHTField0>
-    <TPNamespace xmlns="4873beb7-5857-4685-be1f-d57550cc96cc" xsi:nil="true"/>
-    <LocOverallPreviewStatusLookup xmlns="4873beb7-5857-4685-be1f-d57550cc96cc" xsi:nil="true"/>
-    <TaxCatchAll xmlns="4873beb7-5857-4685-be1f-d57550cc96cc"/>
-    <Markets xmlns="4873beb7-5857-4685-be1f-d57550cc96cc"/>
-    <UAProjectedTotalWords xmlns="4873beb7-5857-4685-be1f-d57550cc96cc" xsi:nil="true"/>
-    <IntlLangReview xmlns="4873beb7-5857-4685-be1f-d57550cc96cc" xsi:nil="true"/>
-    <OutputCachingOn xmlns="4873beb7-5857-4685-be1f-d57550cc96cc">false</OutputCachingOn>
-    <AverageRating xmlns="4873beb7-5857-4685-be1f-d57550cc96cc" xsi:nil="true"/>
-    <APAuthor xmlns="4873beb7-5857-4685-be1f-d57550cc96cc">
-      <UserInfo>
-        <DisplayName>REDMOND\kristaa</DisplayName>
-        <AccountId>136</AccountId>
-        <AccountType/>
-      </UserInfo>
-    </APAuthor>
-    <LocManualTestRequired xmlns="4873beb7-5857-4685-be1f-d57550cc96cc">false</LocManualTestRequired>
-    <TPCommandLine xmlns="4873beb7-5857-4685-be1f-d57550cc96cc" xsi:nil="true"/>
-    <TPAppVersion xmlns="4873beb7-5857-4685-be1f-d57550cc96cc" xsi:nil="true"/>
-    <EditorialStatus xmlns="4873beb7-5857-4685-be1f-d57550cc96cc">Complete</EditorialStatus>
-    <LastModifiedDateTime xmlns="4873beb7-5857-4685-be1f-d57550cc96cc" xsi:nil="true"/>
-    <ScenarioTagsTaxHTField0 xmlns="4873beb7-5857-4685-be1f-d57550cc96cc">
-      <Terms xmlns="http://schemas.microsoft.com/office/infopath/2007/PartnerControls"/>
-    </ScenarioTagsTaxHTField0>
-    <LocProcessedForMarketsLookup xmlns="4873beb7-5857-4685-be1f-d57550cc96cc" xsi:nil="true"/>
-    <TPLaunchHelpLinkType xmlns="4873beb7-5857-4685-be1f-d57550cc96cc">Template</TPLaunchHelpLinkType>
-    <OriginalRelease xmlns="4873beb7-5857-4685-be1f-d57550cc96cc">15</OriginalRelease>
-    <LocalizationTagsTaxHTField0 xmlns="4873beb7-5857-4685-be1f-d57550cc96cc">
-      <Terms xmlns="http://schemas.microsoft.com/office/infopath/2007/PartnerControls"/>
-    </LocalizationTagsTaxHTField0>
-    <UACurrentWords xmlns="4873beb7-5857-4685-be1f-d57550cc96cc" xsi:nil="true"/>
-    <ArtSampleDocs xmlns="4873beb7-5857-4685-be1f-d57550cc96cc" xsi:nil="true"/>
-    <UALocRecommendation xmlns="4873beb7-5857-4685-be1f-d57550cc96cc">Localize</UALocRecommendation>
-    <Manager xmlns="4873beb7-5857-4685-be1f-d57550cc96cc" xsi:nil="true"/>
-    <LocOverallHandbackStatusLookup xmlns="4873beb7-5857-4685-be1f-d57550cc96cc" xsi:nil="true"/>
-    <ShowIn xmlns="4873beb7-5857-4685-be1f-d57550cc96cc">Show everywhere</ShowIn>
-    <UANotes xmlns="4873beb7-5857-4685-be1f-d57550cc96cc" xsi:nil="true"/>
-    <InternalTagsTaxHTField0 xmlns="4873beb7-5857-4685-be1f-d57550cc96cc">
-      <Terms xmlns="http://schemas.microsoft.com/office/infopath/2007/PartnerControls"/>
-    </InternalTagsTaxHTField0>
-    <CSXHash xmlns="4873beb7-5857-4685-be1f-d57550cc96cc" xsi:nil="true"/>
-    <VoteCount xmlns="4873beb7-5857-4685-be1f-d57550cc96cc" xsi:nil="true"/>
-    <AssetExpire xmlns="4873beb7-5857-4685-be1f-d57550cc96cc">2029-05-12T07:00:00+00:00</AssetExpire>
-    <DSATActionTaken xmlns="4873beb7-5857-4685-be1f-d57550cc96cc" xsi:nil="true"/>
-    <CSXSubmissionMarket xmlns="4873beb7-5857-4685-be1f-d57550cc96cc" xsi:nil="true"/>
-    <LocMarketGroupTiers2 xmlns="4873beb7-5857-4685-be1f-d57550cc96cc" xsi:nil="true"/>
-  </documentManagement>
-</p:properties>
-</file>
-
-<file path=customXml/item2.xml><?xml version="1.0" encoding="utf-8"?>
 <ct:contentTypeSchema xmlns:ct="http://schemas.microsoft.com/office/2006/metadata/contentType" xmlns:ma="http://schemas.microsoft.com/office/2006/metadata/properties/metaAttributes" ct:_="" ma:_="" ma:contentTypeName="TemplateFile" ma:contentTypeID="0x0101006EDDDB5EE6D98C44930B742096920B300400F5B6D36B3EF94B4E9A635CDF2A18F5B8" ma:contentTypeVersion="72" ma:contentTypeDescription="Create a new document." ma:contentTypeScope="" ma:versionID="a23e56308344d904b51738559c3d67c9">
   <xsd:schema xmlns:xsd="http://www.w3.org/2001/XMLSchema" xmlns:xs="http://www.w3.org/2001/XMLSchema" xmlns:p="http://schemas.microsoft.com/office/2006/metadata/properties" xmlns:ns2="4873beb7-5857-4685-be1f-d57550cc96cc" targetNamespace="http://schemas.microsoft.com/office/2006/metadata/properties" ma:root="true" ma:fieldsID="cd0908cc4600e77bf5da051303e00c8d" ns2:_="">
     <xsd:import namespace="4873beb7-5857-4685-be1f-d57550cc96cc"/>
@@ -24157,6 +25105,142 @@
 </ct:contentTypeSchema>
 </file>
 
+<file path=customXml/item2.xml><?xml version="1.0" encoding="utf-8"?>
+<p:properties xmlns:p="http://schemas.microsoft.com/office/2006/metadata/properties" xmlns:xsi="http://www.w3.org/2001/XMLSchema-instance" xmlns:pc="http://schemas.microsoft.com/office/infopath/2007/PartnerControls">
+  <documentManagement>
+    <LocPublishedLinkedAssetsLookup xmlns="4873beb7-5857-4685-be1f-d57550cc96cc" xsi:nil="true"/>
+    <ApprovalStatus xmlns="4873beb7-5857-4685-be1f-d57550cc96cc">InProgress</ApprovalStatus>
+    <MarketSpecific xmlns="4873beb7-5857-4685-be1f-d57550cc96cc">false</MarketSpecific>
+    <LocComments xmlns="4873beb7-5857-4685-be1f-d57550cc96cc" xsi:nil="true"/>
+    <LocLastLocAttemptVersionTypeLookup xmlns="4873beb7-5857-4685-be1f-d57550cc96cc" xsi:nil="true"/>
+    <DirectSourceMarket xmlns="4873beb7-5857-4685-be1f-d57550cc96cc" xsi:nil="true"/>
+    <ThumbnailAssetId xmlns="4873beb7-5857-4685-be1f-d57550cc96cc" xsi:nil="true"/>
+    <PrimaryImageGen xmlns="4873beb7-5857-4685-be1f-d57550cc96cc">false</PrimaryImageGen>
+    <LocNewPublishedVersionLookup xmlns="4873beb7-5857-4685-be1f-d57550cc96cc" xsi:nil="true"/>
+    <LegacyData xmlns="4873beb7-5857-4685-be1f-d57550cc96cc" xsi:nil="true"/>
+    <LocRecommendedHandoff xmlns="4873beb7-5857-4685-be1f-d57550cc96cc" xsi:nil="true"/>
+    <BusinessGroup xmlns="4873beb7-5857-4685-be1f-d57550cc96cc" xsi:nil="true"/>
+    <BlockPublish xmlns="4873beb7-5857-4685-be1f-d57550cc96cc">false</BlockPublish>
+    <TPFriendlyName xmlns="4873beb7-5857-4685-be1f-d57550cc96cc" xsi:nil="true"/>
+    <LocOverallPublishStatusLookup xmlns="4873beb7-5857-4685-be1f-d57550cc96cc" xsi:nil="true"/>
+    <NumericId xmlns="4873beb7-5857-4685-be1f-d57550cc96cc" xsi:nil="true"/>
+    <APEditor xmlns="4873beb7-5857-4685-be1f-d57550cc96cc">
+      <UserInfo>
+        <DisplayName/>
+        <AccountId xsi:nil="true"/>
+        <AccountType/>
+      </UserInfo>
+    </APEditor>
+    <SourceTitle xmlns="4873beb7-5857-4685-be1f-d57550cc96cc" xsi:nil="true"/>
+    <OpenTemplate xmlns="4873beb7-5857-4685-be1f-d57550cc96cc">true</OpenTemplate>
+    <LocOverallLocStatusLookup xmlns="4873beb7-5857-4685-be1f-d57550cc96cc" xsi:nil="true"/>
+    <UALocComments xmlns="4873beb7-5857-4685-be1f-d57550cc96cc" xsi:nil="true"/>
+    <ParentAssetId xmlns="4873beb7-5857-4685-be1f-d57550cc96cc" xsi:nil="true"/>
+    <IntlLangReviewDate xmlns="4873beb7-5857-4685-be1f-d57550cc96cc" xsi:nil="true"/>
+    <FeatureTagsTaxHTField0 xmlns="4873beb7-5857-4685-be1f-d57550cc96cc">
+      <Terms xmlns="http://schemas.microsoft.com/office/infopath/2007/PartnerControls"/>
+    </FeatureTagsTaxHTField0>
+    <PublishStatusLookup xmlns="4873beb7-5857-4685-be1f-d57550cc96cc">
+      <Value>1345093</Value>
+    </PublishStatusLookup>
+    <Providers xmlns="4873beb7-5857-4685-be1f-d57550cc96cc" xsi:nil="true"/>
+    <MachineTranslated xmlns="4873beb7-5857-4685-be1f-d57550cc96cc">false</MachineTranslated>
+    <OriginalSourceMarket xmlns="4873beb7-5857-4685-be1f-d57550cc96cc" xsi:nil="true"/>
+    <APDescription xmlns="4873beb7-5857-4685-be1f-d57550cc96cc">This simple template design works for technology and  businesses, but it's versatile enough to use in other contexts.  It features multiple slide layouts designed for widescreen (16x9 resolution) and includes a sample SmartArt list and chart that are easily editable.</APDescription>
+    <ClipArtFilename xmlns="4873beb7-5857-4685-be1f-d57550cc96cc" xsi:nil="true"/>
+    <ContentItem xmlns="4873beb7-5857-4685-be1f-d57550cc96cc" xsi:nil="true"/>
+    <TPInstallLocation xmlns="4873beb7-5857-4685-be1f-d57550cc96cc" xsi:nil="true"/>
+    <PublishTargets xmlns="4873beb7-5857-4685-be1f-d57550cc96cc">OfficeOnlineVNext</PublishTargets>
+    <TimesCloned xmlns="4873beb7-5857-4685-be1f-d57550cc96cc" xsi:nil="true"/>
+    <AssetStart xmlns="4873beb7-5857-4685-be1f-d57550cc96cc">2011-11-26T00:30:00+00:00</AssetStart>
+    <Provider xmlns="4873beb7-5857-4685-be1f-d57550cc96cc" xsi:nil="true"/>
+    <AcquiredFrom xmlns="4873beb7-5857-4685-be1f-d57550cc96cc">Internal MS</AcquiredFrom>
+    <FriendlyTitle xmlns="4873beb7-5857-4685-be1f-d57550cc96cc" xsi:nil="true"/>
+    <LastHandOff xmlns="4873beb7-5857-4685-be1f-d57550cc96cc" xsi:nil="true"/>
+    <TPClientViewer xmlns="4873beb7-5857-4685-be1f-d57550cc96cc" xsi:nil="true"/>
+    <TemplateStatus xmlns="4873beb7-5857-4685-be1f-d57550cc96cc">Complete</TemplateStatus>
+    <Downloads xmlns="4873beb7-5857-4685-be1f-d57550cc96cc">0</Downloads>
+    <OOCacheId xmlns="4873beb7-5857-4685-be1f-d57550cc96cc" xsi:nil="true"/>
+    <IsDeleted xmlns="4873beb7-5857-4685-be1f-d57550cc96cc">false</IsDeleted>
+    <LocPublishedDependentAssetsLookup xmlns="4873beb7-5857-4685-be1f-d57550cc96cc" xsi:nil="true"/>
+    <TPExecutable xmlns="4873beb7-5857-4685-be1f-d57550cc96cc" xsi:nil="true"/>
+    <EditorialTags xmlns="4873beb7-5857-4685-be1f-d57550cc96cc" xsi:nil="true"/>
+    <SubmitterId xmlns="4873beb7-5857-4685-be1f-d57550cc96cc" xsi:nil="true"/>
+    <ApprovalLog xmlns="4873beb7-5857-4685-be1f-d57550cc96cc" xsi:nil="true"/>
+    <AssetType xmlns="4873beb7-5857-4685-be1f-d57550cc96cc">TP</AssetType>
+    <BugNumber xmlns="4873beb7-5857-4685-be1f-d57550cc96cc" xsi:nil="true"/>
+    <CSXSubmissionDate xmlns="4873beb7-5857-4685-be1f-d57550cc96cc" xsi:nil="true"/>
+    <CSXUpdate xmlns="4873beb7-5857-4685-be1f-d57550cc96cc">false</CSXUpdate>
+    <Milestone xmlns="4873beb7-5857-4685-be1f-d57550cc96cc" xsi:nil="true"/>
+    <RecommendationsModifier xmlns="4873beb7-5857-4685-be1f-d57550cc96cc" xsi:nil="true"/>
+    <OriginAsset xmlns="4873beb7-5857-4685-be1f-d57550cc96cc" xsi:nil="true"/>
+    <TPComponent xmlns="4873beb7-5857-4685-be1f-d57550cc96cc" xsi:nil="true"/>
+    <AssetId xmlns="4873beb7-5857-4685-be1f-d57550cc96cc">TP102787989</AssetId>
+    <IntlLocPriority xmlns="4873beb7-5857-4685-be1f-d57550cc96cc" xsi:nil="true"/>
+    <PolicheckWords xmlns="4873beb7-5857-4685-be1f-d57550cc96cc" xsi:nil="true"/>
+    <TPLaunchHelpLink xmlns="4873beb7-5857-4685-be1f-d57550cc96cc" xsi:nil="true"/>
+    <TPApplication xmlns="4873beb7-5857-4685-be1f-d57550cc96cc" xsi:nil="true"/>
+    <CrawlForDependencies xmlns="4873beb7-5857-4685-be1f-d57550cc96cc">false</CrawlForDependencies>
+    <HandoffToMSDN xmlns="4873beb7-5857-4685-be1f-d57550cc96cc" xsi:nil="true"/>
+    <PlannedPubDate xmlns="4873beb7-5857-4685-be1f-d57550cc96cc" xsi:nil="true"/>
+    <IntlLangReviewer xmlns="4873beb7-5857-4685-be1f-d57550cc96cc" xsi:nil="true"/>
+    <TrustLevel xmlns="4873beb7-5857-4685-be1f-d57550cc96cc">1 Microsoft Managed Content</TrustLevel>
+    <LocLastLocAttemptVersionLookup xmlns="4873beb7-5857-4685-be1f-d57550cc96cc">694266</LocLastLocAttemptVersionLookup>
+    <LocProcessedForHandoffsLookup xmlns="4873beb7-5857-4685-be1f-d57550cc96cc" xsi:nil="true"/>
+    <IsSearchable xmlns="4873beb7-5857-4685-be1f-d57550cc96cc">true</IsSearchable>
+    <TemplateTemplateType xmlns="4873beb7-5857-4685-be1f-d57550cc96cc">PowerPoint Presentation Template</TemplateTemplateType>
+    <CampaignTagsTaxHTField0 xmlns="4873beb7-5857-4685-be1f-d57550cc96cc">
+      <Terms xmlns="http://schemas.microsoft.com/office/infopath/2007/PartnerControls"/>
+    </CampaignTagsTaxHTField0>
+    <TPNamespace xmlns="4873beb7-5857-4685-be1f-d57550cc96cc" xsi:nil="true"/>
+    <LocOverallPreviewStatusLookup xmlns="4873beb7-5857-4685-be1f-d57550cc96cc" xsi:nil="true"/>
+    <TaxCatchAll xmlns="4873beb7-5857-4685-be1f-d57550cc96cc"/>
+    <Markets xmlns="4873beb7-5857-4685-be1f-d57550cc96cc"/>
+    <UAProjectedTotalWords xmlns="4873beb7-5857-4685-be1f-d57550cc96cc" xsi:nil="true"/>
+    <IntlLangReview xmlns="4873beb7-5857-4685-be1f-d57550cc96cc" xsi:nil="true"/>
+    <OutputCachingOn xmlns="4873beb7-5857-4685-be1f-d57550cc96cc">false</OutputCachingOn>
+    <AverageRating xmlns="4873beb7-5857-4685-be1f-d57550cc96cc" xsi:nil="true"/>
+    <APAuthor xmlns="4873beb7-5857-4685-be1f-d57550cc96cc">
+      <UserInfo>
+        <DisplayName>REDMOND\kristaa</DisplayName>
+        <AccountId>136</AccountId>
+        <AccountType/>
+      </UserInfo>
+    </APAuthor>
+    <LocManualTestRequired xmlns="4873beb7-5857-4685-be1f-d57550cc96cc">false</LocManualTestRequired>
+    <TPCommandLine xmlns="4873beb7-5857-4685-be1f-d57550cc96cc" xsi:nil="true"/>
+    <TPAppVersion xmlns="4873beb7-5857-4685-be1f-d57550cc96cc" xsi:nil="true"/>
+    <EditorialStatus xmlns="4873beb7-5857-4685-be1f-d57550cc96cc">Complete</EditorialStatus>
+    <LastModifiedDateTime xmlns="4873beb7-5857-4685-be1f-d57550cc96cc" xsi:nil="true"/>
+    <ScenarioTagsTaxHTField0 xmlns="4873beb7-5857-4685-be1f-d57550cc96cc">
+      <Terms xmlns="http://schemas.microsoft.com/office/infopath/2007/PartnerControls"/>
+    </ScenarioTagsTaxHTField0>
+    <LocProcessedForMarketsLookup xmlns="4873beb7-5857-4685-be1f-d57550cc96cc" xsi:nil="true"/>
+    <TPLaunchHelpLinkType xmlns="4873beb7-5857-4685-be1f-d57550cc96cc">Template</TPLaunchHelpLinkType>
+    <OriginalRelease xmlns="4873beb7-5857-4685-be1f-d57550cc96cc">15</OriginalRelease>
+    <LocalizationTagsTaxHTField0 xmlns="4873beb7-5857-4685-be1f-d57550cc96cc">
+      <Terms xmlns="http://schemas.microsoft.com/office/infopath/2007/PartnerControls"/>
+    </LocalizationTagsTaxHTField0>
+    <UACurrentWords xmlns="4873beb7-5857-4685-be1f-d57550cc96cc" xsi:nil="true"/>
+    <ArtSampleDocs xmlns="4873beb7-5857-4685-be1f-d57550cc96cc" xsi:nil="true"/>
+    <UALocRecommendation xmlns="4873beb7-5857-4685-be1f-d57550cc96cc">Localize</UALocRecommendation>
+    <Manager xmlns="4873beb7-5857-4685-be1f-d57550cc96cc" xsi:nil="true"/>
+    <LocOverallHandbackStatusLookup xmlns="4873beb7-5857-4685-be1f-d57550cc96cc" xsi:nil="true"/>
+    <ShowIn xmlns="4873beb7-5857-4685-be1f-d57550cc96cc">Show everywhere</ShowIn>
+    <UANotes xmlns="4873beb7-5857-4685-be1f-d57550cc96cc" xsi:nil="true"/>
+    <InternalTagsTaxHTField0 xmlns="4873beb7-5857-4685-be1f-d57550cc96cc">
+      <Terms xmlns="http://schemas.microsoft.com/office/infopath/2007/PartnerControls"/>
+    </InternalTagsTaxHTField0>
+    <CSXHash xmlns="4873beb7-5857-4685-be1f-d57550cc96cc" xsi:nil="true"/>
+    <VoteCount xmlns="4873beb7-5857-4685-be1f-d57550cc96cc" xsi:nil="true"/>
+    <AssetExpire xmlns="4873beb7-5857-4685-be1f-d57550cc96cc">2029-05-12T07:00:00+00:00</AssetExpire>
+    <DSATActionTaken xmlns="4873beb7-5857-4685-be1f-d57550cc96cc" xsi:nil="true"/>
+    <CSXSubmissionMarket xmlns="4873beb7-5857-4685-be1f-d57550cc96cc" xsi:nil="true"/>
+    <LocMarketGroupTiers2 xmlns="4873beb7-5857-4685-be1f-d57550cc96cc" xsi:nil="true"/>
+  </documentManagement>
+</p:properties>
+</file>
+
 <file path=customXml/item3.xml><?xml version="1.0" encoding="utf-8"?>
 <?mso-contentType ?>
 <FormTemplates xmlns="http://schemas.microsoft.com/sharepoint/v3/contenttype/forms">
@@ -24167,22 +25251,6 @@
 </file>
 
 <file path=customXml/itemProps1.xml><?xml version="1.0" encoding="utf-8"?>
-<ds:datastoreItem xmlns:ds="http://schemas.openxmlformats.org/officeDocument/2006/customXml" ds:itemID="{60C67BEE-D13F-4BD2-98A5-34D8A0977F68}">
-  <ds:schemaRefs>
-    <ds:schemaRef ds:uri="4873beb7-5857-4685-be1f-d57550cc96cc"/>
-    <ds:schemaRef ds:uri="http://schemas.openxmlformats.org/package/2006/metadata/core-properties"/>
-    <ds:schemaRef ds:uri="http://purl.org/dc/terms/"/>
-    <ds:schemaRef ds:uri="http://schemas.microsoft.com/office/2006/documentManagement/types"/>
-    <ds:schemaRef ds:uri="http://purl.org/dc/elements/1.1/"/>
-    <ds:schemaRef ds:uri="http://schemas.microsoft.com/office/2006/metadata/properties"/>
-    <ds:schemaRef ds:uri="http://schemas.microsoft.com/office/infopath/2007/PartnerControls"/>
-    <ds:schemaRef ds:uri="http://www.w3.org/XML/1998/namespace"/>
-    <ds:schemaRef ds:uri="http://purl.org/dc/dcmitype/"/>
-  </ds:schemaRefs>
-</ds:datastoreItem>
-</file>
-
-<file path=customXml/itemProps2.xml><?xml version="1.0" encoding="utf-8"?>
 <ds:datastoreItem xmlns:ds="http://schemas.openxmlformats.org/officeDocument/2006/customXml" ds:itemID="{A09BF4D4-EF60-4196-BFC3-9462D607978C}">
   <ds:schemaRefs>
     <ds:schemaRef ds:uri="http://schemas.microsoft.com/office/2006/metadata/contentType"/>
@@ -24200,6 +25268,22 @@
 </ds:datastoreItem>
 </file>
 
+<file path=customXml/itemProps2.xml><?xml version="1.0" encoding="utf-8"?>
+<ds:datastoreItem xmlns:ds="http://schemas.openxmlformats.org/officeDocument/2006/customXml" ds:itemID="{60C67BEE-D13F-4BD2-98A5-34D8A0977F68}">
+  <ds:schemaRefs>
+    <ds:schemaRef ds:uri="4873beb7-5857-4685-be1f-d57550cc96cc"/>
+    <ds:schemaRef ds:uri="http://schemas.openxmlformats.org/package/2006/metadata/core-properties"/>
+    <ds:schemaRef ds:uri="http://purl.org/dc/terms/"/>
+    <ds:schemaRef ds:uri="http://schemas.microsoft.com/office/2006/documentManagement/types"/>
+    <ds:schemaRef ds:uri="http://purl.org/dc/elements/1.1/"/>
+    <ds:schemaRef ds:uri="http://schemas.microsoft.com/office/2006/metadata/properties"/>
+    <ds:schemaRef ds:uri="http://schemas.microsoft.com/office/infopath/2007/PartnerControls"/>
+    <ds:schemaRef ds:uri="http://www.w3.org/XML/1998/namespace"/>
+    <ds:schemaRef ds:uri="http://purl.org/dc/dcmitype/"/>
+  </ds:schemaRefs>
+</ds:datastoreItem>
+</file>
+
 <file path=customXml/itemProps3.xml><?xml version="1.0" encoding="utf-8"?>
 <ds:datastoreItem xmlns:ds="http://schemas.openxmlformats.org/officeDocument/2006/customXml" ds:itemID="{3836F65B-1B07-41EE-A0E8-BC6EF3855225}">
   <ds:schemaRefs>
